--- a/Nametag/template.pptx
+++ b/Nametag/template.pptx
@@ -9,6 +9,9 @@
     <p:sldId id="257" r:id="rId3"/>
     <p:sldId id="258" r:id="rId4"/>
     <p:sldId id="259" r:id="rId5"/>
+    <p:sldId id="260" r:id="rId6"/>
+    <p:sldId id="261" r:id="rId7"/>
+    <p:sldId id="262" r:id="rId8"/>
   </p:sldIdLst>
   <p:sldSz cx="7559675" cy="10691813"/>
   <p:notesSz cx="6858000" cy="9144000"/>
@@ -246,7 +249,7 @@
           <a:p>
             <a:fld id="{61425978-05AF-4FC7-BA6F-B02AD3F9F5F2}" type="datetimeFigureOut">
               <a:rPr lang="ko-KR" altLang="en-US" smtClean="0"/>
-              <a:t>2021-10-16</a:t>
+              <a:t>2021-10-19</a:t>
             </a:fld>
             <a:endParaRPr lang="ko-KR" altLang="en-US"/>
           </a:p>
@@ -416,7 +419,7 @@
           <a:p>
             <a:fld id="{61425978-05AF-4FC7-BA6F-B02AD3F9F5F2}" type="datetimeFigureOut">
               <a:rPr lang="ko-KR" altLang="en-US" smtClean="0"/>
-              <a:t>2021-10-16</a:t>
+              <a:t>2021-10-19</a:t>
             </a:fld>
             <a:endParaRPr lang="ko-KR" altLang="en-US"/>
           </a:p>
@@ -596,7 +599,7 @@
           <a:p>
             <a:fld id="{61425978-05AF-4FC7-BA6F-B02AD3F9F5F2}" type="datetimeFigureOut">
               <a:rPr lang="ko-KR" altLang="en-US" smtClean="0"/>
-              <a:t>2021-10-16</a:t>
+              <a:t>2021-10-19</a:t>
             </a:fld>
             <a:endParaRPr lang="ko-KR" altLang="en-US"/>
           </a:p>
@@ -766,7 +769,7 @@
           <a:p>
             <a:fld id="{61425978-05AF-4FC7-BA6F-B02AD3F9F5F2}" type="datetimeFigureOut">
               <a:rPr lang="ko-KR" altLang="en-US" smtClean="0"/>
-              <a:t>2021-10-16</a:t>
+              <a:t>2021-10-19</a:t>
             </a:fld>
             <a:endParaRPr lang="ko-KR" altLang="en-US"/>
           </a:p>
@@ -1010,7 +1013,7 @@
           <a:p>
             <a:fld id="{61425978-05AF-4FC7-BA6F-B02AD3F9F5F2}" type="datetimeFigureOut">
               <a:rPr lang="ko-KR" altLang="en-US" smtClean="0"/>
-              <a:t>2021-10-16</a:t>
+              <a:t>2021-10-19</a:t>
             </a:fld>
             <a:endParaRPr lang="ko-KR" altLang="en-US"/>
           </a:p>
@@ -1242,7 +1245,7 @@
           <a:p>
             <a:fld id="{61425978-05AF-4FC7-BA6F-B02AD3F9F5F2}" type="datetimeFigureOut">
               <a:rPr lang="ko-KR" altLang="en-US" smtClean="0"/>
-              <a:t>2021-10-16</a:t>
+              <a:t>2021-10-19</a:t>
             </a:fld>
             <a:endParaRPr lang="ko-KR" altLang="en-US"/>
           </a:p>
@@ -1609,7 +1612,7 @@
           <a:p>
             <a:fld id="{61425978-05AF-4FC7-BA6F-B02AD3F9F5F2}" type="datetimeFigureOut">
               <a:rPr lang="ko-KR" altLang="en-US" smtClean="0"/>
-              <a:t>2021-10-16</a:t>
+              <a:t>2021-10-19</a:t>
             </a:fld>
             <a:endParaRPr lang="ko-KR" altLang="en-US"/>
           </a:p>
@@ -1727,7 +1730,7 @@
           <a:p>
             <a:fld id="{61425978-05AF-4FC7-BA6F-B02AD3F9F5F2}" type="datetimeFigureOut">
               <a:rPr lang="ko-KR" altLang="en-US" smtClean="0"/>
-              <a:t>2021-10-16</a:t>
+              <a:t>2021-10-19</a:t>
             </a:fld>
             <a:endParaRPr lang="ko-KR" altLang="en-US"/>
           </a:p>
@@ -1822,7 +1825,7 @@
           <a:p>
             <a:fld id="{61425978-05AF-4FC7-BA6F-B02AD3F9F5F2}" type="datetimeFigureOut">
               <a:rPr lang="ko-KR" altLang="en-US" smtClean="0"/>
-              <a:t>2021-10-16</a:t>
+              <a:t>2021-10-19</a:t>
             </a:fld>
             <a:endParaRPr lang="ko-KR" altLang="en-US"/>
           </a:p>
@@ -2099,7 +2102,7 @@
           <a:p>
             <a:fld id="{61425978-05AF-4FC7-BA6F-B02AD3F9F5F2}" type="datetimeFigureOut">
               <a:rPr lang="ko-KR" altLang="en-US" smtClean="0"/>
-              <a:t>2021-10-16</a:t>
+              <a:t>2021-10-19</a:t>
             </a:fld>
             <a:endParaRPr lang="ko-KR" altLang="en-US"/>
           </a:p>
@@ -2356,7 +2359,7 @@
           <a:p>
             <a:fld id="{61425978-05AF-4FC7-BA6F-B02AD3F9F5F2}" type="datetimeFigureOut">
               <a:rPr lang="ko-KR" altLang="en-US" smtClean="0"/>
-              <a:t>2021-10-16</a:t>
+              <a:t>2021-10-19</a:t>
             </a:fld>
             <a:endParaRPr lang="ko-KR" altLang="en-US"/>
           </a:p>
@@ -2569,7 +2572,7 @@
           <a:p>
             <a:fld id="{61425978-05AF-4FC7-BA6F-B02AD3F9F5F2}" type="datetimeFigureOut">
               <a:rPr lang="ko-KR" altLang="en-US" smtClean="0"/>
-              <a:t>2021-10-16</a:t>
+              <a:t>2021-10-19</a:t>
             </a:fld>
             <a:endParaRPr lang="ko-KR" altLang="en-US"/>
           </a:p>
@@ -10805,6 +10808,5892 @@
 </p:sld>
 </file>
 
+<file path=ppt/slides/slide5.xml><?xml version="1.0" encoding="utf-8"?>
+<p:sld xmlns:a="http://schemas.openxmlformats.org/drawingml/2006/main" xmlns:r="http://schemas.openxmlformats.org/officeDocument/2006/relationships" xmlns:p="http://schemas.openxmlformats.org/presentationml/2006/main">
+  <p:cSld>
+    <p:spTree>
+      <p:nvGrpSpPr>
+        <p:cNvPr id="1" name=""/>
+        <p:cNvGrpSpPr/>
+        <p:nvPr/>
+      </p:nvGrpSpPr>
+      <p:grpSpPr>
+        <a:xfrm>
+          <a:off x="0" y="0"/>
+          <a:ext cx="0" cy="0"/>
+          <a:chOff x="0" y="0"/>
+          <a:chExt cx="0" cy="0"/>
+        </a:xfrm>
+      </p:grpSpPr>
+      <p:sp>
+        <p:nvSpPr>
+          <p:cNvPr id="4" name="직사각형 3">
+            <a:extLst>
+              <a:ext uri="{FF2B5EF4-FFF2-40B4-BE49-F238E27FC236}">
+                <a16:creationId xmlns:a16="http://schemas.microsoft.com/office/drawing/2014/main" id="{963576F8-CF1A-4490-960E-CC3F5F120FFB}"/>
+              </a:ext>
+            </a:extLst>
+          </p:cNvPr>
+          <p:cNvSpPr/>
+          <p:nvPr/>
+        </p:nvSpPr>
+        <p:spPr>
+          <a:xfrm>
+            <a:off x="0" y="0"/>
+            <a:ext cx="3762000" cy="3240000"/>
+          </a:xfrm>
+          <a:prstGeom prst="rect">
+            <a:avLst/>
+          </a:prstGeom>
+          <a:solidFill>
+            <a:schemeClr val="bg1"/>
+          </a:solidFill>
+          <a:ln>
+            <a:noFill/>
+          </a:ln>
+        </p:spPr>
+        <p:style>
+          <a:lnRef idx="2">
+            <a:schemeClr val="accent1">
+              <a:shade val="50000"/>
+            </a:schemeClr>
+          </a:lnRef>
+          <a:fillRef idx="1">
+            <a:schemeClr val="accent1"/>
+          </a:fillRef>
+          <a:effectRef idx="0">
+            <a:schemeClr val="accent1"/>
+          </a:effectRef>
+          <a:fontRef idx="minor">
+            <a:schemeClr val="lt1"/>
+          </a:fontRef>
+        </p:style>
+        <p:txBody>
+          <a:bodyPr rtlCol="0" anchor="ctr"/>
+          <a:lstStyle/>
+          <a:p>
+            <a:pPr algn="ctr"/>
+            <a:endParaRPr lang="ko-KR" altLang="en-US"/>
+          </a:p>
+        </p:txBody>
+      </p:sp>
+      <p:pic>
+        <p:nvPicPr>
+          <p:cNvPr id="5" name="그림 4">
+            <a:extLst>
+              <a:ext uri="{FF2B5EF4-FFF2-40B4-BE49-F238E27FC236}">
+                <a16:creationId xmlns:a16="http://schemas.microsoft.com/office/drawing/2014/main" id="{67D5FCC2-DCD5-457E-9736-A1DFA9732E40}"/>
+              </a:ext>
+            </a:extLst>
+          </p:cNvPr>
+          <p:cNvPicPr>
+            <a:picLocks noChangeAspect="1"/>
+          </p:cNvPicPr>
+          <p:nvPr/>
+        </p:nvPicPr>
+        <p:blipFill rotWithShape="1">
+          <a:blip r:embed="rId2">
+            <a:alphaModFix/>
+            <a:extLst>
+              <a:ext uri="{28A0092B-C50C-407E-A947-70E740481C1C}">
+                <a14:useLocalDpi xmlns:a14="http://schemas.microsoft.com/office/drawing/2010/main" val="0"/>
+              </a:ext>
+            </a:extLst>
+          </a:blip>
+          <a:srcRect l="8539" t="7835" r="8539" b="7922"/>
+          <a:stretch/>
+        </p:blipFill>
+        <p:spPr>
+          <a:xfrm>
+            <a:off x="99209" y="91120"/>
+            <a:ext cx="328146" cy="333372"/>
+          </a:xfrm>
+          <a:prstGeom prst="rect">
+            <a:avLst/>
+          </a:prstGeom>
+        </p:spPr>
+      </p:pic>
+      <p:sp>
+        <p:nvSpPr>
+          <p:cNvPr id="6" name="TextBox 5">
+            <a:extLst>
+              <a:ext uri="{FF2B5EF4-FFF2-40B4-BE49-F238E27FC236}">
+                <a16:creationId xmlns:a16="http://schemas.microsoft.com/office/drawing/2014/main" id="{33169086-7325-4A2D-85E4-670807A90D9E}"/>
+              </a:ext>
+            </a:extLst>
+          </p:cNvPr>
+          <p:cNvSpPr txBox="1"/>
+          <p:nvPr/>
+        </p:nvSpPr>
+        <p:spPr>
+          <a:xfrm>
+            <a:off x="390080" y="83500"/>
+            <a:ext cx="1144865" cy="200055"/>
+          </a:xfrm>
+          <a:prstGeom prst="rect">
+            <a:avLst/>
+          </a:prstGeom>
+          <a:noFill/>
+        </p:spPr>
+        <p:txBody>
+          <a:bodyPr wrap="none" rtlCol="0">
+            <a:spAutoFit/>
+          </a:bodyPr>
+          <a:lstStyle/>
+          <a:p>
+            <a:r>
+              <a:rPr lang="en-US" altLang="ko-KR" sz="700" b="1"/>
+              <a:t>UNIVERSITY of DEBRECEN</a:t>
+            </a:r>
+          </a:p>
+        </p:txBody>
+      </p:sp>
+      <p:sp>
+        <p:nvSpPr>
+          <p:cNvPr id="7" name="TextBox 6">
+            <a:extLst>
+              <a:ext uri="{FF2B5EF4-FFF2-40B4-BE49-F238E27FC236}">
+                <a16:creationId xmlns:a16="http://schemas.microsoft.com/office/drawing/2014/main" id="{69AAE6D2-A3CA-4D02-8C73-E7EA45341155}"/>
+              </a:ext>
+            </a:extLst>
+          </p:cNvPr>
+          <p:cNvSpPr txBox="1"/>
+          <p:nvPr/>
+        </p:nvSpPr>
+        <p:spPr>
+          <a:xfrm>
+            <a:off x="379908" y="179853"/>
+            <a:ext cx="1409360" cy="276999"/>
+          </a:xfrm>
+          <a:prstGeom prst="rect">
+            <a:avLst/>
+          </a:prstGeom>
+          <a:noFill/>
+        </p:spPr>
+        <p:txBody>
+          <a:bodyPr wrap="none" rtlCol="0">
+            <a:spAutoFit/>
+          </a:bodyPr>
+          <a:lstStyle/>
+          <a:p>
+            <a:r>
+              <a:rPr lang="en-US" altLang="ko-KR" sz="1200" b="1"/>
+              <a:t>GIS ENGLISH CAMP</a:t>
+            </a:r>
+            <a:endParaRPr lang="ko-KR" altLang="en-US" sz="1200" b="1"/>
+          </a:p>
+        </p:txBody>
+      </p:sp>
+      <p:sp>
+        <p:nvSpPr>
+          <p:cNvPr id="8" name="TextBox 7">
+            <a:extLst>
+              <a:ext uri="{FF2B5EF4-FFF2-40B4-BE49-F238E27FC236}">
+                <a16:creationId xmlns:a16="http://schemas.microsoft.com/office/drawing/2014/main" id="{8D80FE8C-388B-476F-B822-95B0D3B7A75D}"/>
+              </a:ext>
+            </a:extLst>
+          </p:cNvPr>
+          <p:cNvSpPr txBox="1"/>
+          <p:nvPr/>
+        </p:nvSpPr>
+        <p:spPr>
+          <a:xfrm>
+            <a:off x="1408758" y="885299"/>
+            <a:ext cx="944490" cy="369332"/>
+          </a:xfrm>
+          <a:prstGeom prst="rect">
+            <a:avLst/>
+          </a:prstGeom>
+          <a:noFill/>
+        </p:spPr>
+        <p:txBody>
+          <a:bodyPr wrap="none" rtlCol="0">
+            <a:spAutoFit/>
+          </a:bodyPr>
+          <a:lstStyle/>
+          <a:p>
+            <a:pPr algn="ctr"/>
+            <a:r>
+              <a:rPr lang="en-US" altLang="ko-KR"/>
+              <a:t>position</a:t>
+            </a:r>
+            <a:endParaRPr lang="ko-KR" altLang="en-US"/>
+          </a:p>
+        </p:txBody>
+      </p:sp>
+      <p:sp>
+        <p:nvSpPr>
+          <p:cNvPr id="9" name="TextBox 8">
+            <a:extLst>
+              <a:ext uri="{FF2B5EF4-FFF2-40B4-BE49-F238E27FC236}">
+                <a16:creationId xmlns:a16="http://schemas.microsoft.com/office/drawing/2014/main" id="{7E16E048-54E4-4757-A04F-50727F287E8D}"/>
+              </a:ext>
+            </a:extLst>
+          </p:cNvPr>
+          <p:cNvSpPr txBox="1"/>
+          <p:nvPr/>
+        </p:nvSpPr>
+        <p:spPr>
+          <a:xfrm>
+            <a:off x="1186742" y="1359764"/>
+            <a:ext cx="1388521" cy="707886"/>
+          </a:xfrm>
+          <a:prstGeom prst="rect">
+            <a:avLst/>
+          </a:prstGeom>
+          <a:noFill/>
+        </p:spPr>
+        <p:txBody>
+          <a:bodyPr wrap="none" rtlCol="0">
+            <a:spAutoFit/>
+          </a:bodyPr>
+          <a:lstStyle/>
+          <a:p>
+            <a:pPr algn="ctr"/>
+            <a:r>
+              <a:rPr lang="en-US" altLang="ko-KR" sz="4000" b="1"/>
+              <a:t>name</a:t>
+            </a:r>
+            <a:endParaRPr lang="ko-KR" altLang="en-US" sz="4000" b="1"/>
+          </a:p>
+        </p:txBody>
+      </p:sp>
+      <p:sp>
+        <p:nvSpPr>
+          <p:cNvPr id="10" name="TextBox 9">
+            <a:extLst>
+              <a:ext uri="{FF2B5EF4-FFF2-40B4-BE49-F238E27FC236}">
+                <a16:creationId xmlns:a16="http://schemas.microsoft.com/office/drawing/2014/main" id="{66BB71DE-BEF2-40CF-8B37-F130773816A0}"/>
+              </a:ext>
+            </a:extLst>
+          </p:cNvPr>
+          <p:cNvSpPr txBox="1"/>
+          <p:nvPr/>
+        </p:nvSpPr>
+        <p:spPr>
+          <a:xfrm>
+            <a:off x="991180" y="2072188"/>
+            <a:ext cx="1779654" cy="584775"/>
+          </a:xfrm>
+          <a:prstGeom prst="rect">
+            <a:avLst/>
+          </a:prstGeom>
+          <a:noFill/>
+        </p:spPr>
+        <p:txBody>
+          <a:bodyPr wrap="none" rtlCol="0">
+            <a:spAutoFit/>
+          </a:bodyPr>
+          <a:lstStyle/>
+          <a:p>
+            <a:pPr algn="ctr"/>
+            <a:r>
+              <a:rPr lang="en-US" altLang="ko-KR" sz="3200" b="1"/>
+              <a:t>subname</a:t>
+            </a:r>
+            <a:endParaRPr lang="ko-KR" altLang="en-US" sz="3200" b="1"/>
+          </a:p>
+        </p:txBody>
+      </p:sp>
+      <p:sp>
+        <p:nvSpPr>
+          <p:cNvPr id="11" name="직사각형 10">
+            <a:extLst>
+              <a:ext uri="{FF2B5EF4-FFF2-40B4-BE49-F238E27FC236}">
+                <a16:creationId xmlns:a16="http://schemas.microsoft.com/office/drawing/2014/main" id="{F0D2024F-A536-473D-8921-00A9790B9F95}"/>
+              </a:ext>
+            </a:extLst>
+          </p:cNvPr>
+          <p:cNvSpPr/>
+          <p:nvPr/>
+        </p:nvSpPr>
+        <p:spPr>
+          <a:xfrm>
+            <a:off x="0" y="2962300"/>
+            <a:ext cx="3762000" cy="277700"/>
+          </a:xfrm>
+          <a:prstGeom prst="rect">
+            <a:avLst/>
+          </a:prstGeom>
+          <a:solidFill>
+            <a:schemeClr val="accent6"/>
+          </a:solidFill>
+          <a:ln>
+            <a:noFill/>
+          </a:ln>
+        </p:spPr>
+        <p:style>
+          <a:lnRef idx="2">
+            <a:schemeClr val="accent1">
+              <a:shade val="50000"/>
+            </a:schemeClr>
+          </a:lnRef>
+          <a:fillRef idx="1">
+            <a:schemeClr val="accent1"/>
+          </a:fillRef>
+          <a:effectRef idx="0">
+            <a:schemeClr val="accent1"/>
+          </a:effectRef>
+          <a:fontRef idx="minor">
+            <a:schemeClr val="lt1"/>
+          </a:fontRef>
+        </p:style>
+        <p:txBody>
+          <a:bodyPr rtlCol="0" anchor="ctr"/>
+          <a:lstStyle/>
+          <a:p>
+            <a:pPr algn="ctr"/>
+            <a:endParaRPr lang="ko-KR" altLang="en-US"/>
+          </a:p>
+        </p:txBody>
+      </p:sp>
+      <p:sp>
+        <p:nvSpPr>
+          <p:cNvPr id="12" name="직사각형 11">
+            <a:extLst>
+              <a:ext uri="{FF2B5EF4-FFF2-40B4-BE49-F238E27FC236}">
+                <a16:creationId xmlns:a16="http://schemas.microsoft.com/office/drawing/2014/main" id="{12FF3C62-B937-457E-9957-A8025753F04E}"/>
+              </a:ext>
+            </a:extLst>
+          </p:cNvPr>
+          <p:cNvSpPr/>
+          <p:nvPr/>
+        </p:nvSpPr>
+        <p:spPr>
+          <a:xfrm>
+            <a:off x="3797676" y="0"/>
+            <a:ext cx="3762000" cy="3240000"/>
+          </a:xfrm>
+          <a:prstGeom prst="rect">
+            <a:avLst/>
+          </a:prstGeom>
+          <a:solidFill>
+            <a:schemeClr val="bg1"/>
+          </a:solidFill>
+          <a:ln>
+            <a:noFill/>
+          </a:ln>
+        </p:spPr>
+        <p:style>
+          <a:lnRef idx="2">
+            <a:schemeClr val="accent1">
+              <a:shade val="50000"/>
+            </a:schemeClr>
+          </a:lnRef>
+          <a:fillRef idx="1">
+            <a:schemeClr val="accent1"/>
+          </a:fillRef>
+          <a:effectRef idx="0">
+            <a:schemeClr val="accent1"/>
+          </a:effectRef>
+          <a:fontRef idx="minor">
+            <a:schemeClr val="lt1"/>
+          </a:fontRef>
+        </p:style>
+        <p:txBody>
+          <a:bodyPr rtlCol="0" anchor="ctr"/>
+          <a:lstStyle/>
+          <a:p>
+            <a:pPr algn="ctr"/>
+            <a:endParaRPr lang="ko-KR" altLang="en-US"/>
+          </a:p>
+        </p:txBody>
+      </p:sp>
+      <p:pic>
+        <p:nvPicPr>
+          <p:cNvPr id="13" name="그림 12">
+            <a:extLst>
+              <a:ext uri="{FF2B5EF4-FFF2-40B4-BE49-F238E27FC236}">
+                <a16:creationId xmlns:a16="http://schemas.microsoft.com/office/drawing/2014/main" id="{3A289C0F-CB20-4FE8-BA1F-1554A1BDAAD9}"/>
+              </a:ext>
+            </a:extLst>
+          </p:cNvPr>
+          <p:cNvPicPr>
+            <a:picLocks noChangeAspect="1"/>
+          </p:cNvPicPr>
+          <p:nvPr/>
+        </p:nvPicPr>
+        <p:blipFill rotWithShape="1">
+          <a:blip r:embed="rId2">
+            <a:alphaModFix/>
+            <a:extLst>
+              <a:ext uri="{28A0092B-C50C-407E-A947-70E740481C1C}">
+                <a14:useLocalDpi xmlns:a14="http://schemas.microsoft.com/office/drawing/2010/main" val="0"/>
+              </a:ext>
+            </a:extLst>
+          </a:blip>
+          <a:srcRect l="8539" t="7835" r="8539" b="7922"/>
+          <a:stretch/>
+        </p:blipFill>
+        <p:spPr>
+          <a:xfrm>
+            <a:off x="3896885" y="91120"/>
+            <a:ext cx="328146" cy="333372"/>
+          </a:xfrm>
+          <a:prstGeom prst="rect">
+            <a:avLst/>
+          </a:prstGeom>
+        </p:spPr>
+      </p:pic>
+      <p:sp>
+        <p:nvSpPr>
+          <p:cNvPr id="14" name="TextBox 13">
+            <a:extLst>
+              <a:ext uri="{FF2B5EF4-FFF2-40B4-BE49-F238E27FC236}">
+                <a16:creationId xmlns:a16="http://schemas.microsoft.com/office/drawing/2014/main" id="{3A9F5B41-1947-4AA7-99E4-110B4FCD3129}"/>
+              </a:ext>
+            </a:extLst>
+          </p:cNvPr>
+          <p:cNvSpPr txBox="1"/>
+          <p:nvPr/>
+        </p:nvSpPr>
+        <p:spPr>
+          <a:xfrm>
+            <a:off x="4187756" y="83500"/>
+            <a:ext cx="1144865" cy="200055"/>
+          </a:xfrm>
+          <a:prstGeom prst="rect">
+            <a:avLst/>
+          </a:prstGeom>
+          <a:noFill/>
+        </p:spPr>
+        <p:txBody>
+          <a:bodyPr wrap="none" rtlCol="0">
+            <a:spAutoFit/>
+          </a:bodyPr>
+          <a:lstStyle/>
+          <a:p>
+            <a:r>
+              <a:rPr lang="en-US" altLang="ko-KR" sz="700" b="1"/>
+              <a:t>UNIVERSITY of DEBRECEN</a:t>
+            </a:r>
+          </a:p>
+        </p:txBody>
+      </p:sp>
+      <p:sp>
+        <p:nvSpPr>
+          <p:cNvPr id="15" name="TextBox 14">
+            <a:extLst>
+              <a:ext uri="{FF2B5EF4-FFF2-40B4-BE49-F238E27FC236}">
+                <a16:creationId xmlns:a16="http://schemas.microsoft.com/office/drawing/2014/main" id="{5A59CCB3-8D97-4B53-A971-6C3C38BBA1E8}"/>
+              </a:ext>
+            </a:extLst>
+          </p:cNvPr>
+          <p:cNvSpPr txBox="1"/>
+          <p:nvPr/>
+        </p:nvSpPr>
+        <p:spPr>
+          <a:xfrm>
+            <a:off x="4177584" y="179853"/>
+            <a:ext cx="1409360" cy="276999"/>
+          </a:xfrm>
+          <a:prstGeom prst="rect">
+            <a:avLst/>
+          </a:prstGeom>
+          <a:noFill/>
+        </p:spPr>
+        <p:txBody>
+          <a:bodyPr wrap="none" rtlCol="0">
+            <a:spAutoFit/>
+          </a:bodyPr>
+          <a:lstStyle/>
+          <a:p>
+            <a:r>
+              <a:rPr lang="en-US" altLang="ko-KR" sz="1200" b="1"/>
+              <a:t>GIS ENGLISH CAMP</a:t>
+            </a:r>
+            <a:endParaRPr lang="ko-KR" altLang="en-US" sz="1200" b="1"/>
+          </a:p>
+        </p:txBody>
+      </p:sp>
+      <p:sp>
+        <p:nvSpPr>
+          <p:cNvPr id="16" name="TextBox 15">
+            <a:extLst>
+              <a:ext uri="{FF2B5EF4-FFF2-40B4-BE49-F238E27FC236}">
+                <a16:creationId xmlns:a16="http://schemas.microsoft.com/office/drawing/2014/main" id="{354926EB-51CC-42D0-877C-A9CF3F28CABF}"/>
+              </a:ext>
+            </a:extLst>
+          </p:cNvPr>
+          <p:cNvSpPr txBox="1"/>
+          <p:nvPr/>
+        </p:nvSpPr>
+        <p:spPr>
+          <a:xfrm>
+            <a:off x="5206433" y="885299"/>
+            <a:ext cx="944489" cy="369332"/>
+          </a:xfrm>
+          <a:prstGeom prst="rect">
+            <a:avLst/>
+          </a:prstGeom>
+          <a:noFill/>
+        </p:spPr>
+        <p:txBody>
+          <a:bodyPr wrap="none" rtlCol="0">
+            <a:spAutoFit/>
+          </a:bodyPr>
+          <a:lstStyle/>
+          <a:p>
+            <a:pPr algn="ctr"/>
+            <a:r>
+              <a:rPr lang="en-US" altLang="ko-KR"/>
+              <a:t>position</a:t>
+            </a:r>
+            <a:endParaRPr lang="ko-KR" altLang="en-US"/>
+          </a:p>
+        </p:txBody>
+      </p:sp>
+      <p:sp>
+        <p:nvSpPr>
+          <p:cNvPr id="17" name="TextBox 16">
+            <a:extLst>
+              <a:ext uri="{FF2B5EF4-FFF2-40B4-BE49-F238E27FC236}">
+                <a16:creationId xmlns:a16="http://schemas.microsoft.com/office/drawing/2014/main" id="{4AF5DD76-0B49-464F-B6E2-59A6C7664B7C}"/>
+              </a:ext>
+            </a:extLst>
+          </p:cNvPr>
+          <p:cNvSpPr txBox="1"/>
+          <p:nvPr/>
+        </p:nvSpPr>
+        <p:spPr>
+          <a:xfrm>
+            <a:off x="4984418" y="1359764"/>
+            <a:ext cx="1388521" cy="707886"/>
+          </a:xfrm>
+          <a:prstGeom prst="rect">
+            <a:avLst/>
+          </a:prstGeom>
+          <a:noFill/>
+        </p:spPr>
+        <p:txBody>
+          <a:bodyPr wrap="none" rtlCol="0">
+            <a:spAutoFit/>
+          </a:bodyPr>
+          <a:lstStyle/>
+          <a:p>
+            <a:pPr algn="ctr"/>
+            <a:r>
+              <a:rPr lang="en-US" altLang="ko-KR" sz="4000" b="1"/>
+              <a:t>name</a:t>
+            </a:r>
+            <a:endParaRPr lang="ko-KR" altLang="en-US" sz="4000" b="1"/>
+          </a:p>
+        </p:txBody>
+      </p:sp>
+      <p:sp>
+        <p:nvSpPr>
+          <p:cNvPr id="18" name="TextBox 17">
+            <a:extLst>
+              <a:ext uri="{FF2B5EF4-FFF2-40B4-BE49-F238E27FC236}">
+                <a16:creationId xmlns:a16="http://schemas.microsoft.com/office/drawing/2014/main" id="{9CCCA046-452E-4915-928F-C8193D446B41}"/>
+              </a:ext>
+            </a:extLst>
+          </p:cNvPr>
+          <p:cNvSpPr txBox="1"/>
+          <p:nvPr/>
+        </p:nvSpPr>
+        <p:spPr>
+          <a:xfrm>
+            <a:off x="4804083" y="2072188"/>
+            <a:ext cx="1749198" cy="584775"/>
+          </a:xfrm>
+          <a:prstGeom prst="rect">
+            <a:avLst/>
+          </a:prstGeom>
+          <a:noFill/>
+        </p:spPr>
+        <p:txBody>
+          <a:bodyPr wrap="none" rtlCol="0">
+            <a:spAutoFit/>
+          </a:bodyPr>
+          <a:lstStyle/>
+          <a:p>
+            <a:pPr algn="ctr"/>
+            <a:r>
+              <a:rPr lang="en-US" altLang="ko-KR" sz="3200" b="1"/>
+              <a:t>subname</a:t>
+            </a:r>
+            <a:endParaRPr lang="ko-KR" altLang="en-US" sz="3200" b="1"/>
+          </a:p>
+        </p:txBody>
+      </p:sp>
+      <p:sp>
+        <p:nvSpPr>
+          <p:cNvPr id="19" name="직사각형 18">
+            <a:extLst>
+              <a:ext uri="{FF2B5EF4-FFF2-40B4-BE49-F238E27FC236}">
+                <a16:creationId xmlns:a16="http://schemas.microsoft.com/office/drawing/2014/main" id="{B4FF2C9A-F55C-4AE2-943B-2D063B2AA8A5}"/>
+              </a:ext>
+            </a:extLst>
+          </p:cNvPr>
+          <p:cNvSpPr/>
+          <p:nvPr/>
+        </p:nvSpPr>
+        <p:spPr>
+          <a:xfrm>
+            <a:off x="3797676" y="2962300"/>
+            <a:ext cx="3762000" cy="277700"/>
+          </a:xfrm>
+          <a:prstGeom prst="rect">
+            <a:avLst/>
+          </a:prstGeom>
+          <a:solidFill>
+            <a:schemeClr val="accent6"/>
+          </a:solidFill>
+          <a:ln>
+            <a:noFill/>
+          </a:ln>
+        </p:spPr>
+        <p:style>
+          <a:lnRef idx="2">
+            <a:schemeClr val="accent1">
+              <a:shade val="50000"/>
+            </a:schemeClr>
+          </a:lnRef>
+          <a:fillRef idx="1">
+            <a:schemeClr val="accent1"/>
+          </a:fillRef>
+          <a:effectRef idx="0">
+            <a:schemeClr val="accent1"/>
+          </a:effectRef>
+          <a:fontRef idx="minor">
+            <a:schemeClr val="lt1"/>
+          </a:fontRef>
+        </p:style>
+        <p:txBody>
+          <a:bodyPr rtlCol="0" anchor="ctr"/>
+          <a:lstStyle/>
+          <a:p>
+            <a:pPr algn="ctr"/>
+            <a:endParaRPr lang="ko-KR" altLang="en-US"/>
+          </a:p>
+        </p:txBody>
+      </p:sp>
+      <p:sp>
+        <p:nvSpPr>
+          <p:cNvPr id="20" name="직사각형 19">
+            <a:extLst>
+              <a:ext uri="{FF2B5EF4-FFF2-40B4-BE49-F238E27FC236}">
+                <a16:creationId xmlns:a16="http://schemas.microsoft.com/office/drawing/2014/main" id="{74E6C138-3CB9-440A-A48B-D88FE2F5C9B0}"/>
+              </a:ext>
+            </a:extLst>
+          </p:cNvPr>
+          <p:cNvSpPr/>
+          <p:nvPr/>
+        </p:nvSpPr>
+        <p:spPr>
+          <a:xfrm>
+            <a:off x="0" y="3725906"/>
+            <a:ext cx="3762000" cy="3240000"/>
+          </a:xfrm>
+          <a:prstGeom prst="rect">
+            <a:avLst/>
+          </a:prstGeom>
+          <a:solidFill>
+            <a:schemeClr val="bg1"/>
+          </a:solidFill>
+          <a:ln>
+            <a:noFill/>
+          </a:ln>
+        </p:spPr>
+        <p:style>
+          <a:lnRef idx="2">
+            <a:schemeClr val="accent1">
+              <a:shade val="50000"/>
+            </a:schemeClr>
+          </a:lnRef>
+          <a:fillRef idx="1">
+            <a:schemeClr val="accent1"/>
+          </a:fillRef>
+          <a:effectRef idx="0">
+            <a:schemeClr val="accent1"/>
+          </a:effectRef>
+          <a:fontRef idx="minor">
+            <a:schemeClr val="lt1"/>
+          </a:fontRef>
+        </p:style>
+        <p:txBody>
+          <a:bodyPr rtlCol="0" anchor="ctr"/>
+          <a:lstStyle/>
+          <a:p>
+            <a:pPr algn="ctr"/>
+            <a:endParaRPr lang="ko-KR" altLang="en-US"/>
+          </a:p>
+        </p:txBody>
+      </p:sp>
+      <p:pic>
+        <p:nvPicPr>
+          <p:cNvPr id="21" name="그림 20">
+            <a:extLst>
+              <a:ext uri="{FF2B5EF4-FFF2-40B4-BE49-F238E27FC236}">
+                <a16:creationId xmlns:a16="http://schemas.microsoft.com/office/drawing/2014/main" id="{A5058AEB-CD80-4522-BCB1-6427A39B3EF8}"/>
+              </a:ext>
+            </a:extLst>
+          </p:cNvPr>
+          <p:cNvPicPr>
+            <a:picLocks noChangeAspect="1"/>
+          </p:cNvPicPr>
+          <p:nvPr/>
+        </p:nvPicPr>
+        <p:blipFill rotWithShape="1">
+          <a:blip r:embed="rId2">
+            <a:alphaModFix/>
+            <a:extLst>
+              <a:ext uri="{28A0092B-C50C-407E-A947-70E740481C1C}">
+                <a14:useLocalDpi xmlns:a14="http://schemas.microsoft.com/office/drawing/2010/main" val="0"/>
+              </a:ext>
+            </a:extLst>
+          </a:blip>
+          <a:srcRect l="8539" t="7835" r="8539" b="7922"/>
+          <a:stretch/>
+        </p:blipFill>
+        <p:spPr>
+          <a:xfrm>
+            <a:off x="99209" y="3817026"/>
+            <a:ext cx="328146" cy="333372"/>
+          </a:xfrm>
+          <a:prstGeom prst="rect">
+            <a:avLst/>
+          </a:prstGeom>
+        </p:spPr>
+      </p:pic>
+      <p:sp>
+        <p:nvSpPr>
+          <p:cNvPr id="22" name="TextBox 21">
+            <a:extLst>
+              <a:ext uri="{FF2B5EF4-FFF2-40B4-BE49-F238E27FC236}">
+                <a16:creationId xmlns:a16="http://schemas.microsoft.com/office/drawing/2014/main" id="{3F69A310-D294-476E-B9C5-4E94BD0F2A13}"/>
+              </a:ext>
+            </a:extLst>
+          </p:cNvPr>
+          <p:cNvSpPr txBox="1"/>
+          <p:nvPr/>
+        </p:nvSpPr>
+        <p:spPr>
+          <a:xfrm>
+            <a:off x="390080" y="3809406"/>
+            <a:ext cx="1144865" cy="200055"/>
+          </a:xfrm>
+          <a:prstGeom prst="rect">
+            <a:avLst/>
+          </a:prstGeom>
+          <a:noFill/>
+        </p:spPr>
+        <p:txBody>
+          <a:bodyPr wrap="none" rtlCol="0">
+            <a:spAutoFit/>
+          </a:bodyPr>
+          <a:lstStyle/>
+          <a:p>
+            <a:r>
+              <a:rPr lang="en-US" altLang="ko-KR" sz="700" b="1"/>
+              <a:t>UNIVERSITY of DEBRECEN</a:t>
+            </a:r>
+          </a:p>
+        </p:txBody>
+      </p:sp>
+      <p:sp>
+        <p:nvSpPr>
+          <p:cNvPr id="23" name="TextBox 22">
+            <a:extLst>
+              <a:ext uri="{FF2B5EF4-FFF2-40B4-BE49-F238E27FC236}">
+                <a16:creationId xmlns:a16="http://schemas.microsoft.com/office/drawing/2014/main" id="{96764EEC-B720-43E2-9705-54FEA3258C40}"/>
+              </a:ext>
+            </a:extLst>
+          </p:cNvPr>
+          <p:cNvSpPr txBox="1"/>
+          <p:nvPr/>
+        </p:nvSpPr>
+        <p:spPr>
+          <a:xfrm>
+            <a:off x="379908" y="3905759"/>
+            <a:ext cx="1409360" cy="276999"/>
+          </a:xfrm>
+          <a:prstGeom prst="rect">
+            <a:avLst/>
+          </a:prstGeom>
+          <a:noFill/>
+        </p:spPr>
+        <p:txBody>
+          <a:bodyPr wrap="none" rtlCol="0">
+            <a:spAutoFit/>
+          </a:bodyPr>
+          <a:lstStyle/>
+          <a:p>
+            <a:r>
+              <a:rPr lang="en-US" altLang="ko-KR" sz="1200" b="1"/>
+              <a:t>GIS ENGLISH CAMP</a:t>
+            </a:r>
+            <a:endParaRPr lang="ko-KR" altLang="en-US" sz="1200" b="1"/>
+          </a:p>
+        </p:txBody>
+      </p:sp>
+      <p:sp>
+        <p:nvSpPr>
+          <p:cNvPr id="24" name="TextBox 23">
+            <a:extLst>
+              <a:ext uri="{FF2B5EF4-FFF2-40B4-BE49-F238E27FC236}">
+                <a16:creationId xmlns:a16="http://schemas.microsoft.com/office/drawing/2014/main" id="{86A66C86-5ADC-49C7-A477-DC15C771A990}"/>
+              </a:ext>
+            </a:extLst>
+          </p:cNvPr>
+          <p:cNvSpPr txBox="1"/>
+          <p:nvPr/>
+        </p:nvSpPr>
+        <p:spPr>
+          <a:xfrm>
+            <a:off x="1408757" y="4611205"/>
+            <a:ext cx="944489" cy="369332"/>
+          </a:xfrm>
+          <a:prstGeom prst="rect">
+            <a:avLst/>
+          </a:prstGeom>
+          <a:noFill/>
+        </p:spPr>
+        <p:txBody>
+          <a:bodyPr wrap="none" rtlCol="0">
+            <a:spAutoFit/>
+          </a:bodyPr>
+          <a:lstStyle/>
+          <a:p>
+            <a:pPr algn="ctr"/>
+            <a:r>
+              <a:rPr lang="en-US" altLang="ko-KR"/>
+              <a:t>position</a:t>
+            </a:r>
+            <a:endParaRPr lang="ko-KR" altLang="en-US"/>
+          </a:p>
+        </p:txBody>
+      </p:sp>
+      <p:sp>
+        <p:nvSpPr>
+          <p:cNvPr id="25" name="TextBox 24">
+            <a:extLst>
+              <a:ext uri="{FF2B5EF4-FFF2-40B4-BE49-F238E27FC236}">
+                <a16:creationId xmlns:a16="http://schemas.microsoft.com/office/drawing/2014/main" id="{98CEC0C8-998E-4E76-B38A-95DFB28E007D}"/>
+              </a:ext>
+            </a:extLst>
+          </p:cNvPr>
+          <p:cNvSpPr txBox="1"/>
+          <p:nvPr/>
+        </p:nvSpPr>
+        <p:spPr>
+          <a:xfrm>
+            <a:off x="1186742" y="5085670"/>
+            <a:ext cx="1388521" cy="707886"/>
+          </a:xfrm>
+          <a:prstGeom prst="rect">
+            <a:avLst/>
+          </a:prstGeom>
+          <a:noFill/>
+        </p:spPr>
+        <p:txBody>
+          <a:bodyPr wrap="none" rtlCol="0">
+            <a:spAutoFit/>
+          </a:bodyPr>
+          <a:lstStyle/>
+          <a:p>
+            <a:pPr algn="ctr"/>
+            <a:r>
+              <a:rPr lang="en-US" altLang="ko-KR" sz="4000" b="1"/>
+              <a:t>name</a:t>
+            </a:r>
+            <a:endParaRPr lang="ko-KR" altLang="en-US" sz="4000" b="1"/>
+          </a:p>
+        </p:txBody>
+      </p:sp>
+      <p:sp>
+        <p:nvSpPr>
+          <p:cNvPr id="26" name="TextBox 25">
+            <a:extLst>
+              <a:ext uri="{FF2B5EF4-FFF2-40B4-BE49-F238E27FC236}">
+                <a16:creationId xmlns:a16="http://schemas.microsoft.com/office/drawing/2014/main" id="{9BBC1FB0-FD6C-46D9-8748-6C5E5AB80218}"/>
+              </a:ext>
+            </a:extLst>
+          </p:cNvPr>
+          <p:cNvSpPr txBox="1"/>
+          <p:nvPr/>
+        </p:nvSpPr>
+        <p:spPr>
+          <a:xfrm>
+            <a:off x="1006407" y="5798094"/>
+            <a:ext cx="1749197" cy="584775"/>
+          </a:xfrm>
+          <a:prstGeom prst="rect">
+            <a:avLst/>
+          </a:prstGeom>
+          <a:noFill/>
+        </p:spPr>
+        <p:txBody>
+          <a:bodyPr wrap="none" rtlCol="0">
+            <a:spAutoFit/>
+          </a:bodyPr>
+          <a:lstStyle/>
+          <a:p>
+            <a:pPr algn="ctr"/>
+            <a:r>
+              <a:rPr lang="en-US" altLang="ko-KR" sz="3200" b="1"/>
+              <a:t>subname</a:t>
+            </a:r>
+            <a:endParaRPr lang="ko-KR" altLang="en-US" sz="3200" b="1"/>
+          </a:p>
+        </p:txBody>
+      </p:sp>
+      <p:sp>
+        <p:nvSpPr>
+          <p:cNvPr id="27" name="직사각형 26">
+            <a:extLst>
+              <a:ext uri="{FF2B5EF4-FFF2-40B4-BE49-F238E27FC236}">
+                <a16:creationId xmlns:a16="http://schemas.microsoft.com/office/drawing/2014/main" id="{94C2EB9B-B6EF-4C7C-ADC7-7AD5D9118CFB}"/>
+              </a:ext>
+            </a:extLst>
+          </p:cNvPr>
+          <p:cNvSpPr/>
+          <p:nvPr/>
+        </p:nvSpPr>
+        <p:spPr>
+          <a:xfrm>
+            <a:off x="0" y="6688206"/>
+            <a:ext cx="3762000" cy="277700"/>
+          </a:xfrm>
+          <a:prstGeom prst="rect">
+            <a:avLst/>
+          </a:prstGeom>
+          <a:solidFill>
+            <a:schemeClr val="accent6"/>
+          </a:solidFill>
+          <a:ln>
+            <a:noFill/>
+          </a:ln>
+        </p:spPr>
+        <p:style>
+          <a:lnRef idx="2">
+            <a:schemeClr val="accent1">
+              <a:shade val="50000"/>
+            </a:schemeClr>
+          </a:lnRef>
+          <a:fillRef idx="1">
+            <a:schemeClr val="accent1"/>
+          </a:fillRef>
+          <a:effectRef idx="0">
+            <a:schemeClr val="accent1"/>
+          </a:effectRef>
+          <a:fontRef idx="minor">
+            <a:schemeClr val="lt1"/>
+          </a:fontRef>
+        </p:style>
+        <p:txBody>
+          <a:bodyPr rtlCol="0" anchor="ctr"/>
+          <a:lstStyle/>
+          <a:p>
+            <a:pPr algn="ctr"/>
+            <a:endParaRPr lang="ko-KR" altLang="en-US"/>
+          </a:p>
+        </p:txBody>
+      </p:sp>
+      <p:sp>
+        <p:nvSpPr>
+          <p:cNvPr id="28" name="직사각형 27">
+            <a:extLst>
+              <a:ext uri="{FF2B5EF4-FFF2-40B4-BE49-F238E27FC236}">
+                <a16:creationId xmlns:a16="http://schemas.microsoft.com/office/drawing/2014/main" id="{31951F36-25E0-4AEE-B1B8-1B3F3056C7B6}"/>
+              </a:ext>
+            </a:extLst>
+          </p:cNvPr>
+          <p:cNvSpPr/>
+          <p:nvPr/>
+        </p:nvSpPr>
+        <p:spPr>
+          <a:xfrm>
+            <a:off x="3797676" y="3725906"/>
+            <a:ext cx="3762000" cy="3240000"/>
+          </a:xfrm>
+          <a:prstGeom prst="rect">
+            <a:avLst/>
+          </a:prstGeom>
+          <a:solidFill>
+            <a:schemeClr val="bg1"/>
+          </a:solidFill>
+          <a:ln>
+            <a:noFill/>
+          </a:ln>
+        </p:spPr>
+        <p:style>
+          <a:lnRef idx="2">
+            <a:schemeClr val="accent1">
+              <a:shade val="50000"/>
+            </a:schemeClr>
+          </a:lnRef>
+          <a:fillRef idx="1">
+            <a:schemeClr val="accent1"/>
+          </a:fillRef>
+          <a:effectRef idx="0">
+            <a:schemeClr val="accent1"/>
+          </a:effectRef>
+          <a:fontRef idx="minor">
+            <a:schemeClr val="lt1"/>
+          </a:fontRef>
+        </p:style>
+        <p:txBody>
+          <a:bodyPr rtlCol="0" anchor="ctr"/>
+          <a:lstStyle/>
+          <a:p>
+            <a:pPr algn="ctr"/>
+            <a:endParaRPr lang="ko-KR" altLang="en-US"/>
+          </a:p>
+        </p:txBody>
+      </p:sp>
+      <p:pic>
+        <p:nvPicPr>
+          <p:cNvPr id="29" name="그림 28">
+            <a:extLst>
+              <a:ext uri="{FF2B5EF4-FFF2-40B4-BE49-F238E27FC236}">
+                <a16:creationId xmlns:a16="http://schemas.microsoft.com/office/drawing/2014/main" id="{67E40785-9462-41D5-B5E1-EF872F3774B5}"/>
+              </a:ext>
+            </a:extLst>
+          </p:cNvPr>
+          <p:cNvPicPr>
+            <a:picLocks noChangeAspect="1"/>
+          </p:cNvPicPr>
+          <p:nvPr/>
+        </p:nvPicPr>
+        <p:blipFill rotWithShape="1">
+          <a:blip r:embed="rId2">
+            <a:alphaModFix/>
+            <a:extLst>
+              <a:ext uri="{28A0092B-C50C-407E-A947-70E740481C1C}">
+                <a14:useLocalDpi xmlns:a14="http://schemas.microsoft.com/office/drawing/2010/main" val="0"/>
+              </a:ext>
+            </a:extLst>
+          </a:blip>
+          <a:srcRect l="8539" t="7835" r="8539" b="7922"/>
+          <a:stretch/>
+        </p:blipFill>
+        <p:spPr>
+          <a:xfrm>
+            <a:off x="3896885" y="3817026"/>
+            <a:ext cx="328146" cy="333372"/>
+          </a:xfrm>
+          <a:prstGeom prst="rect">
+            <a:avLst/>
+          </a:prstGeom>
+        </p:spPr>
+      </p:pic>
+      <p:sp>
+        <p:nvSpPr>
+          <p:cNvPr id="30" name="TextBox 29">
+            <a:extLst>
+              <a:ext uri="{FF2B5EF4-FFF2-40B4-BE49-F238E27FC236}">
+                <a16:creationId xmlns:a16="http://schemas.microsoft.com/office/drawing/2014/main" id="{EAB64103-77DB-4B35-8BD9-D3D37A40A88A}"/>
+              </a:ext>
+            </a:extLst>
+          </p:cNvPr>
+          <p:cNvSpPr txBox="1"/>
+          <p:nvPr/>
+        </p:nvSpPr>
+        <p:spPr>
+          <a:xfrm>
+            <a:off x="4187756" y="3809406"/>
+            <a:ext cx="1144865" cy="200055"/>
+          </a:xfrm>
+          <a:prstGeom prst="rect">
+            <a:avLst/>
+          </a:prstGeom>
+          <a:noFill/>
+        </p:spPr>
+        <p:txBody>
+          <a:bodyPr wrap="none" rtlCol="0">
+            <a:spAutoFit/>
+          </a:bodyPr>
+          <a:lstStyle/>
+          <a:p>
+            <a:r>
+              <a:rPr lang="en-US" altLang="ko-KR" sz="700" b="1"/>
+              <a:t>UNIVERSITY of DEBRECEN</a:t>
+            </a:r>
+          </a:p>
+        </p:txBody>
+      </p:sp>
+      <p:sp>
+        <p:nvSpPr>
+          <p:cNvPr id="31" name="TextBox 30">
+            <a:extLst>
+              <a:ext uri="{FF2B5EF4-FFF2-40B4-BE49-F238E27FC236}">
+                <a16:creationId xmlns:a16="http://schemas.microsoft.com/office/drawing/2014/main" id="{81A0D60D-3B8E-4F1F-B2A9-D32F615993A4}"/>
+              </a:ext>
+            </a:extLst>
+          </p:cNvPr>
+          <p:cNvSpPr txBox="1"/>
+          <p:nvPr/>
+        </p:nvSpPr>
+        <p:spPr>
+          <a:xfrm>
+            <a:off x="4177584" y="3905759"/>
+            <a:ext cx="1409360" cy="276999"/>
+          </a:xfrm>
+          <a:prstGeom prst="rect">
+            <a:avLst/>
+          </a:prstGeom>
+          <a:noFill/>
+        </p:spPr>
+        <p:txBody>
+          <a:bodyPr wrap="none" rtlCol="0">
+            <a:spAutoFit/>
+          </a:bodyPr>
+          <a:lstStyle/>
+          <a:p>
+            <a:r>
+              <a:rPr lang="en-US" altLang="ko-KR" sz="1200" b="1"/>
+              <a:t>GIS ENGLISH CAMP</a:t>
+            </a:r>
+            <a:endParaRPr lang="ko-KR" altLang="en-US" sz="1200" b="1"/>
+          </a:p>
+        </p:txBody>
+      </p:sp>
+      <p:sp>
+        <p:nvSpPr>
+          <p:cNvPr id="32" name="TextBox 31">
+            <a:extLst>
+              <a:ext uri="{FF2B5EF4-FFF2-40B4-BE49-F238E27FC236}">
+                <a16:creationId xmlns:a16="http://schemas.microsoft.com/office/drawing/2014/main" id="{FF8581AD-EFC0-41CD-A538-05C888ACCFBF}"/>
+              </a:ext>
+            </a:extLst>
+          </p:cNvPr>
+          <p:cNvSpPr txBox="1"/>
+          <p:nvPr/>
+        </p:nvSpPr>
+        <p:spPr>
+          <a:xfrm>
+            <a:off x="5206433" y="4611205"/>
+            <a:ext cx="944489" cy="369332"/>
+          </a:xfrm>
+          <a:prstGeom prst="rect">
+            <a:avLst/>
+          </a:prstGeom>
+          <a:noFill/>
+        </p:spPr>
+        <p:txBody>
+          <a:bodyPr wrap="none" rtlCol="0">
+            <a:spAutoFit/>
+          </a:bodyPr>
+          <a:lstStyle/>
+          <a:p>
+            <a:pPr algn="ctr"/>
+            <a:r>
+              <a:rPr lang="en-US" altLang="ko-KR"/>
+              <a:t>position</a:t>
+            </a:r>
+            <a:endParaRPr lang="ko-KR" altLang="en-US"/>
+          </a:p>
+        </p:txBody>
+      </p:sp>
+      <p:sp>
+        <p:nvSpPr>
+          <p:cNvPr id="33" name="TextBox 32">
+            <a:extLst>
+              <a:ext uri="{FF2B5EF4-FFF2-40B4-BE49-F238E27FC236}">
+                <a16:creationId xmlns:a16="http://schemas.microsoft.com/office/drawing/2014/main" id="{7C4357FB-93F3-4D04-9D21-49EE6D742377}"/>
+              </a:ext>
+            </a:extLst>
+          </p:cNvPr>
+          <p:cNvSpPr txBox="1"/>
+          <p:nvPr/>
+        </p:nvSpPr>
+        <p:spPr>
+          <a:xfrm>
+            <a:off x="4984418" y="5085670"/>
+            <a:ext cx="1388521" cy="707886"/>
+          </a:xfrm>
+          <a:prstGeom prst="rect">
+            <a:avLst/>
+          </a:prstGeom>
+          <a:noFill/>
+        </p:spPr>
+        <p:txBody>
+          <a:bodyPr wrap="none" rtlCol="0">
+            <a:spAutoFit/>
+          </a:bodyPr>
+          <a:lstStyle/>
+          <a:p>
+            <a:pPr algn="ctr"/>
+            <a:r>
+              <a:rPr lang="en-US" altLang="ko-KR" sz="4000" b="1"/>
+              <a:t>name</a:t>
+            </a:r>
+            <a:endParaRPr lang="ko-KR" altLang="en-US" sz="4000" b="1"/>
+          </a:p>
+        </p:txBody>
+      </p:sp>
+      <p:sp>
+        <p:nvSpPr>
+          <p:cNvPr id="34" name="TextBox 33">
+            <a:extLst>
+              <a:ext uri="{FF2B5EF4-FFF2-40B4-BE49-F238E27FC236}">
+                <a16:creationId xmlns:a16="http://schemas.microsoft.com/office/drawing/2014/main" id="{B28A5F34-503B-4948-A840-496A1ABE83FB}"/>
+              </a:ext>
+            </a:extLst>
+          </p:cNvPr>
+          <p:cNvSpPr txBox="1"/>
+          <p:nvPr/>
+        </p:nvSpPr>
+        <p:spPr>
+          <a:xfrm>
+            <a:off x="4804083" y="5798094"/>
+            <a:ext cx="1749198" cy="584775"/>
+          </a:xfrm>
+          <a:prstGeom prst="rect">
+            <a:avLst/>
+          </a:prstGeom>
+          <a:noFill/>
+        </p:spPr>
+        <p:txBody>
+          <a:bodyPr wrap="none" rtlCol="0">
+            <a:spAutoFit/>
+          </a:bodyPr>
+          <a:lstStyle/>
+          <a:p>
+            <a:pPr algn="ctr"/>
+            <a:r>
+              <a:rPr lang="en-US" altLang="ko-KR" sz="3200" b="1"/>
+              <a:t>subname</a:t>
+            </a:r>
+            <a:endParaRPr lang="ko-KR" altLang="en-US" sz="3200" b="1"/>
+          </a:p>
+        </p:txBody>
+      </p:sp>
+      <p:sp>
+        <p:nvSpPr>
+          <p:cNvPr id="35" name="직사각형 34">
+            <a:extLst>
+              <a:ext uri="{FF2B5EF4-FFF2-40B4-BE49-F238E27FC236}">
+                <a16:creationId xmlns:a16="http://schemas.microsoft.com/office/drawing/2014/main" id="{59C4828D-DC92-46D2-A233-C7EB77480699}"/>
+              </a:ext>
+            </a:extLst>
+          </p:cNvPr>
+          <p:cNvSpPr/>
+          <p:nvPr/>
+        </p:nvSpPr>
+        <p:spPr>
+          <a:xfrm>
+            <a:off x="3797676" y="6688206"/>
+            <a:ext cx="3762000" cy="277700"/>
+          </a:xfrm>
+          <a:prstGeom prst="rect">
+            <a:avLst/>
+          </a:prstGeom>
+          <a:solidFill>
+            <a:schemeClr val="accent6"/>
+          </a:solidFill>
+          <a:ln>
+            <a:noFill/>
+          </a:ln>
+        </p:spPr>
+        <p:style>
+          <a:lnRef idx="2">
+            <a:schemeClr val="accent1">
+              <a:shade val="50000"/>
+            </a:schemeClr>
+          </a:lnRef>
+          <a:fillRef idx="1">
+            <a:schemeClr val="accent1"/>
+          </a:fillRef>
+          <a:effectRef idx="0">
+            <a:schemeClr val="accent1"/>
+          </a:effectRef>
+          <a:fontRef idx="minor">
+            <a:schemeClr val="lt1"/>
+          </a:fontRef>
+        </p:style>
+        <p:txBody>
+          <a:bodyPr rtlCol="0" anchor="ctr"/>
+          <a:lstStyle/>
+          <a:p>
+            <a:pPr algn="ctr"/>
+            <a:endParaRPr lang="ko-KR" altLang="en-US"/>
+          </a:p>
+        </p:txBody>
+      </p:sp>
+      <p:sp>
+        <p:nvSpPr>
+          <p:cNvPr id="36" name="직사각형 35">
+            <a:extLst>
+              <a:ext uri="{FF2B5EF4-FFF2-40B4-BE49-F238E27FC236}">
+                <a16:creationId xmlns:a16="http://schemas.microsoft.com/office/drawing/2014/main" id="{23369236-F3FF-450F-A89A-991E6E7F7BC6}"/>
+              </a:ext>
+            </a:extLst>
+          </p:cNvPr>
+          <p:cNvSpPr/>
+          <p:nvPr/>
+        </p:nvSpPr>
+        <p:spPr>
+          <a:xfrm>
+            <a:off x="0" y="7451813"/>
+            <a:ext cx="3762000" cy="3240000"/>
+          </a:xfrm>
+          <a:prstGeom prst="rect">
+            <a:avLst/>
+          </a:prstGeom>
+          <a:solidFill>
+            <a:schemeClr val="bg1"/>
+          </a:solidFill>
+          <a:ln>
+            <a:noFill/>
+          </a:ln>
+        </p:spPr>
+        <p:style>
+          <a:lnRef idx="2">
+            <a:schemeClr val="accent1">
+              <a:shade val="50000"/>
+            </a:schemeClr>
+          </a:lnRef>
+          <a:fillRef idx="1">
+            <a:schemeClr val="accent1"/>
+          </a:fillRef>
+          <a:effectRef idx="0">
+            <a:schemeClr val="accent1"/>
+          </a:effectRef>
+          <a:fontRef idx="minor">
+            <a:schemeClr val="lt1"/>
+          </a:fontRef>
+        </p:style>
+        <p:txBody>
+          <a:bodyPr rtlCol="0" anchor="ctr"/>
+          <a:lstStyle/>
+          <a:p>
+            <a:pPr algn="ctr"/>
+            <a:endParaRPr lang="ko-KR" altLang="en-US"/>
+          </a:p>
+        </p:txBody>
+      </p:sp>
+      <p:pic>
+        <p:nvPicPr>
+          <p:cNvPr id="37" name="그림 36">
+            <a:extLst>
+              <a:ext uri="{FF2B5EF4-FFF2-40B4-BE49-F238E27FC236}">
+                <a16:creationId xmlns:a16="http://schemas.microsoft.com/office/drawing/2014/main" id="{7FC9D859-1233-423B-8FD3-567F0DC9AB76}"/>
+              </a:ext>
+            </a:extLst>
+          </p:cNvPr>
+          <p:cNvPicPr>
+            <a:picLocks noChangeAspect="1"/>
+          </p:cNvPicPr>
+          <p:nvPr/>
+        </p:nvPicPr>
+        <p:blipFill rotWithShape="1">
+          <a:blip r:embed="rId2">
+            <a:alphaModFix/>
+            <a:extLst>
+              <a:ext uri="{28A0092B-C50C-407E-A947-70E740481C1C}">
+                <a14:useLocalDpi xmlns:a14="http://schemas.microsoft.com/office/drawing/2010/main" val="0"/>
+              </a:ext>
+            </a:extLst>
+          </a:blip>
+          <a:srcRect l="8539" t="7835" r="8539" b="7922"/>
+          <a:stretch/>
+        </p:blipFill>
+        <p:spPr>
+          <a:xfrm>
+            <a:off x="99209" y="7542933"/>
+            <a:ext cx="328146" cy="333372"/>
+          </a:xfrm>
+          <a:prstGeom prst="rect">
+            <a:avLst/>
+          </a:prstGeom>
+        </p:spPr>
+      </p:pic>
+      <p:sp>
+        <p:nvSpPr>
+          <p:cNvPr id="38" name="TextBox 37">
+            <a:extLst>
+              <a:ext uri="{FF2B5EF4-FFF2-40B4-BE49-F238E27FC236}">
+                <a16:creationId xmlns:a16="http://schemas.microsoft.com/office/drawing/2014/main" id="{B2D3DDC9-5496-4B71-941C-6D5148F9E741}"/>
+              </a:ext>
+            </a:extLst>
+          </p:cNvPr>
+          <p:cNvSpPr txBox="1"/>
+          <p:nvPr/>
+        </p:nvSpPr>
+        <p:spPr>
+          <a:xfrm>
+            <a:off x="390080" y="7535313"/>
+            <a:ext cx="1144865" cy="200055"/>
+          </a:xfrm>
+          <a:prstGeom prst="rect">
+            <a:avLst/>
+          </a:prstGeom>
+          <a:noFill/>
+        </p:spPr>
+        <p:txBody>
+          <a:bodyPr wrap="none" rtlCol="0">
+            <a:spAutoFit/>
+          </a:bodyPr>
+          <a:lstStyle/>
+          <a:p>
+            <a:r>
+              <a:rPr lang="en-US" altLang="ko-KR" sz="700" b="1"/>
+              <a:t>UNIVERSITY of DEBRECEN</a:t>
+            </a:r>
+          </a:p>
+        </p:txBody>
+      </p:sp>
+      <p:sp>
+        <p:nvSpPr>
+          <p:cNvPr id="39" name="TextBox 38">
+            <a:extLst>
+              <a:ext uri="{FF2B5EF4-FFF2-40B4-BE49-F238E27FC236}">
+                <a16:creationId xmlns:a16="http://schemas.microsoft.com/office/drawing/2014/main" id="{EA114901-B92B-4E2E-94C1-8A8BB2A54FD9}"/>
+              </a:ext>
+            </a:extLst>
+          </p:cNvPr>
+          <p:cNvSpPr txBox="1"/>
+          <p:nvPr/>
+        </p:nvSpPr>
+        <p:spPr>
+          <a:xfrm>
+            <a:off x="379908" y="7631666"/>
+            <a:ext cx="1409360" cy="276999"/>
+          </a:xfrm>
+          <a:prstGeom prst="rect">
+            <a:avLst/>
+          </a:prstGeom>
+          <a:noFill/>
+        </p:spPr>
+        <p:txBody>
+          <a:bodyPr wrap="none" rtlCol="0">
+            <a:spAutoFit/>
+          </a:bodyPr>
+          <a:lstStyle/>
+          <a:p>
+            <a:r>
+              <a:rPr lang="en-US" altLang="ko-KR" sz="1200" b="1"/>
+              <a:t>GIS ENGLISH CAMP</a:t>
+            </a:r>
+            <a:endParaRPr lang="ko-KR" altLang="en-US" sz="1200" b="1"/>
+          </a:p>
+        </p:txBody>
+      </p:sp>
+      <p:sp>
+        <p:nvSpPr>
+          <p:cNvPr id="40" name="TextBox 39">
+            <a:extLst>
+              <a:ext uri="{FF2B5EF4-FFF2-40B4-BE49-F238E27FC236}">
+                <a16:creationId xmlns:a16="http://schemas.microsoft.com/office/drawing/2014/main" id="{12372015-A40C-41BA-8BDB-85E772C285ED}"/>
+              </a:ext>
+            </a:extLst>
+          </p:cNvPr>
+          <p:cNvSpPr txBox="1"/>
+          <p:nvPr/>
+        </p:nvSpPr>
+        <p:spPr>
+          <a:xfrm>
+            <a:off x="1408757" y="8337112"/>
+            <a:ext cx="944489" cy="369332"/>
+          </a:xfrm>
+          <a:prstGeom prst="rect">
+            <a:avLst/>
+          </a:prstGeom>
+          <a:noFill/>
+        </p:spPr>
+        <p:txBody>
+          <a:bodyPr wrap="none" rtlCol="0">
+            <a:spAutoFit/>
+          </a:bodyPr>
+          <a:lstStyle/>
+          <a:p>
+            <a:pPr algn="ctr"/>
+            <a:r>
+              <a:rPr lang="en-US" altLang="ko-KR"/>
+              <a:t>position</a:t>
+            </a:r>
+            <a:endParaRPr lang="ko-KR" altLang="en-US"/>
+          </a:p>
+        </p:txBody>
+      </p:sp>
+      <p:sp>
+        <p:nvSpPr>
+          <p:cNvPr id="41" name="TextBox 40">
+            <a:extLst>
+              <a:ext uri="{FF2B5EF4-FFF2-40B4-BE49-F238E27FC236}">
+                <a16:creationId xmlns:a16="http://schemas.microsoft.com/office/drawing/2014/main" id="{6A05250D-A8DC-47BB-B558-32F46FBED826}"/>
+              </a:ext>
+            </a:extLst>
+          </p:cNvPr>
+          <p:cNvSpPr txBox="1"/>
+          <p:nvPr/>
+        </p:nvSpPr>
+        <p:spPr>
+          <a:xfrm>
+            <a:off x="1186742" y="8811577"/>
+            <a:ext cx="1388521" cy="707886"/>
+          </a:xfrm>
+          <a:prstGeom prst="rect">
+            <a:avLst/>
+          </a:prstGeom>
+          <a:noFill/>
+        </p:spPr>
+        <p:txBody>
+          <a:bodyPr wrap="none" rtlCol="0">
+            <a:spAutoFit/>
+          </a:bodyPr>
+          <a:lstStyle/>
+          <a:p>
+            <a:pPr algn="ctr"/>
+            <a:r>
+              <a:rPr lang="en-US" altLang="ko-KR" sz="4000" b="1"/>
+              <a:t>name</a:t>
+            </a:r>
+            <a:endParaRPr lang="ko-KR" altLang="en-US" sz="4000" b="1"/>
+          </a:p>
+        </p:txBody>
+      </p:sp>
+      <p:sp>
+        <p:nvSpPr>
+          <p:cNvPr id="42" name="TextBox 41">
+            <a:extLst>
+              <a:ext uri="{FF2B5EF4-FFF2-40B4-BE49-F238E27FC236}">
+                <a16:creationId xmlns:a16="http://schemas.microsoft.com/office/drawing/2014/main" id="{CFDE1D7A-50FA-4F64-A029-853AB97EEA3F}"/>
+              </a:ext>
+            </a:extLst>
+          </p:cNvPr>
+          <p:cNvSpPr txBox="1"/>
+          <p:nvPr/>
+        </p:nvSpPr>
+        <p:spPr>
+          <a:xfrm>
+            <a:off x="1006407" y="9524001"/>
+            <a:ext cx="1749198" cy="584775"/>
+          </a:xfrm>
+          <a:prstGeom prst="rect">
+            <a:avLst/>
+          </a:prstGeom>
+          <a:noFill/>
+        </p:spPr>
+        <p:txBody>
+          <a:bodyPr wrap="none" rtlCol="0">
+            <a:spAutoFit/>
+          </a:bodyPr>
+          <a:lstStyle/>
+          <a:p>
+            <a:pPr algn="ctr"/>
+            <a:r>
+              <a:rPr lang="en-US" altLang="ko-KR" sz="3200" b="1"/>
+              <a:t>subname</a:t>
+            </a:r>
+            <a:endParaRPr lang="ko-KR" altLang="en-US" sz="3200" b="1"/>
+          </a:p>
+        </p:txBody>
+      </p:sp>
+      <p:sp>
+        <p:nvSpPr>
+          <p:cNvPr id="43" name="직사각형 42">
+            <a:extLst>
+              <a:ext uri="{FF2B5EF4-FFF2-40B4-BE49-F238E27FC236}">
+                <a16:creationId xmlns:a16="http://schemas.microsoft.com/office/drawing/2014/main" id="{D00626F3-7D35-4265-900E-7559BFA5C031}"/>
+              </a:ext>
+            </a:extLst>
+          </p:cNvPr>
+          <p:cNvSpPr/>
+          <p:nvPr/>
+        </p:nvSpPr>
+        <p:spPr>
+          <a:xfrm>
+            <a:off x="0" y="10414113"/>
+            <a:ext cx="3762000" cy="277700"/>
+          </a:xfrm>
+          <a:prstGeom prst="rect">
+            <a:avLst/>
+          </a:prstGeom>
+          <a:solidFill>
+            <a:schemeClr val="accent6"/>
+          </a:solidFill>
+          <a:ln>
+            <a:noFill/>
+          </a:ln>
+        </p:spPr>
+        <p:style>
+          <a:lnRef idx="2">
+            <a:schemeClr val="accent1">
+              <a:shade val="50000"/>
+            </a:schemeClr>
+          </a:lnRef>
+          <a:fillRef idx="1">
+            <a:schemeClr val="accent1"/>
+          </a:fillRef>
+          <a:effectRef idx="0">
+            <a:schemeClr val="accent1"/>
+          </a:effectRef>
+          <a:fontRef idx="minor">
+            <a:schemeClr val="lt1"/>
+          </a:fontRef>
+        </p:style>
+        <p:txBody>
+          <a:bodyPr rtlCol="0" anchor="ctr"/>
+          <a:lstStyle/>
+          <a:p>
+            <a:pPr algn="ctr"/>
+            <a:endParaRPr lang="ko-KR" altLang="en-US"/>
+          </a:p>
+        </p:txBody>
+      </p:sp>
+      <p:sp>
+        <p:nvSpPr>
+          <p:cNvPr id="44" name="직사각형 43">
+            <a:extLst>
+              <a:ext uri="{FF2B5EF4-FFF2-40B4-BE49-F238E27FC236}">
+                <a16:creationId xmlns:a16="http://schemas.microsoft.com/office/drawing/2014/main" id="{12C06060-90F3-421A-BA11-68674A2A2958}"/>
+              </a:ext>
+            </a:extLst>
+          </p:cNvPr>
+          <p:cNvSpPr/>
+          <p:nvPr/>
+        </p:nvSpPr>
+        <p:spPr>
+          <a:xfrm>
+            <a:off x="3797676" y="7451813"/>
+            <a:ext cx="3762000" cy="3240000"/>
+          </a:xfrm>
+          <a:prstGeom prst="rect">
+            <a:avLst/>
+          </a:prstGeom>
+          <a:solidFill>
+            <a:schemeClr val="bg1"/>
+          </a:solidFill>
+          <a:ln>
+            <a:noFill/>
+          </a:ln>
+        </p:spPr>
+        <p:style>
+          <a:lnRef idx="2">
+            <a:schemeClr val="accent1">
+              <a:shade val="50000"/>
+            </a:schemeClr>
+          </a:lnRef>
+          <a:fillRef idx="1">
+            <a:schemeClr val="accent1"/>
+          </a:fillRef>
+          <a:effectRef idx="0">
+            <a:schemeClr val="accent1"/>
+          </a:effectRef>
+          <a:fontRef idx="minor">
+            <a:schemeClr val="lt1"/>
+          </a:fontRef>
+        </p:style>
+        <p:txBody>
+          <a:bodyPr rtlCol="0" anchor="ctr"/>
+          <a:lstStyle/>
+          <a:p>
+            <a:pPr algn="ctr"/>
+            <a:endParaRPr lang="ko-KR" altLang="en-US"/>
+          </a:p>
+        </p:txBody>
+      </p:sp>
+      <p:pic>
+        <p:nvPicPr>
+          <p:cNvPr id="45" name="그림 44">
+            <a:extLst>
+              <a:ext uri="{FF2B5EF4-FFF2-40B4-BE49-F238E27FC236}">
+                <a16:creationId xmlns:a16="http://schemas.microsoft.com/office/drawing/2014/main" id="{A4EA44E3-309F-4EA8-9959-E05C5120E37B}"/>
+              </a:ext>
+            </a:extLst>
+          </p:cNvPr>
+          <p:cNvPicPr>
+            <a:picLocks noChangeAspect="1"/>
+          </p:cNvPicPr>
+          <p:nvPr/>
+        </p:nvPicPr>
+        <p:blipFill rotWithShape="1">
+          <a:blip r:embed="rId2">
+            <a:alphaModFix/>
+            <a:extLst>
+              <a:ext uri="{28A0092B-C50C-407E-A947-70E740481C1C}">
+                <a14:useLocalDpi xmlns:a14="http://schemas.microsoft.com/office/drawing/2010/main" val="0"/>
+              </a:ext>
+            </a:extLst>
+          </a:blip>
+          <a:srcRect l="8539" t="7835" r="8539" b="7922"/>
+          <a:stretch/>
+        </p:blipFill>
+        <p:spPr>
+          <a:xfrm>
+            <a:off x="3896885" y="7542933"/>
+            <a:ext cx="328146" cy="333372"/>
+          </a:xfrm>
+          <a:prstGeom prst="rect">
+            <a:avLst/>
+          </a:prstGeom>
+        </p:spPr>
+      </p:pic>
+      <p:sp>
+        <p:nvSpPr>
+          <p:cNvPr id="46" name="TextBox 45">
+            <a:extLst>
+              <a:ext uri="{FF2B5EF4-FFF2-40B4-BE49-F238E27FC236}">
+                <a16:creationId xmlns:a16="http://schemas.microsoft.com/office/drawing/2014/main" id="{C2D0D45F-5586-40D3-94B2-30D472849E9C}"/>
+              </a:ext>
+            </a:extLst>
+          </p:cNvPr>
+          <p:cNvSpPr txBox="1"/>
+          <p:nvPr/>
+        </p:nvSpPr>
+        <p:spPr>
+          <a:xfrm>
+            <a:off x="4187756" y="7535313"/>
+            <a:ext cx="1144865" cy="200055"/>
+          </a:xfrm>
+          <a:prstGeom prst="rect">
+            <a:avLst/>
+          </a:prstGeom>
+          <a:noFill/>
+        </p:spPr>
+        <p:txBody>
+          <a:bodyPr wrap="none" rtlCol="0">
+            <a:spAutoFit/>
+          </a:bodyPr>
+          <a:lstStyle/>
+          <a:p>
+            <a:r>
+              <a:rPr lang="en-US" altLang="ko-KR" sz="700" b="1"/>
+              <a:t>UNIVERSITY of DEBRECEN</a:t>
+            </a:r>
+          </a:p>
+        </p:txBody>
+      </p:sp>
+      <p:sp>
+        <p:nvSpPr>
+          <p:cNvPr id="47" name="TextBox 46">
+            <a:extLst>
+              <a:ext uri="{FF2B5EF4-FFF2-40B4-BE49-F238E27FC236}">
+                <a16:creationId xmlns:a16="http://schemas.microsoft.com/office/drawing/2014/main" id="{531A2A4C-085A-4925-AB10-D001B3A5EE2B}"/>
+              </a:ext>
+            </a:extLst>
+          </p:cNvPr>
+          <p:cNvSpPr txBox="1"/>
+          <p:nvPr/>
+        </p:nvSpPr>
+        <p:spPr>
+          <a:xfrm>
+            <a:off x="4177584" y="7631666"/>
+            <a:ext cx="1409360" cy="276999"/>
+          </a:xfrm>
+          <a:prstGeom prst="rect">
+            <a:avLst/>
+          </a:prstGeom>
+          <a:noFill/>
+        </p:spPr>
+        <p:txBody>
+          <a:bodyPr wrap="none" rtlCol="0">
+            <a:spAutoFit/>
+          </a:bodyPr>
+          <a:lstStyle/>
+          <a:p>
+            <a:r>
+              <a:rPr lang="en-US" altLang="ko-KR" sz="1200" b="1"/>
+              <a:t>GIS ENGLISH CAMP</a:t>
+            </a:r>
+            <a:endParaRPr lang="ko-KR" altLang="en-US" sz="1200" b="1"/>
+          </a:p>
+        </p:txBody>
+      </p:sp>
+      <p:sp>
+        <p:nvSpPr>
+          <p:cNvPr id="48" name="TextBox 47">
+            <a:extLst>
+              <a:ext uri="{FF2B5EF4-FFF2-40B4-BE49-F238E27FC236}">
+                <a16:creationId xmlns:a16="http://schemas.microsoft.com/office/drawing/2014/main" id="{F7B1EAC7-6B69-4312-9C9F-47AC7904775E}"/>
+              </a:ext>
+            </a:extLst>
+          </p:cNvPr>
+          <p:cNvSpPr txBox="1"/>
+          <p:nvPr/>
+        </p:nvSpPr>
+        <p:spPr>
+          <a:xfrm>
+            <a:off x="5206433" y="8337112"/>
+            <a:ext cx="944489" cy="369332"/>
+          </a:xfrm>
+          <a:prstGeom prst="rect">
+            <a:avLst/>
+          </a:prstGeom>
+          <a:noFill/>
+        </p:spPr>
+        <p:txBody>
+          <a:bodyPr wrap="none" rtlCol="0">
+            <a:spAutoFit/>
+          </a:bodyPr>
+          <a:lstStyle/>
+          <a:p>
+            <a:pPr algn="ctr"/>
+            <a:r>
+              <a:rPr lang="en-US" altLang="ko-KR"/>
+              <a:t>position</a:t>
+            </a:r>
+            <a:endParaRPr lang="ko-KR" altLang="en-US"/>
+          </a:p>
+        </p:txBody>
+      </p:sp>
+      <p:sp>
+        <p:nvSpPr>
+          <p:cNvPr id="49" name="TextBox 48">
+            <a:extLst>
+              <a:ext uri="{FF2B5EF4-FFF2-40B4-BE49-F238E27FC236}">
+                <a16:creationId xmlns:a16="http://schemas.microsoft.com/office/drawing/2014/main" id="{E3300463-F153-49A2-9711-49CFDC34A190}"/>
+              </a:ext>
+            </a:extLst>
+          </p:cNvPr>
+          <p:cNvSpPr txBox="1"/>
+          <p:nvPr/>
+        </p:nvSpPr>
+        <p:spPr>
+          <a:xfrm>
+            <a:off x="4984418" y="8811577"/>
+            <a:ext cx="1388522" cy="707886"/>
+          </a:xfrm>
+          <a:prstGeom prst="rect">
+            <a:avLst/>
+          </a:prstGeom>
+          <a:noFill/>
+        </p:spPr>
+        <p:txBody>
+          <a:bodyPr wrap="none" rtlCol="0">
+            <a:spAutoFit/>
+          </a:bodyPr>
+          <a:lstStyle/>
+          <a:p>
+            <a:pPr algn="ctr"/>
+            <a:r>
+              <a:rPr lang="en-US" altLang="ko-KR" sz="4000" b="1"/>
+              <a:t>name</a:t>
+            </a:r>
+            <a:endParaRPr lang="ko-KR" altLang="en-US" sz="4000" b="1"/>
+          </a:p>
+        </p:txBody>
+      </p:sp>
+      <p:sp>
+        <p:nvSpPr>
+          <p:cNvPr id="50" name="TextBox 49">
+            <a:extLst>
+              <a:ext uri="{FF2B5EF4-FFF2-40B4-BE49-F238E27FC236}">
+                <a16:creationId xmlns:a16="http://schemas.microsoft.com/office/drawing/2014/main" id="{DD503BC2-B584-47AF-9B49-5B573DEE711C}"/>
+              </a:ext>
+            </a:extLst>
+          </p:cNvPr>
+          <p:cNvSpPr txBox="1"/>
+          <p:nvPr/>
+        </p:nvSpPr>
+        <p:spPr>
+          <a:xfrm>
+            <a:off x="4804083" y="9524001"/>
+            <a:ext cx="1749198" cy="584775"/>
+          </a:xfrm>
+          <a:prstGeom prst="rect">
+            <a:avLst/>
+          </a:prstGeom>
+          <a:noFill/>
+        </p:spPr>
+        <p:txBody>
+          <a:bodyPr wrap="none" rtlCol="0">
+            <a:spAutoFit/>
+          </a:bodyPr>
+          <a:lstStyle/>
+          <a:p>
+            <a:pPr algn="ctr"/>
+            <a:r>
+              <a:rPr lang="en-US" altLang="ko-KR" sz="3200" b="1"/>
+              <a:t>subname</a:t>
+            </a:r>
+            <a:endParaRPr lang="ko-KR" altLang="en-US" sz="3200" b="1"/>
+          </a:p>
+        </p:txBody>
+      </p:sp>
+      <p:sp>
+        <p:nvSpPr>
+          <p:cNvPr id="51" name="직사각형 50">
+            <a:extLst>
+              <a:ext uri="{FF2B5EF4-FFF2-40B4-BE49-F238E27FC236}">
+                <a16:creationId xmlns:a16="http://schemas.microsoft.com/office/drawing/2014/main" id="{8E124AAB-D438-4760-ACBB-BFFCEC5E6F90}"/>
+              </a:ext>
+            </a:extLst>
+          </p:cNvPr>
+          <p:cNvSpPr/>
+          <p:nvPr/>
+        </p:nvSpPr>
+        <p:spPr>
+          <a:xfrm>
+            <a:off x="3797676" y="10414113"/>
+            <a:ext cx="3762000" cy="277700"/>
+          </a:xfrm>
+          <a:prstGeom prst="rect">
+            <a:avLst/>
+          </a:prstGeom>
+          <a:solidFill>
+            <a:schemeClr val="accent6"/>
+          </a:solidFill>
+          <a:ln>
+            <a:noFill/>
+          </a:ln>
+        </p:spPr>
+        <p:style>
+          <a:lnRef idx="2">
+            <a:schemeClr val="accent1">
+              <a:shade val="50000"/>
+            </a:schemeClr>
+          </a:lnRef>
+          <a:fillRef idx="1">
+            <a:schemeClr val="accent1"/>
+          </a:fillRef>
+          <a:effectRef idx="0">
+            <a:schemeClr val="accent1"/>
+          </a:effectRef>
+          <a:fontRef idx="minor">
+            <a:schemeClr val="lt1"/>
+          </a:fontRef>
+        </p:style>
+        <p:txBody>
+          <a:bodyPr rtlCol="0" anchor="ctr"/>
+          <a:lstStyle/>
+          <a:p>
+            <a:pPr algn="ctr"/>
+            <a:endParaRPr lang="ko-KR" altLang="en-US"/>
+          </a:p>
+        </p:txBody>
+      </p:sp>
+    </p:spTree>
+    <p:extLst>
+      <p:ext uri="{BB962C8B-B14F-4D97-AF65-F5344CB8AC3E}">
+        <p14:creationId xmlns:p14="http://schemas.microsoft.com/office/powerpoint/2010/main" val="2991092126"/>
+      </p:ext>
+    </p:extLst>
+  </p:cSld>
+  <p:clrMapOvr>
+    <a:masterClrMapping/>
+  </p:clrMapOvr>
+</p:sld>
+</file>
+
+<file path=ppt/slides/slide6.xml><?xml version="1.0" encoding="utf-8"?>
+<p:sld xmlns:a="http://schemas.openxmlformats.org/drawingml/2006/main" xmlns:r="http://schemas.openxmlformats.org/officeDocument/2006/relationships" xmlns:p="http://schemas.openxmlformats.org/presentationml/2006/main">
+  <p:cSld>
+    <p:spTree>
+      <p:nvGrpSpPr>
+        <p:cNvPr id="1" name=""/>
+        <p:cNvGrpSpPr/>
+        <p:nvPr/>
+      </p:nvGrpSpPr>
+      <p:grpSpPr>
+        <a:xfrm>
+          <a:off x="0" y="0"/>
+          <a:ext cx="0" cy="0"/>
+          <a:chOff x="0" y="0"/>
+          <a:chExt cx="0" cy="0"/>
+        </a:xfrm>
+      </p:grpSpPr>
+      <p:sp>
+        <p:nvSpPr>
+          <p:cNvPr id="4" name="직사각형 3">
+            <a:extLst>
+              <a:ext uri="{FF2B5EF4-FFF2-40B4-BE49-F238E27FC236}">
+                <a16:creationId xmlns:a16="http://schemas.microsoft.com/office/drawing/2014/main" id="{963576F8-CF1A-4490-960E-CC3F5F120FFB}"/>
+              </a:ext>
+            </a:extLst>
+          </p:cNvPr>
+          <p:cNvSpPr/>
+          <p:nvPr/>
+        </p:nvSpPr>
+        <p:spPr>
+          <a:xfrm>
+            <a:off x="0" y="0"/>
+            <a:ext cx="3762000" cy="3240000"/>
+          </a:xfrm>
+          <a:prstGeom prst="rect">
+            <a:avLst/>
+          </a:prstGeom>
+          <a:solidFill>
+            <a:schemeClr val="bg1"/>
+          </a:solidFill>
+          <a:ln>
+            <a:noFill/>
+          </a:ln>
+        </p:spPr>
+        <p:style>
+          <a:lnRef idx="2">
+            <a:schemeClr val="accent1">
+              <a:shade val="50000"/>
+            </a:schemeClr>
+          </a:lnRef>
+          <a:fillRef idx="1">
+            <a:schemeClr val="accent1"/>
+          </a:fillRef>
+          <a:effectRef idx="0">
+            <a:schemeClr val="accent1"/>
+          </a:effectRef>
+          <a:fontRef idx="minor">
+            <a:schemeClr val="lt1"/>
+          </a:fontRef>
+        </p:style>
+        <p:txBody>
+          <a:bodyPr rtlCol="0" anchor="ctr"/>
+          <a:lstStyle/>
+          <a:p>
+            <a:pPr algn="ctr"/>
+            <a:endParaRPr lang="ko-KR" altLang="en-US"/>
+          </a:p>
+        </p:txBody>
+      </p:sp>
+      <p:pic>
+        <p:nvPicPr>
+          <p:cNvPr id="5" name="그림 4">
+            <a:extLst>
+              <a:ext uri="{FF2B5EF4-FFF2-40B4-BE49-F238E27FC236}">
+                <a16:creationId xmlns:a16="http://schemas.microsoft.com/office/drawing/2014/main" id="{67D5FCC2-DCD5-457E-9736-A1DFA9732E40}"/>
+              </a:ext>
+            </a:extLst>
+          </p:cNvPr>
+          <p:cNvPicPr>
+            <a:picLocks noChangeAspect="1"/>
+          </p:cNvPicPr>
+          <p:nvPr/>
+        </p:nvPicPr>
+        <p:blipFill rotWithShape="1">
+          <a:blip r:embed="rId2">
+            <a:alphaModFix/>
+            <a:extLst>
+              <a:ext uri="{28A0092B-C50C-407E-A947-70E740481C1C}">
+                <a14:useLocalDpi xmlns:a14="http://schemas.microsoft.com/office/drawing/2010/main" val="0"/>
+              </a:ext>
+            </a:extLst>
+          </a:blip>
+          <a:srcRect l="8539" t="7835" r="8539" b="7922"/>
+          <a:stretch/>
+        </p:blipFill>
+        <p:spPr>
+          <a:xfrm>
+            <a:off x="99209" y="91120"/>
+            <a:ext cx="328146" cy="333372"/>
+          </a:xfrm>
+          <a:prstGeom prst="rect">
+            <a:avLst/>
+          </a:prstGeom>
+        </p:spPr>
+      </p:pic>
+      <p:sp>
+        <p:nvSpPr>
+          <p:cNvPr id="6" name="TextBox 5">
+            <a:extLst>
+              <a:ext uri="{FF2B5EF4-FFF2-40B4-BE49-F238E27FC236}">
+                <a16:creationId xmlns:a16="http://schemas.microsoft.com/office/drawing/2014/main" id="{33169086-7325-4A2D-85E4-670807A90D9E}"/>
+              </a:ext>
+            </a:extLst>
+          </p:cNvPr>
+          <p:cNvSpPr txBox="1"/>
+          <p:nvPr/>
+        </p:nvSpPr>
+        <p:spPr>
+          <a:xfrm>
+            <a:off x="390080" y="83500"/>
+            <a:ext cx="1144865" cy="200055"/>
+          </a:xfrm>
+          <a:prstGeom prst="rect">
+            <a:avLst/>
+          </a:prstGeom>
+          <a:noFill/>
+        </p:spPr>
+        <p:txBody>
+          <a:bodyPr wrap="none" rtlCol="0">
+            <a:spAutoFit/>
+          </a:bodyPr>
+          <a:lstStyle/>
+          <a:p>
+            <a:r>
+              <a:rPr lang="en-US" altLang="ko-KR" sz="700" b="1"/>
+              <a:t>UNIVERSITY of DEBRECEN</a:t>
+            </a:r>
+          </a:p>
+        </p:txBody>
+      </p:sp>
+      <p:sp>
+        <p:nvSpPr>
+          <p:cNvPr id="7" name="TextBox 6">
+            <a:extLst>
+              <a:ext uri="{FF2B5EF4-FFF2-40B4-BE49-F238E27FC236}">
+                <a16:creationId xmlns:a16="http://schemas.microsoft.com/office/drawing/2014/main" id="{69AAE6D2-A3CA-4D02-8C73-E7EA45341155}"/>
+              </a:ext>
+            </a:extLst>
+          </p:cNvPr>
+          <p:cNvSpPr txBox="1"/>
+          <p:nvPr/>
+        </p:nvSpPr>
+        <p:spPr>
+          <a:xfrm>
+            <a:off x="379908" y="179853"/>
+            <a:ext cx="1409360" cy="276999"/>
+          </a:xfrm>
+          <a:prstGeom prst="rect">
+            <a:avLst/>
+          </a:prstGeom>
+          <a:noFill/>
+        </p:spPr>
+        <p:txBody>
+          <a:bodyPr wrap="none" rtlCol="0">
+            <a:spAutoFit/>
+          </a:bodyPr>
+          <a:lstStyle/>
+          <a:p>
+            <a:r>
+              <a:rPr lang="en-US" altLang="ko-KR" sz="1200" b="1"/>
+              <a:t>GIS ENGLISH CAMP</a:t>
+            </a:r>
+            <a:endParaRPr lang="ko-KR" altLang="en-US" sz="1200" b="1"/>
+          </a:p>
+        </p:txBody>
+      </p:sp>
+      <p:sp>
+        <p:nvSpPr>
+          <p:cNvPr id="8" name="TextBox 7">
+            <a:extLst>
+              <a:ext uri="{FF2B5EF4-FFF2-40B4-BE49-F238E27FC236}">
+                <a16:creationId xmlns:a16="http://schemas.microsoft.com/office/drawing/2014/main" id="{8D80FE8C-388B-476F-B822-95B0D3B7A75D}"/>
+              </a:ext>
+            </a:extLst>
+          </p:cNvPr>
+          <p:cNvSpPr txBox="1"/>
+          <p:nvPr/>
+        </p:nvSpPr>
+        <p:spPr>
+          <a:xfrm>
+            <a:off x="1408758" y="885299"/>
+            <a:ext cx="944490" cy="369332"/>
+          </a:xfrm>
+          <a:prstGeom prst="rect">
+            <a:avLst/>
+          </a:prstGeom>
+          <a:noFill/>
+        </p:spPr>
+        <p:txBody>
+          <a:bodyPr wrap="none" rtlCol="0">
+            <a:spAutoFit/>
+          </a:bodyPr>
+          <a:lstStyle/>
+          <a:p>
+            <a:pPr algn="ctr"/>
+            <a:r>
+              <a:rPr lang="en-US" altLang="ko-KR"/>
+              <a:t>position</a:t>
+            </a:r>
+            <a:endParaRPr lang="ko-KR" altLang="en-US"/>
+          </a:p>
+        </p:txBody>
+      </p:sp>
+      <p:sp>
+        <p:nvSpPr>
+          <p:cNvPr id="9" name="TextBox 8">
+            <a:extLst>
+              <a:ext uri="{FF2B5EF4-FFF2-40B4-BE49-F238E27FC236}">
+                <a16:creationId xmlns:a16="http://schemas.microsoft.com/office/drawing/2014/main" id="{7E16E048-54E4-4757-A04F-50727F287E8D}"/>
+              </a:ext>
+            </a:extLst>
+          </p:cNvPr>
+          <p:cNvSpPr txBox="1"/>
+          <p:nvPr/>
+        </p:nvSpPr>
+        <p:spPr>
+          <a:xfrm>
+            <a:off x="1186742" y="1359764"/>
+            <a:ext cx="1388521" cy="707886"/>
+          </a:xfrm>
+          <a:prstGeom prst="rect">
+            <a:avLst/>
+          </a:prstGeom>
+          <a:noFill/>
+        </p:spPr>
+        <p:txBody>
+          <a:bodyPr wrap="none" rtlCol="0">
+            <a:spAutoFit/>
+          </a:bodyPr>
+          <a:lstStyle/>
+          <a:p>
+            <a:pPr algn="ctr"/>
+            <a:r>
+              <a:rPr lang="en-US" altLang="ko-KR" sz="4000" b="1"/>
+              <a:t>name</a:t>
+            </a:r>
+            <a:endParaRPr lang="ko-KR" altLang="en-US" sz="4000" b="1"/>
+          </a:p>
+        </p:txBody>
+      </p:sp>
+      <p:sp>
+        <p:nvSpPr>
+          <p:cNvPr id="10" name="TextBox 9">
+            <a:extLst>
+              <a:ext uri="{FF2B5EF4-FFF2-40B4-BE49-F238E27FC236}">
+                <a16:creationId xmlns:a16="http://schemas.microsoft.com/office/drawing/2014/main" id="{66BB71DE-BEF2-40CF-8B37-F130773816A0}"/>
+              </a:ext>
+            </a:extLst>
+          </p:cNvPr>
+          <p:cNvSpPr txBox="1"/>
+          <p:nvPr/>
+        </p:nvSpPr>
+        <p:spPr>
+          <a:xfrm>
+            <a:off x="991180" y="2072188"/>
+            <a:ext cx="1779654" cy="584775"/>
+          </a:xfrm>
+          <a:prstGeom prst="rect">
+            <a:avLst/>
+          </a:prstGeom>
+          <a:noFill/>
+        </p:spPr>
+        <p:txBody>
+          <a:bodyPr wrap="none" rtlCol="0">
+            <a:spAutoFit/>
+          </a:bodyPr>
+          <a:lstStyle/>
+          <a:p>
+            <a:pPr algn="ctr"/>
+            <a:r>
+              <a:rPr lang="en-US" altLang="ko-KR" sz="3200" b="1"/>
+              <a:t>subname</a:t>
+            </a:r>
+            <a:endParaRPr lang="ko-KR" altLang="en-US" sz="3200" b="1"/>
+          </a:p>
+        </p:txBody>
+      </p:sp>
+      <p:sp>
+        <p:nvSpPr>
+          <p:cNvPr id="11" name="직사각형 10">
+            <a:extLst>
+              <a:ext uri="{FF2B5EF4-FFF2-40B4-BE49-F238E27FC236}">
+                <a16:creationId xmlns:a16="http://schemas.microsoft.com/office/drawing/2014/main" id="{F0D2024F-A536-473D-8921-00A9790B9F95}"/>
+              </a:ext>
+            </a:extLst>
+          </p:cNvPr>
+          <p:cNvSpPr/>
+          <p:nvPr/>
+        </p:nvSpPr>
+        <p:spPr>
+          <a:xfrm>
+            <a:off x="0" y="2962300"/>
+            <a:ext cx="3762000" cy="277700"/>
+          </a:xfrm>
+          <a:prstGeom prst="rect">
+            <a:avLst/>
+          </a:prstGeom>
+          <a:solidFill>
+            <a:schemeClr val="accent6"/>
+          </a:solidFill>
+          <a:ln>
+            <a:noFill/>
+          </a:ln>
+        </p:spPr>
+        <p:style>
+          <a:lnRef idx="2">
+            <a:schemeClr val="accent1">
+              <a:shade val="50000"/>
+            </a:schemeClr>
+          </a:lnRef>
+          <a:fillRef idx="1">
+            <a:schemeClr val="accent1"/>
+          </a:fillRef>
+          <a:effectRef idx="0">
+            <a:schemeClr val="accent1"/>
+          </a:effectRef>
+          <a:fontRef idx="minor">
+            <a:schemeClr val="lt1"/>
+          </a:fontRef>
+        </p:style>
+        <p:txBody>
+          <a:bodyPr rtlCol="0" anchor="ctr"/>
+          <a:lstStyle/>
+          <a:p>
+            <a:pPr algn="ctr"/>
+            <a:endParaRPr lang="ko-KR" altLang="en-US"/>
+          </a:p>
+        </p:txBody>
+      </p:sp>
+      <p:sp>
+        <p:nvSpPr>
+          <p:cNvPr id="12" name="직사각형 11">
+            <a:extLst>
+              <a:ext uri="{FF2B5EF4-FFF2-40B4-BE49-F238E27FC236}">
+                <a16:creationId xmlns:a16="http://schemas.microsoft.com/office/drawing/2014/main" id="{12FF3C62-B937-457E-9957-A8025753F04E}"/>
+              </a:ext>
+            </a:extLst>
+          </p:cNvPr>
+          <p:cNvSpPr/>
+          <p:nvPr/>
+        </p:nvSpPr>
+        <p:spPr>
+          <a:xfrm>
+            <a:off x="3797676" y="0"/>
+            <a:ext cx="3762000" cy="3240000"/>
+          </a:xfrm>
+          <a:prstGeom prst="rect">
+            <a:avLst/>
+          </a:prstGeom>
+          <a:solidFill>
+            <a:schemeClr val="bg1"/>
+          </a:solidFill>
+          <a:ln>
+            <a:noFill/>
+          </a:ln>
+        </p:spPr>
+        <p:style>
+          <a:lnRef idx="2">
+            <a:schemeClr val="accent1">
+              <a:shade val="50000"/>
+            </a:schemeClr>
+          </a:lnRef>
+          <a:fillRef idx="1">
+            <a:schemeClr val="accent1"/>
+          </a:fillRef>
+          <a:effectRef idx="0">
+            <a:schemeClr val="accent1"/>
+          </a:effectRef>
+          <a:fontRef idx="minor">
+            <a:schemeClr val="lt1"/>
+          </a:fontRef>
+        </p:style>
+        <p:txBody>
+          <a:bodyPr rtlCol="0" anchor="ctr"/>
+          <a:lstStyle/>
+          <a:p>
+            <a:pPr algn="ctr"/>
+            <a:endParaRPr lang="ko-KR" altLang="en-US"/>
+          </a:p>
+        </p:txBody>
+      </p:sp>
+      <p:pic>
+        <p:nvPicPr>
+          <p:cNvPr id="13" name="그림 12">
+            <a:extLst>
+              <a:ext uri="{FF2B5EF4-FFF2-40B4-BE49-F238E27FC236}">
+                <a16:creationId xmlns:a16="http://schemas.microsoft.com/office/drawing/2014/main" id="{3A289C0F-CB20-4FE8-BA1F-1554A1BDAAD9}"/>
+              </a:ext>
+            </a:extLst>
+          </p:cNvPr>
+          <p:cNvPicPr>
+            <a:picLocks noChangeAspect="1"/>
+          </p:cNvPicPr>
+          <p:nvPr/>
+        </p:nvPicPr>
+        <p:blipFill rotWithShape="1">
+          <a:blip r:embed="rId2">
+            <a:alphaModFix/>
+            <a:extLst>
+              <a:ext uri="{28A0092B-C50C-407E-A947-70E740481C1C}">
+                <a14:useLocalDpi xmlns:a14="http://schemas.microsoft.com/office/drawing/2010/main" val="0"/>
+              </a:ext>
+            </a:extLst>
+          </a:blip>
+          <a:srcRect l="8539" t="7835" r="8539" b="7922"/>
+          <a:stretch/>
+        </p:blipFill>
+        <p:spPr>
+          <a:xfrm>
+            <a:off x="3896885" y="91120"/>
+            <a:ext cx="328146" cy="333372"/>
+          </a:xfrm>
+          <a:prstGeom prst="rect">
+            <a:avLst/>
+          </a:prstGeom>
+        </p:spPr>
+      </p:pic>
+      <p:sp>
+        <p:nvSpPr>
+          <p:cNvPr id="14" name="TextBox 13">
+            <a:extLst>
+              <a:ext uri="{FF2B5EF4-FFF2-40B4-BE49-F238E27FC236}">
+                <a16:creationId xmlns:a16="http://schemas.microsoft.com/office/drawing/2014/main" id="{3A9F5B41-1947-4AA7-99E4-110B4FCD3129}"/>
+              </a:ext>
+            </a:extLst>
+          </p:cNvPr>
+          <p:cNvSpPr txBox="1"/>
+          <p:nvPr/>
+        </p:nvSpPr>
+        <p:spPr>
+          <a:xfrm>
+            <a:off x="4187756" y="83500"/>
+            <a:ext cx="1144865" cy="200055"/>
+          </a:xfrm>
+          <a:prstGeom prst="rect">
+            <a:avLst/>
+          </a:prstGeom>
+          <a:noFill/>
+        </p:spPr>
+        <p:txBody>
+          <a:bodyPr wrap="none" rtlCol="0">
+            <a:spAutoFit/>
+          </a:bodyPr>
+          <a:lstStyle/>
+          <a:p>
+            <a:r>
+              <a:rPr lang="en-US" altLang="ko-KR" sz="700" b="1"/>
+              <a:t>UNIVERSITY of DEBRECEN</a:t>
+            </a:r>
+          </a:p>
+        </p:txBody>
+      </p:sp>
+      <p:sp>
+        <p:nvSpPr>
+          <p:cNvPr id="15" name="TextBox 14">
+            <a:extLst>
+              <a:ext uri="{FF2B5EF4-FFF2-40B4-BE49-F238E27FC236}">
+                <a16:creationId xmlns:a16="http://schemas.microsoft.com/office/drawing/2014/main" id="{5A59CCB3-8D97-4B53-A971-6C3C38BBA1E8}"/>
+              </a:ext>
+            </a:extLst>
+          </p:cNvPr>
+          <p:cNvSpPr txBox="1"/>
+          <p:nvPr/>
+        </p:nvSpPr>
+        <p:spPr>
+          <a:xfrm>
+            <a:off x="4177584" y="179853"/>
+            <a:ext cx="1409360" cy="276999"/>
+          </a:xfrm>
+          <a:prstGeom prst="rect">
+            <a:avLst/>
+          </a:prstGeom>
+          <a:noFill/>
+        </p:spPr>
+        <p:txBody>
+          <a:bodyPr wrap="none" rtlCol="0">
+            <a:spAutoFit/>
+          </a:bodyPr>
+          <a:lstStyle/>
+          <a:p>
+            <a:r>
+              <a:rPr lang="en-US" altLang="ko-KR" sz="1200" b="1"/>
+              <a:t>GIS ENGLISH CAMP</a:t>
+            </a:r>
+            <a:endParaRPr lang="ko-KR" altLang="en-US" sz="1200" b="1"/>
+          </a:p>
+        </p:txBody>
+      </p:sp>
+      <p:sp>
+        <p:nvSpPr>
+          <p:cNvPr id="16" name="TextBox 15">
+            <a:extLst>
+              <a:ext uri="{FF2B5EF4-FFF2-40B4-BE49-F238E27FC236}">
+                <a16:creationId xmlns:a16="http://schemas.microsoft.com/office/drawing/2014/main" id="{354926EB-51CC-42D0-877C-A9CF3F28CABF}"/>
+              </a:ext>
+            </a:extLst>
+          </p:cNvPr>
+          <p:cNvSpPr txBox="1"/>
+          <p:nvPr/>
+        </p:nvSpPr>
+        <p:spPr>
+          <a:xfrm>
+            <a:off x="5206433" y="885299"/>
+            <a:ext cx="944489" cy="369332"/>
+          </a:xfrm>
+          <a:prstGeom prst="rect">
+            <a:avLst/>
+          </a:prstGeom>
+          <a:noFill/>
+        </p:spPr>
+        <p:txBody>
+          <a:bodyPr wrap="none" rtlCol="0">
+            <a:spAutoFit/>
+          </a:bodyPr>
+          <a:lstStyle/>
+          <a:p>
+            <a:pPr algn="ctr"/>
+            <a:r>
+              <a:rPr lang="en-US" altLang="ko-KR"/>
+              <a:t>position</a:t>
+            </a:r>
+            <a:endParaRPr lang="ko-KR" altLang="en-US"/>
+          </a:p>
+        </p:txBody>
+      </p:sp>
+      <p:sp>
+        <p:nvSpPr>
+          <p:cNvPr id="17" name="TextBox 16">
+            <a:extLst>
+              <a:ext uri="{FF2B5EF4-FFF2-40B4-BE49-F238E27FC236}">
+                <a16:creationId xmlns:a16="http://schemas.microsoft.com/office/drawing/2014/main" id="{4AF5DD76-0B49-464F-B6E2-59A6C7664B7C}"/>
+              </a:ext>
+            </a:extLst>
+          </p:cNvPr>
+          <p:cNvSpPr txBox="1"/>
+          <p:nvPr/>
+        </p:nvSpPr>
+        <p:spPr>
+          <a:xfrm>
+            <a:off x="4984418" y="1359764"/>
+            <a:ext cx="1388521" cy="707886"/>
+          </a:xfrm>
+          <a:prstGeom prst="rect">
+            <a:avLst/>
+          </a:prstGeom>
+          <a:noFill/>
+        </p:spPr>
+        <p:txBody>
+          <a:bodyPr wrap="none" rtlCol="0">
+            <a:spAutoFit/>
+          </a:bodyPr>
+          <a:lstStyle/>
+          <a:p>
+            <a:pPr algn="ctr"/>
+            <a:r>
+              <a:rPr lang="en-US" altLang="ko-KR" sz="4000" b="1"/>
+              <a:t>name</a:t>
+            </a:r>
+            <a:endParaRPr lang="ko-KR" altLang="en-US" sz="4000" b="1"/>
+          </a:p>
+        </p:txBody>
+      </p:sp>
+      <p:sp>
+        <p:nvSpPr>
+          <p:cNvPr id="18" name="TextBox 17">
+            <a:extLst>
+              <a:ext uri="{FF2B5EF4-FFF2-40B4-BE49-F238E27FC236}">
+                <a16:creationId xmlns:a16="http://schemas.microsoft.com/office/drawing/2014/main" id="{9CCCA046-452E-4915-928F-C8193D446B41}"/>
+              </a:ext>
+            </a:extLst>
+          </p:cNvPr>
+          <p:cNvSpPr txBox="1"/>
+          <p:nvPr/>
+        </p:nvSpPr>
+        <p:spPr>
+          <a:xfrm>
+            <a:off x="4804083" y="2072188"/>
+            <a:ext cx="1749198" cy="584775"/>
+          </a:xfrm>
+          <a:prstGeom prst="rect">
+            <a:avLst/>
+          </a:prstGeom>
+          <a:noFill/>
+        </p:spPr>
+        <p:txBody>
+          <a:bodyPr wrap="none" rtlCol="0">
+            <a:spAutoFit/>
+          </a:bodyPr>
+          <a:lstStyle/>
+          <a:p>
+            <a:pPr algn="ctr"/>
+            <a:r>
+              <a:rPr lang="en-US" altLang="ko-KR" sz="3200" b="1"/>
+              <a:t>subname</a:t>
+            </a:r>
+            <a:endParaRPr lang="ko-KR" altLang="en-US" sz="3200" b="1"/>
+          </a:p>
+        </p:txBody>
+      </p:sp>
+      <p:sp>
+        <p:nvSpPr>
+          <p:cNvPr id="19" name="직사각형 18">
+            <a:extLst>
+              <a:ext uri="{FF2B5EF4-FFF2-40B4-BE49-F238E27FC236}">
+                <a16:creationId xmlns:a16="http://schemas.microsoft.com/office/drawing/2014/main" id="{B4FF2C9A-F55C-4AE2-943B-2D063B2AA8A5}"/>
+              </a:ext>
+            </a:extLst>
+          </p:cNvPr>
+          <p:cNvSpPr/>
+          <p:nvPr/>
+        </p:nvSpPr>
+        <p:spPr>
+          <a:xfrm>
+            <a:off x="3797676" y="2962300"/>
+            <a:ext cx="3762000" cy="277700"/>
+          </a:xfrm>
+          <a:prstGeom prst="rect">
+            <a:avLst/>
+          </a:prstGeom>
+          <a:solidFill>
+            <a:schemeClr val="accent6"/>
+          </a:solidFill>
+          <a:ln>
+            <a:noFill/>
+          </a:ln>
+        </p:spPr>
+        <p:style>
+          <a:lnRef idx="2">
+            <a:schemeClr val="accent1">
+              <a:shade val="50000"/>
+            </a:schemeClr>
+          </a:lnRef>
+          <a:fillRef idx="1">
+            <a:schemeClr val="accent1"/>
+          </a:fillRef>
+          <a:effectRef idx="0">
+            <a:schemeClr val="accent1"/>
+          </a:effectRef>
+          <a:fontRef idx="minor">
+            <a:schemeClr val="lt1"/>
+          </a:fontRef>
+        </p:style>
+        <p:txBody>
+          <a:bodyPr rtlCol="0" anchor="ctr"/>
+          <a:lstStyle/>
+          <a:p>
+            <a:pPr algn="ctr"/>
+            <a:endParaRPr lang="ko-KR" altLang="en-US"/>
+          </a:p>
+        </p:txBody>
+      </p:sp>
+      <p:sp>
+        <p:nvSpPr>
+          <p:cNvPr id="20" name="직사각형 19">
+            <a:extLst>
+              <a:ext uri="{FF2B5EF4-FFF2-40B4-BE49-F238E27FC236}">
+                <a16:creationId xmlns:a16="http://schemas.microsoft.com/office/drawing/2014/main" id="{74E6C138-3CB9-440A-A48B-D88FE2F5C9B0}"/>
+              </a:ext>
+            </a:extLst>
+          </p:cNvPr>
+          <p:cNvSpPr/>
+          <p:nvPr/>
+        </p:nvSpPr>
+        <p:spPr>
+          <a:xfrm>
+            <a:off x="0" y="3725906"/>
+            <a:ext cx="3762000" cy="3240000"/>
+          </a:xfrm>
+          <a:prstGeom prst="rect">
+            <a:avLst/>
+          </a:prstGeom>
+          <a:solidFill>
+            <a:schemeClr val="bg1"/>
+          </a:solidFill>
+          <a:ln>
+            <a:noFill/>
+          </a:ln>
+        </p:spPr>
+        <p:style>
+          <a:lnRef idx="2">
+            <a:schemeClr val="accent1">
+              <a:shade val="50000"/>
+            </a:schemeClr>
+          </a:lnRef>
+          <a:fillRef idx="1">
+            <a:schemeClr val="accent1"/>
+          </a:fillRef>
+          <a:effectRef idx="0">
+            <a:schemeClr val="accent1"/>
+          </a:effectRef>
+          <a:fontRef idx="minor">
+            <a:schemeClr val="lt1"/>
+          </a:fontRef>
+        </p:style>
+        <p:txBody>
+          <a:bodyPr rtlCol="0" anchor="ctr"/>
+          <a:lstStyle/>
+          <a:p>
+            <a:pPr algn="ctr"/>
+            <a:endParaRPr lang="ko-KR" altLang="en-US"/>
+          </a:p>
+        </p:txBody>
+      </p:sp>
+      <p:pic>
+        <p:nvPicPr>
+          <p:cNvPr id="21" name="그림 20">
+            <a:extLst>
+              <a:ext uri="{FF2B5EF4-FFF2-40B4-BE49-F238E27FC236}">
+                <a16:creationId xmlns:a16="http://schemas.microsoft.com/office/drawing/2014/main" id="{A5058AEB-CD80-4522-BCB1-6427A39B3EF8}"/>
+              </a:ext>
+            </a:extLst>
+          </p:cNvPr>
+          <p:cNvPicPr>
+            <a:picLocks noChangeAspect="1"/>
+          </p:cNvPicPr>
+          <p:nvPr/>
+        </p:nvPicPr>
+        <p:blipFill rotWithShape="1">
+          <a:blip r:embed="rId2">
+            <a:alphaModFix/>
+            <a:extLst>
+              <a:ext uri="{28A0092B-C50C-407E-A947-70E740481C1C}">
+                <a14:useLocalDpi xmlns:a14="http://schemas.microsoft.com/office/drawing/2010/main" val="0"/>
+              </a:ext>
+            </a:extLst>
+          </a:blip>
+          <a:srcRect l="8539" t="7835" r="8539" b="7922"/>
+          <a:stretch/>
+        </p:blipFill>
+        <p:spPr>
+          <a:xfrm>
+            <a:off x="99209" y="3817026"/>
+            <a:ext cx="328146" cy="333372"/>
+          </a:xfrm>
+          <a:prstGeom prst="rect">
+            <a:avLst/>
+          </a:prstGeom>
+        </p:spPr>
+      </p:pic>
+      <p:sp>
+        <p:nvSpPr>
+          <p:cNvPr id="22" name="TextBox 21">
+            <a:extLst>
+              <a:ext uri="{FF2B5EF4-FFF2-40B4-BE49-F238E27FC236}">
+                <a16:creationId xmlns:a16="http://schemas.microsoft.com/office/drawing/2014/main" id="{3F69A310-D294-476E-B9C5-4E94BD0F2A13}"/>
+              </a:ext>
+            </a:extLst>
+          </p:cNvPr>
+          <p:cNvSpPr txBox="1"/>
+          <p:nvPr/>
+        </p:nvSpPr>
+        <p:spPr>
+          <a:xfrm>
+            <a:off x="390080" y="3809406"/>
+            <a:ext cx="1144865" cy="200055"/>
+          </a:xfrm>
+          <a:prstGeom prst="rect">
+            <a:avLst/>
+          </a:prstGeom>
+          <a:noFill/>
+        </p:spPr>
+        <p:txBody>
+          <a:bodyPr wrap="none" rtlCol="0">
+            <a:spAutoFit/>
+          </a:bodyPr>
+          <a:lstStyle/>
+          <a:p>
+            <a:r>
+              <a:rPr lang="en-US" altLang="ko-KR" sz="700" b="1"/>
+              <a:t>UNIVERSITY of DEBRECEN</a:t>
+            </a:r>
+          </a:p>
+        </p:txBody>
+      </p:sp>
+      <p:sp>
+        <p:nvSpPr>
+          <p:cNvPr id="23" name="TextBox 22">
+            <a:extLst>
+              <a:ext uri="{FF2B5EF4-FFF2-40B4-BE49-F238E27FC236}">
+                <a16:creationId xmlns:a16="http://schemas.microsoft.com/office/drawing/2014/main" id="{96764EEC-B720-43E2-9705-54FEA3258C40}"/>
+              </a:ext>
+            </a:extLst>
+          </p:cNvPr>
+          <p:cNvSpPr txBox="1"/>
+          <p:nvPr/>
+        </p:nvSpPr>
+        <p:spPr>
+          <a:xfrm>
+            <a:off x="379908" y="3905759"/>
+            <a:ext cx="1409360" cy="276999"/>
+          </a:xfrm>
+          <a:prstGeom prst="rect">
+            <a:avLst/>
+          </a:prstGeom>
+          <a:noFill/>
+        </p:spPr>
+        <p:txBody>
+          <a:bodyPr wrap="none" rtlCol="0">
+            <a:spAutoFit/>
+          </a:bodyPr>
+          <a:lstStyle/>
+          <a:p>
+            <a:r>
+              <a:rPr lang="en-US" altLang="ko-KR" sz="1200" b="1"/>
+              <a:t>GIS ENGLISH CAMP</a:t>
+            </a:r>
+            <a:endParaRPr lang="ko-KR" altLang="en-US" sz="1200" b="1"/>
+          </a:p>
+        </p:txBody>
+      </p:sp>
+      <p:sp>
+        <p:nvSpPr>
+          <p:cNvPr id="24" name="TextBox 23">
+            <a:extLst>
+              <a:ext uri="{FF2B5EF4-FFF2-40B4-BE49-F238E27FC236}">
+                <a16:creationId xmlns:a16="http://schemas.microsoft.com/office/drawing/2014/main" id="{86A66C86-5ADC-49C7-A477-DC15C771A990}"/>
+              </a:ext>
+            </a:extLst>
+          </p:cNvPr>
+          <p:cNvSpPr txBox="1"/>
+          <p:nvPr/>
+        </p:nvSpPr>
+        <p:spPr>
+          <a:xfrm>
+            <a:off x="1408757" y="4611205"/>
+            <a:ext cx="944489" cy="369332"/>
+          </a:xfrm>
+          <a:prstGeom prst="rect">
+            <a:avLst/>
+          </a:prstGeom>
+          <a:noFill/>
+        </p:spPr>
+        <p:txBody>
+          <a:bodyPr wrap="none" rtlCol="0">
+            <a:spAutoFit/>
+          </a:bodyPr>
+          <a:lstStyle/>
+          <a:p>
+            <a:pPr algn="ctr"/>
+            <a:r>
+              <a:rPr lang="en-US" altLang="ko-KR"/>
+              <a:t>position</a:t>
+            </a:r>
+            <a:endParaRPr lang="ko-KR" altLang="en-US"/>
+          </a:p>
+        </p:txBody>
+      </p:sp>
+      <p:sp>
+        <p:nvSpPr>
+          <p:cNvPr id="25" name="TextBox 24">
+            <a:extLst>
+              <a:ext uri="{FF2B5EF4-FFF2-40B4-BE49-F238E27FC236}">
+                <a16:creationId xmlns:a16="http://schemas.microsoft.com/office/drawing/2014/main" id="{98CEC0C8-998E-4E76-B38A-95DFB28E007D}"/>
+              </a:ext>
+            </a:extLst>
+          </p:cNvPr>
+          <p:cNvSpPr txBox="1"/>
+          <p:nvPr/>
+        </p:nvSpPr>
+        <p:spPr>
+          <a:xfrm>
+            <a:off x="1186742" y="5085670"/>
+            <a:ext cx="1388521" cy="707886"/>
+          </a:xfrm>
+          <a:prstGeom prst="rect">
+            <a:avLst/>
+          </a:prstGeom>
+          <a:noFill/>
+        </p:spPr>
+        <p:txBody>
+          <a:bodyPr wrap="none" rtlCol="0">
+            <a:spAutoFit/>
+          </a:bodyPr>
+          <a:lstStyle/>
+          <a:p>
+            <a:pPr algn="ctr"/>
+            <a:r>
+              <a:rPr lang="en-US" altLang="ko-KR" sz="4000" b="1"/>
+              <a:t>name</a:t>
+            </a:r>
+            <a:endParaRPr lang="ko-KR" altLang="en-US" sz="4000" b="1"/>
+          </a:p>
+        </p:txBody>
+      </p:sp>
+      <p:sp>
+        <p:nvSpPr>
+          <p:cNvPr id="26" name="TextBox 25">
+            <a:extLst>
+              <a:ext uri="{FF2B5EF4-FFF2-40B4-BE49-F238E27FC236}">
+                <a16:creationId xmlns:a16="http://schemas.microsoft.com/office/drawing/2014/main" id="{9BBC1FB0-FD6C-46D9-8748-6C5E5AB80218}"/>
+              </a:ext>
+            </a:extLst>
+          </p:cNvPr>
+          <p:cNvSpPr txBox="1"/>
+          <p:nvPr/>
+        </p:nvSpPr>
+        <p:spPr>
+          <a:xfrm>
+            <a:off x="1006407" y="5798094"/>
+            <a:ext cx="1749197" cy="584775"/>
+          </a:xfrm>
+          <a:prstGeom prst="rect">
+            <a:avLst/>
+          </a:prstGeom>
+          <a:noFill/>
+        </p:spPr>
+        <p:txBody>
+          <a:bodyPr wrap="none" rtlCol="0">
+            <a:spAutoFit/>
+          </a:bodyPr>
+          <a:lstStyle/>
+          <a:p>
+            <a:pPr algn="ctr"/>
+            <a:r>
+              <a:rPr lang="en-US" altLang="ko-KR" sz="3200" b="1"/>
+              <a:t>subname</a:t>
+            </a:r>
+            <a:endParaRPr lang="ko-KR" altLang="en-US" sz="3200" b="1"/>
+          </a:p>
+        </p:txBody>
+      </p:sp>
+      <p:sp>
+        <p:nvSpPr>
+          <p:cNvPr id="27" name="직사각형 26">
+            <a:extLst>
+              <a:ext uri="{FF2B5EF4-FFF2-40B4-BE49-F238E27FC236}">
+                <a16:creationId xmlns:a16="http://schemas.microsoft.com/office/drawing/2014/main" id="{94C2EB9B-B6EF-4C7C-ADC7-7AD5D9118CFB}"/>
+              </a:ext>
+            </a:extLst>
+          </p:cNvPr>
+          <p:cNvSpPr/>
+          <p:nvPr/>
+        </p:nvSpPr>
+        <p:spPr>
+          <a:xfrm>
+            <a:off x="0" y="6688206"/>
+            <a:ext cx="3762000" cy="277700"/>
+          </a:xfrm>
+          <a:prstGeom prst="rect">
+            <a:avLst/>
+          </a:prstGeom>
+          <a:solidFill>
+            <a:schemeClr val="accent6"/>
+          </a:solidFill>
+          <a:ln>
+            <a:noFill/>
+          </a:ln>
+        </p:spPr>
+        <p:style>
+          <a:lnRef idx="2">
+            <a:schemeClr val="accent1">
+              <a:shade val="50000"/>
+            </a:schemeClr>
+          </a:lnRef>
+          <a:fillRef idx="1">
+            <a:schemeClr val="accent1"/>
+          </a:fillRef>
+          <a:effectRef idx="0">
+            <a:schemeClr val="accent1"/>
+          </a:effectRef>
+          <a:fontRef idx="minor">
+            <a:schemeClr val="lt1"/>
+          </a:fontRef>
+        </p:style>
+        <p:txBody>
+          <a:bodyPr rtlCol="0" anchor="ctr"/>
+          <a:lstStyle/>
+          <a:p>
+            <a:pPr algn="ctr"/>
+            <a:endParaRPr lang="ko-KR" altLang="en-US"/>
+          </a:p>
+        </p:txBody>
+      </p:sp>
+      <p:sp>
+        <p:nvSpPr>
+          <p:cNvPr id="28" name="직사각형 27">
+            <a:extLst>
+              <a:ext uri="{FF2B5EF4-FFF2-40B4-BE49-F238E27FC236}">
+                <a16:creationId xmlns:a16="http://schemas.microsoft.com/office/drawing/2014/main" id="{31951F36-25E0-4AEE-B1B8-1B3F3056C7B6}"/>
+              </a:ext>
+            </a:extLst>
+          </p:cNvPr>
+          <p:cNvSpPr/>
+          <p:nvPr/>
+        </p:nvSpPr>
+        <p:spPr>
+          <a:xfrm>
+            <a:off x="3797676" y="3725906"/>
+            <a:ext cx="3762000" cy="3240000"/>
+          </a:xfrm>
+          <a:prstGeom prst="rect">
+            <a:avLst/>
+          </a:prstGeom>
+          <a:solidFill>
+            <a:schemeClr val="bg1"/>
+          </a:solidFill>
+          <a:ln>
+            <a:noFill/>
+          </a:ln>
+        </p:spPr>
+        <p:style>
+          <a:lnRef idx="2">
+            <a:schemeClr val="accent1">
+              <a:shade val="50000"/>
+            </a:schemeClr>
+          </a:lnRef>
+          <a:fillRef idx="1">
+            <a:schemeClr val="accent1"/>
+          </a:fillRef>
+          <a:effectRef idx="0">
+            <a:schemeClr val="accent1"/>
+          </a:effectRef>
+          <a:fontRef idx="minor">
+            <a:schemeClr val="lt1"/>
+          </a:fontRef>
+        </p:style>
+        <p:txBody>
+          <a:bodyPr rtlCol="0" anchor="ctr"/>
+          <a:lstStyle/>
+          <a:p>
+            <a:pPr algn="ctr"/>
+            <a:endParaRPr lang="ko-KR" altLang="en-US"/>
+          </a:p>
+        </p:txBody>
+      </p:sp>
+      <p:pic>
+        <p:nvPicPr>
+          <p:cNvPr id="29" name="그림 28">
+            <a:extLst>
+              <a:ext uri="{FF2B5EF4-FFF2-40B4-BE49-F238E27FC236}">
+                <a16:creationId xmlns:a16="http://schemas.microsoft.com/office/drawing/2014/main" id="{67E40785-9462-41D5-B5E1-EF872F3774B5}"/>
+              </a:ext>
+            </a:extLst>
+          </p:cNvPr>
+          <p:cNvPicPr>
+            <a:picLocks noChangeAspect="1"/>
+          </p:cNvPicPr>
+          <p:nvPr/>
+        </p:nvPicPr>
+        <p:blipFill rotWithShape="1">
+          <a:blip r:embed="rId2">
+            <a:alphaModFix/>
+            <a:extLst>
+              <a:ext uri="{28A0092B-C50C-407E-A947-70E740481C1C}">
+                <a14:useLocalDpi xmlns:a14="http://schemas.microsoft.com/office/drawing/2010/main" val="0"/>
+              </a:ext>
+            </a:extLst>
+          </a:blip>
+          <a:srcRect l="8539" t="7835" r="8539" b="7922"/>
+          <a:stretch/>
+        </p:blipFill>
+        <p:spPr>
+          <a:xfrm>
+            <a:off x="3896885" y="3817026"/>
+            <a:ext cx="328146" cy="333372"/>
+          </a:xfrm>
+          <a:prstGeom prst="rect">
+            <a:avLst/>
+          </a:prstGeom>
+        </p:spPr>
+      </p:pic>
+      <p:sp>
+        <p:nvSpPr>
+          <p:cNvPr id="30" name="TextBox 29">
+            <a:extLst>
+              <a:ext uri="{FF2B5EF4-FFF2-40B4-BE49-F238E27FC236}">
+                <a16:creationId xmlns:a16="http://schemas.microsoft.com/office/drawing/2014/main" id="{EAB64103-77DB-4B35-8BD9-D3D37A40A88A}"/>
+              </a:ext>
+            </a:extLst>
+          </p:cNvPr>
+          <p:cNvSpPr txBox="1"/>
+          <p:nvPr/>
+        </p:nvSpPr>
+        <p:spPr>
+          <a:xfrm>
+            <a:off x="4187756" y="3809406"/>
+            <a:ext cx="1144865" cy="200055"/>
+          </a:xfrm>
+          <a:prstGeom prst="rect">
+            <a:avLst/>
+          </a:prstGeom>
+          <a:noFill/>
+        </p:spPr>
+        <p:txBody>
+          <a:bodyPr wrap="none" rtlCol="0">
+            <a:spAutoFit/>
+          </a:bodyPr>
+          <a:lstStyle/>
+          <a:p>
+            <a:r>
+              <a:rPr lang="en-US" altLang="ko-KR" sz="700" b="1"/>
+              <a:t>UNIVERSITY of DEBRECEN</a:t>
+            </a:r>
+          </a:p>
+        </p:txBody>
+      </p:sp>
+      <p:sp>
+        <p:nvSpPr>
+          <p:cNvPr id="31" name="TextBox 30">
+            <a:extLst>
+              <a:ext uri="{FF2B5EF4-FFF2-40B4-BE49-F238E27FC236}">
+                <a16:creationId xmlns:a16="http://schemas.microsoft.com/office/drawing/2014/main" id="{81A0D60D-3B8E-4F1F-B2A9-D32F615993A4}"/>
+              </a:ext>
+            </a:extLst>
+          </p:cNvPr>
+          <p:cNvSpPr txBox="1"/>
+          <p:nvPr/>
+        </p:nvSpPr>
+        <p:spPr>
+          <a:xfrm>
+            <a:off x="4177584" y="3905759"/>
+            <a:ext cx="1409360" cy="276999"/>
+          </a:xfrm>
+          <a:prstGeom prst="rect">
+            <a:avLst/>
+          </a:prstGeom>
+          <a:noFill/>
+        </p:spPr>
+        <p:txBody>
+          <a:bodyPr wrap="none" rtlCol="0">
+            <a:spAutoFit/>
+          </a:bodyPr>
+          <a:lstStyle/>
+          <a:p>
+            <a:r>
+              <a:rPr lang="en-US" altLang="ko-KR" sz="1200" b="1"/>
+              <a:t>GIS ENGLISH CAMP</a:t>
+            </a:r>
+            <a:endParaRPr lang="ko-KR" altLang="en-US" sz="1200" b="1"/>
+          </a:p>
+        </p:txBody>
+      </p:sp>
+      <p:sp>
+        <p:nvSpPr>
+          <p:cNvPr id="32" name="TextBox 31">
+            <a:extLst>
+              <a:ext uri="{FF2B5EF4-FFF2-40B4-BE49-F238E27FC236}">
+                <a16:creationId xmlns:a16="http://schemas.microsoft.com/office/drawing/2014/main" id="{FF8581AD-EFC0-41CD-A538-05C888ACCFBF}"/>
+              </a:ext>
+            </a:extLst>
+          </p:cNvPr>
+          <p:cNvSpPr txBox="1"/>
+          <p:nvPr/>
+        </p:nvSpPr>
+        <p:spPr>
+          <a:xfrm>
+            <a:off x="5206433" y="4611205"/>
+            <a:ext cx="944489" cy="369332"/>
+          </a:xfrm>
+          <a:prstGeom prst="rect">
+            <a:avLst/>
+          </a:prstGeom>
+          <a:noFill/>
+        </p:spPr>
+        <p:txBody>
+          <a:bodyPr wrap="none" rtlCol="0">
+            <a:spAutoFit/>
+          </a:bodyPr>
+          <a:lstStyle/>
+          <a:p>
+            <a:pPr algn="ctr"/>
+            <a:r>
+              <a:rPr lang="en-US" altLang="ko-KR"/>
+              <a:t>position</a:t>
+            </a:r>
+            <a:endParaRPr lang="ko-KR" altLang="en-US"/>
+          </a:p>
+        </p:txBody>
+      </p:sp>
+      <p:sp>
+        <p:nvSpPr>
+          <p:cNvPr id="33" name="TextBox 32">
+            <a:extLst>
+              <a:ext uri="{FF2B5EF4-FFF2-40B4-BE49-F238E27FC236}">
+                <a16:creationId xmlns:a16="http://schemas.microsoft.com/office/drawing/2014/main" id="{7C4357FB-93F3-4D04-9D21-49EE6D742377}"/>
+              </a:ext>
+            </a:extLst>
+          </p:cNvPr>
+          <p:cNvSpPr txBox="1"/>
+          <p:nvPr/>
+        </p:nvSpPr>
+        <p:spPr>
+          <a:xfrm>
+            <a:off x="4984418" y="5085670"/>
+            <a:ext cx="1388521" cy="707886"/>
+          </a:xfrm>
+          <a:prstGeom prst="rect">
+            <a:avLst/>
+          </a:prstGeom>
+          <a:noFill/>
+        </p:spPr>
+        <p:txBody>
+          <a:bodyPr wrap="none" rtlCol="0">
+            <a:spAutoFit/>
+          </a:bodyPr>
+          <a:lstStyle/>
+          <a:p>
+            <a:pPr algn="ctr"/>
+            <a:r>
+              <a:rPr lang="en-US" altLang="ko-KR" sz="4000" b="1"/>
+              <a:t>name</a:t>
+            </a:r>
+            <a:endParaRPr lang="ko-KR" altLang="en-US" sz="4000" b="1"/>
+          </a:p>
+        </p:txBody>
+      </p:sp>
+      <p:sp>
+        <p:nvSpPr>
+          <p:cNvPr id="34" name="TextBox 33">
+            <a:extLst>
+              <a:ext uri="{FF2B5EF4-FFF2-40B4-BE49-F238E27FC236}">
+                <a16:creationId xmlns:a16="http://schemas.microsoft.com/office/drawing/2014/main" id="{B28A5F34-503B-4948-A840-496A1ABE83FB}"/>
+              </a:ext>
+            </a:extLst>
+          </p:cNvPr>
+          <p:cNvSpPr txBox="1"/>
+          <p:nvPr/>
+        </p:nvSpPr>
+        <p:spPr>
+          <a:xfrm>
+            <a:off x="4804083" y="5798094"/>
+            <a:ext cx="1749198" cy="584775"/>
+          </a:xfrm>
+          <a:prstGeom prst="rect">
+            <a:avLst/>
+          </a:prstGeom>
+          <a:noFill/>
+        </p:spPr>
+        <p:txBody>
+          <a:bodyPr wrap="none" rtlCol="0">
+            <a:spAutoFit/>
+          </a:bodyPr>
+          <a:lstStyle/>
+          <a:p>
+            <a:pPr algn="ctr"/>
+            <a:r>
+              <a:rPr lang="en-US" altLang="ko-KR" sz="3200" b="1"/>
+              <a:t>subname</a:t>
+            </a:r>
+            <a:endParaRPr lang="ko-KR" altLang="en-US" sz="3200" b="1"/>
+          </a:p>
+        </p:txBody>
+      </p:sp>
+      <p:sp>
+        <p:nvSpPr>
+          <p:cNvPr id="35" name="직사각형 34">
+            <a:extLst>
+              <a:ext uri="{FF2B5EF4-FFF2-40B4-BE49-F238E27FC236}">
+                <a16:creationId xmlns:a16="http://schemas.microsoft.com/office/drawing/2014/main" id="{59C4828D-DC92-46D2-A233-C7EB77480699}"/>
+              </a:ext>
+            </a:extLst>
+          </p:cNvPr>
+          <p:cNvSpPr/>
+          <p:nvPr/>
+        </p:nvSpPr>
+        <p:spPr>
+          <a:xfrm>
+            <a:off x="3797676" y="6688206"/>
+            <a:ext cx="3762000" cy="277700"/>
+          </a:xfrm>
+          <a:prstGeom prst="rect">
+            <a:avLst/>
+          </a:prstGeom>
+          <a:solidFill>
+            <a:schemeClr val="accent6"/>
+          </a:solidFill>
+          <a:ln>
+            <a:noFill/>
+          </a:ln>
+        </p:spPr>
+        <p:style>
+          <a:lnRef idx="2">
+            <a:schemeClr val="accent1">
+              <a:shade val="50000"/>
+            </a:schemeClr>
+          </a:lnRef>
+          <a:fillRef idx="1">
+            <a:schemeClr val="accent1"/>
+          </a:fillRef>
+          <a:effectRef idx="0">
+            <a:schemeClr val="accent1"/>
+          </a:effectRef>
+          <a:fontRef idx="minor">
+            <a:schemeClr val="lt1"/>
+          </a:fontRef>
+        </p:style>
+        <p:txBody>
+          <a:bodyPr rtlCol="0" anchor="ctr"/>
+          <a:lstStyle/>
+          <a:p>
+            <a:pPr algn="ctr"/>
+            <a:endParaRPr lang="ko-KR" altLang="en-US"/>
+          </a:p>
+        </p:txBody>
+      </p:sp>
+      <p:sp>
+        <p:nvSpPr>
+          <p:cNvPr id="36" name="직사각형 35">
+            <a:extLst>
+              <a:ext uri="{FF2B5EF4-FFF2-40B4-BE49-F238E27FC236}">
+                <a16:creationId xmlns:a16="http://schemas.microsoft.com/office/drawing/2014/main" id="{23369236-F3FF-450F-A89A-991E6E7F7BC6}"/>
+              </a:ext>
+            </a:extLst>
+          </p:cNvPr>
+          <p:cNvSpPr/>
+          <p:nvPr/>
+        </p:nvSpPr>
+        <p:spPr>
+          <a:xfrm>
+            <a:off x="0" y="7451813"/>
+            <a:ext cx="3762000" cy="3240000"/>
+          </a:xfrm>
+          <a:prstGeom prst="rect">
+            <a:avLst/>
+          </a:prstGeom>
+          <a:solidFill>
+            <a:schemeClr val="bg1"/>
+          </a:solidFill>
+          <a:ln>
+            <a:noFill/>
+          </a:ln>
+        </p:spPr>
+        <p:style>
+          <a:lnRef idx="2">
+            <a:schemeClr val="accent1">
+              <a:shade val="50000"/>
+            </a:schemeClr>
+          </a:lnRef>
+          <a:fillRef idx="1">
+            <a:schemeClr val="accent1"/>
+          </a:fillRef>
+          <a:effectRef idx="0">
+            <a:schemeClr val="accent1"/>
+          </a:effectRef>
+          <a:fontRef idx="minor">
+            <a:schemeClr val="lt1"/>
+          </a:fontRef>
+        </p:style>
+        <p:txBody>
+          <a:bodyPr rtlCol="0" anchor="ctr"/>
+          <a:lstStyle/>
+          <a:p>
+            <a:pPr algn="ctr"/>
+            <a:endParaRPr lang="ko-KR" altLang="en-US"/>
+          </a:p>
+        </p:txBody>
+      </p:sp>
+      <p:pic>
+        <p:nvPicPr>
+          <p:cNvPr id="37" name="그림 36">
+            <a:extLst>
+              <a:ext uri="{FF2B5EF4-FFF2-40B4-BE49-F238E27FC236}">
+                <a16:creationId xmlns:a16="http://schemas.microsoft.com/office/drawing/2014/main" id="{7FC9D859-1233-423B-8FD3-567F0DC9AB76}"/>
+              </a:ext>
+            </a:extLst>
+          </p:cNvPr>
+          <p:cNvPicPr>
+            <a:picLocks noChangeAspect="1"/>
+          </p:cNvPicPr>
+          <p:nvPr/>
+        </p:nvPicPr>
+        <p:blipFill rotWithShape="1">
+          <a:blip r:embed="rId2">
+            <a:alphaModFix/>
+            <a:extLst>
+              <a:ext uri="{28A0092B-C50C-407E-A947-70E740481C1C}">
+                <a14:useLocalDpi xmlns:a14="http://schemas.microsoft.com/office/drawing/2010/main" val="0"/>
+              </a:ext>
+            </a:extLst>
+          </a:blip>
+          <a:srcRect l="8539" t="7835" r="8539" b="7922"/>
+          <a:stretch/>
+        </p:blipFill>
+        <p:spPr>
+          <a:xfrm>
+            <a:off x="99209" y="7542933"/>
+            <a:ext cx="328146" cy="333372"/>
+          </a:xfrm>
+          <a:prstGeom prst="rect">
+            <a:avLst/>
+          </a:prstGeom>
+        </p:spPr>
+      </p:pic>
+      <p:sp>
+        <p:nvSpPr>
+          <p:cNvPr id="38" name="TextBox 37">
+            <a:extLst>
+              <a:ext uri="{FF2B5EF4-FFF2-40B4-BE49-F238E27FC236}">
+                <a16:creationId xmlns:a16="http://schemas.microsoft.com/office/drawing/2014/main" id="{B2D3DDC9-5496-4B71-941C-6D5148F9E741}"/>
+              </a:ext>
+            </a:extLst>
+          </p:cNvPr>
+          <p:cNvSpPr txBox="1"/>
+          <p:nvPr/>
+        </p:nvSpPr>
+        <p:spPr>
+          <a:xfrm>
+            <a:off x="390080" y="7535313"/>
+            <a:ext cx="1144865" cy="200055"/>
+          </a:xfrm>
+          <a:prstGeom prst="rect">
+            <a:avLst/>
+          </a:prstGeom>
+          <a:noFill/>
+        </p:spPr>
+        <p:txBody>
+          <a:bodyPr wrap="none" rtlCol="0">
+            <a:spAutoFit/>
+          </a:bodyPr>
+          <a:lstStyle/>
+          <a:p>
+            <a:r>
+              <a:rPr lang="en-US" altLang="ko-KR" sz="700" b="1"/>
+              <a:t>UNIVERSITY of DEBRECEN</a:t>
+            </a:r>
+          </a:p>
+        </p:txBody>
+      </p:sp>
+      <p:sp>
+        <p:nvSpPr>
+          <p:cNvPr id="39" name="TextBox 38">
+            <a:extLst>
+              <a:ext uri="{FF2B5EF4-FFF2-40B4-BE49-F238E27FC236}">
+                <a16:creationId xmlns:a16="http://schemas.microsoft.com/office/drawing/2014/main" id="{EA114901-B92B-4E2E-94C1-8A8BB2A54FD9}"/>
+              </a:ext>
+            </a:extLst>
+          </p:cNvPr>
+          <p:cNvSpPr txBox="1"/>
+          <p:nvPr/>
+        </p:nvSpPr>
+        <p:spPr>
+          <a:xfrm>
+            <a:off x="379908" y="7631666"/>
+            <a:ext cx="1409360" cy="276999"/>
+          </a:xfrm>
+          <a:prstGeom prst="rect">
+            <a:avLst/>
+          </a:prstGeom>
+          <a:noFill/>
+        </p:spPr>
+        <p:txBody>
+          <a:bodyPr wrap="none" rtlCol="0">
+            <a:spAutoFit/>
+          </a:bodyPr>
+          <a:lstStyle/>
+          <a:p>
+            <a:r>
+              <a:rPr lang="en-US" altLang="ko-KR" sz="1200" b="1"/>
+              <a:t>GIS ENGLISH CAMP</a:t>
+            </a:r>
+            <a:endParaRPr lang="ko-KR" altLang="en-US" sz="1200" b="1"/>
+          </a:p>
+        </p:txBody>
+      </p:sp>
+      <p:sp>
+        <p:nvSpPr>
+          <p:cNvPr id="40" name="TextBox 39">
+            <a:extLst>
+              <a:ext uri="{FF2B5EF4-FFF2-40B4-BE49-F238E27FC236}">
+                <a16:creationId xmlns:a16="http://schemas.microsoft.com/office/drawing/2014/main" id="{12372015-A40C-41BA-8BDB-85E772C285ED}"/>
+              </a:ext>
+            </a:extLst>
+          </p:cNvPr>
+          <p:cNvSpPr txBox="1"/>
+          <p:nvPr/>
+        </p:nvSpPr>
+        <p:spPr>
+          <a:xfrm>
+            <a:off x="1408757" y="8337112"/>
+            <a:ext cx="944489" cy="369332"/>
+          </a:xfrm>
+          <a:prstGeom prst="rect">
+            <a:avLst/>
+          </a:prstGeom>
+          <a:noFill/>
+        </p:spPr>
+        <p:txBody>
+          <a:bodyPr wrap="none" rtlCol="0">
+            <a:spAutoFit/>
+          </a:bodyPr>
+          <a:lstStyle/>
+          <a:p>
+            <a:pPr algn="ctr"/>
+            <a:r>
+              <a:rPr lang="en-US" altLang="ko-KR"/>
+              <a:t>position</a:t>
+            </a:r>
+            <a:endParaRPr lang="ko-KR" altLang="en-US"/>
+          </a:p>
+        </p:txBody>
+      </p:sp>
+      <p:sp>
+        <p:nvSpPr>
+          <p:cNvPr id="41" name="TextBox 40">
+            <a:extLst>
+              <a:ext uri="{FF2B5EF4-FFF2-40B4-BE49-F238E27FC236}">
+                <a16:creationId xmlns:a16="http://schemas.microsoft.com/office/drawing/2014/main" id="{6A05250D-A8DC-47BB-B558-32F46FBED826}"/>
+              </a:ext>
+            </a:extLst>
+          </p:cNvPr>
+          <p:cNvSpPr txBox="1"/>
+          <p:nvPr/>
+        </p:nvSpPr>
+        <p:spPr>
+          <a:xfrm>
+            <a:off x="1186742" y="8811577"/>
+            <a:ext cx="1388521" cy="707886"/>
+          </a:xfrm>
+          <a:prstGeom prst="rect">
+            <a:avLst/>
+          </a:prstGeom>
+          <a:noFill/>
+        </p:spPr>
+        <p:txBody>
+          <a:bodyPr wrap="none" rtlCol="0">
+            <a:spAutoFit/>
+          </a:bodyPr>
+          <a:lstStyle/>
+          <a:p>
+            <a:pPr algn="ctr"/>
+            <a:r>
+              <a:rPr lang="en-US" altLang="ko-KR" sz="4000" b="1"/>
+              <a:t>name</a:t>
+            </a:r>
+            <a:endParaRPr lang="ko-KR" altLang="en-US" sz="4000" b="1"/>
+          </a:p>
+        </p:txBody>
+      </p:sp>
+      <p:sp>
+        <p:nvSpPr>
+          <p:cNvPr id="42" name="TextBox 41">
+            <a:extLst>
+              <a:ext uri="{FF2B5EF4-FFF2-40B4-BE49-F238E27FC236}">
+                <a16:creationId xmlns:a16="http://schemas.microsoft.com/office/drawing/2014/main" id="{CFDE1D7A-50FA-4F64-A029-853AB97EEA3F}"/>
+              </a:ext>
+            </a:extLst>
+          </p:cNvPr>
+          <p:cNvSpPr txBox="1"/>
+          <p:nvPr/>
+        </p:nvSpPr>
+        <p:spPr>
+          <a:xfrm>
+            <a:off x="1006407" y="9524001"/>
+            <a:ext cx="1749198" cy="584775"/>
+          </a:xfrm>
+          <a:prstGeom prst="rect">
+            <a:avLst/>
+          </a:prstGeom>
+          <a:noFill/>
+        </p:spPr>
+        <p:txBody>
+          <a:bodyPr wrap="none" rtlCol="0">
+            <a:spAutoFit/>
+          </a:bodyPr>
+          <a:lstStyle/>
+          <a:p>
+            <a:pPr algn="ctr"/>
+            <a:r>
+              <a:rPr lang="en-US" altLang="ko-KR" sz="3200" b="1"/>
+              <a:t>subname</a:t>
+            </a:r>
+            <a:endParaRPr lang="ko-KR" altLang="en-US" sz="3200" b="1"/>
+          </a:p>
+        </p:txBody>
+      </p:sp>
+      <p:sp>
+        <p:nvSpPr>
+          <p:cNvPr id="43" name="직사각형 42">
+            <a:extLst>
+              <a:ext uri="{FF2B5EF4-FFF2-40B4-BE49-F238E27FC236}">
+                <a16:creationId xmlns:a16="http://schemas.microsoft.com/office/drawing/2014/main" id="{D00626F3-7D35-4265-900E-7559BFA5C031}"/>
+              </a:ext>
+            </a:extLst>
+          </p:cNvPr>
+          <p:cNvSpPr/>
+          <p:nvPr/>
+        </p:nvSpPr>
+        <p:spPr>
+          <a:xfrm>
+            <a:off x="0" y="10414113"/>
+            <a:ext cx="3762000" cy="277700"/>
+          </a:xfrm>
+          <a:prstGeom prst="rect">
+            <a:avLst/>
+          </a:prstGeom>
+          <a:solidFill>
+            <a:schemeClr val="accent6"/>
+          </a:solidFill>
+          <a:ln>
+            <a:noFill/>
+          </a:ln>
+        </p:spPr>
+        <p:style>
+          <a:lnRef idx="2">
+            <a:schemeClr val="accent1">
+              <a:shade val="50000"/>
+            </a:schemeClr>
+          </a:lnRef>
+          <a:fillRef idx="1">
+            <a:schemeClr val="accent1"/>
+          </a:fillRef>
+          <a:effectRef idx="0">
+            <a:schemeClr val="accent1"/>
+          </a:effectRef>
+          <a:fontRef idx="minor">
+            <a:schemeClr val="lt1"/>
+          </a:fontRef>
+        </p:style>
+        <p:txBody>
+          <a:bodyPr rtlCol="0" anchor="ctr"/>
+          <a:lstStyle/>
+          <a:p>
+            <a:pPr algn="ctr"/>
+            <a:endParaRPr lang="ko-KR" altLang="en-US"/>
+          </a:p>
+        </p:txBody>
+      </p:sp>
+      <p:sp>
+        <p:nvSpPr>
+          <p:cNvPr id="44" name="직사각형 43">
+            <a:extLst>
+              <a:ext uri="{FF2B5EF4-FFF2-40B4-BE49-F238E27FC236}">
+                <a16:creationId xmlns:a16="http://schemas.microsoft.com/office/drawing/2014/main" id="{12C06060-90F3-421A-BA11-68674A2A2958}"/>
+              </a:ext>
+            </a:extLst>
+          </p:cNvPr>
+          <p:cNvSpPr/>
+          <p:nvPr/>
+        </p:nvSpPr>
+        <p:spPr>
+          <a:xfrm>
+            <a:off x="3797676" y="7451813"/>
+            <a:ext cx="3762000" cy="3240000"/>
+          </a:xfrm>
+          <a:prstGeom prst="rect">
+            <a:avLst/>
+          </a:prstGeom>
+          <a:solidFill>
+            <a:schemeClr val="bg1"/>
+          </a:solidFill>
+          <a:ln>
+            <a:noFill/>
+          </a:ln>
+        </p:spPr>
+        <p:style>
+          <a:lnRef idx="2">
+            <a:schemeClr val="accent1">
+              <a:shade val="50000"/>
+            </a:schemeClr>
+          </a:lnRef>
+          <a:fillRef idx="1">
+            <a:schemeClr val="accent1"/>
+          </a:fillRef>
+          <a:effectRef idx="0">
+            <a:schemeClr val="accent1"/>
+          </a:effectRef>
+          <a:fontRef idx="minor">
+            <a:schemeClr val="lt1"/>
+          </a:fontRef>
+        </p:style>
+        <p:txBody>
+          <a:bodyPr rtlCol="0" anchor="ctr"/>
+          <a:lstStyle/>
+          <a:p>
+            <a:pPr algn="ctr"/>
+            <a:endParaRPr lang="ko-KR" altLang="en-US"/>
+          </a:p>
+        </p:txBody>
+      </p:sp>
+      <p:pic>
+        <p:nvPicPr>
+          <p:cNvPr id="45" name="그림 44">
+            <a:extLst>
+              <a:ext uri="{FF2B5EF4-FFF2-40B4-BE49-F238E27FC236}">
+                <a16:creationId xmlns:a16="http://schemas.microsoft.com/office/drawing/2014/main" id="{A4EA44E3-309F-4EA8-9959-E05C5120E37B}"/>
+              </a:ext>
+            </a:extLst>
+          </p:cNvPr>
+          <p:cNvPicPr>
+            <a:picLocks noChangeAspect="1"/>
+          </p:cNvPicPr>
+          <p:nvPr/>
+        </p:nvPicPr>
+        <p:blipFill rotWithShape="1">
+          <a:blip r:embed="rId2">
+            <a:alphaModFix/>
+            <a:extLst>
+              <a:ext uri="{28A0092B-C50C-407E-A947-70E740481C1C}">
+                <a14:useLocalDpi xmlns:a14="http://schemas.microsoft.com/office/drawing/2010/main" val="0"/>
+              </a:ext>
+            </a:extLst>
+          </a:blip>
+          <a:srcRect l="8539" t="7835" r="8539" b="7922"/>
+          <a:stretch/>
+        </p:blipFill>
+        <p:spPr>
+          <a:xfrm>
+            <a:off x="3896885" y="7542933"/>
+            <a:ext cx="328146" cy="333372"/>
+          </a:xfrm>
+          <a:prstGeom prst="rect">
+            <a:avLst/>
+          </a:prstGeom>
+        </p:spPr>
+      </p:pic>
+      <p:sp>
+        <p:nvSpPr>
+          <p:cNvPr id="46" name="TextBox 45">
+            <a:extLst>
+              <a:ext uri="{FF2B5EF4-FFF2-40B4-BE49-F238E27FC236}">
+                <a16:creationId xmlns:a16="http://schemas.microsoft.com/office/drawing/2014/main" id="{C2D0D45F-5586-40D3-94B2-30D472849E9C}"/>
+              </a:ext>
+            </a:extLst>
+          </p:cNvPr>
+          <p:cNvSpPr txBox="1"/>
+          <p:nvPr/>
+        </p:nvSpPr>
+        <p:spPr>
+          <a:xfrm>
+            <a:off x="4187756" y="7535313"/>
+            <a:ext cx="1144865" cy="200055"/>
+          </a:xfrm>
+          <a:prstGeom prst="rect">
+            <a:avLst/>
+          </a:prstGeom>
+          <a:noFill/>
+        </p:spPr>
+        <p:txBody>
+          <a:bodyPr wrap="none" rtlCol="0">
+            <a:spAutoFit/>
+          </a:bodyPr>
+          <a:lstStyle/>
+          <a:p>
+            <a:r>
+              <a:rPr lang="en-US" altLang="ko-KR" sz="700" b="1"/>
+              <a:t>UNIVERSITY of DEBRECEN</a:t>
+            </a:r>
+          </a:p>
+        </p:txBody>
+      </p:sp>
+      <p:sp>
+        <p:nvSpPr>
+          <p:cNvPr id="47" name="TextBox 46">
+            <a:extLst>
+              <a:ext uri="{FF2B5EF4-FFF2-40B4-BE49-F238E27FC236}">
+                <a16:creationId xmlns:a16="http://schemas.microsoft.com/office/drawing/2014/main" id="{531A2A4C-085A-4925-AB10-D001B3A5EE2B}"/>
+              </a:ext>
+            </a:extLst>
+          </p:cNvPr>
+          <p:cNvSpPr txBox="1"/>
+          <p:nvPr/>
+        </p:nvSpPr>
+        <p:spPr>
+          <a:xfrm>
+            <a:off x="4177584" y="7631666"/>
+            <a:ext cx="1409360" cy="276999"/>
+          </a:xfrm>
+          <a:prstGeom prst="rect">
+            <a:avLst/>
+          </a:prstGeom>
+          <a:noFill/>
+        </p:spPr>
+        <p:txBody>
+          <a:bodyPr wrap="none" rtlCol="0">
+            <a:spAutoFit/>
+          </a:bodyPr>
+          <a:lstStyle/>
+          <a:p>
+            <a:r>
+              <a:rPr lang="en-US" altLang="ko-KR" sz="1200" b="1"/>
+              <a:t>GIS ENGLISH CAMP</a:t>
+            </a:r>
+            <a:endParaRPr lang="ko-KR" altLang="en-US" sz="1200" b="1"/>
+          </a:p>
+        </p:txBody>
+      </p:sp>
+      <p:sp>
+        <p:nvSpPr>
+          <p:cNvPr id="48" name="TextBox 47">
+            <a:extLst>
+              <a:ext uri="{FF2B5EF4-FFF2-40B4-BE49-F238E27FC236}">
+                <a16:creationId xmlns:a16="http://schemas.microsoft.com/office/drawing/2014/main" id="{F7B1EAC7-6B69-4312-9C9F-47AC7904775E}"/>
+              </a:ext>
+            </a:extLst>
+          </p:cNvPr>
+          <p:cNvSpPr txBox="1"/>
+          <p:nvPr/>
+        </p:nvSpPr>
+        <p:spPr>
+          <a:xfrm>
+            <a:off x="5206433" y="8337112"/>
+            <a:ext cx="944489" cy="369332"/>
+          </a:xfrm>
+          <a:prstGeom prst="rect">
+            <a:avLst/>
+          </a:prstGeom>
+          <a:noFill/>
+        </p:spPr>
+        <p:txBody>
+          <a:bodyPr wrap="none" rtlCol="0">
+            <a:spAutoFit/>
+          </a:bodyPr>
+          <a:lstStyle/>
+          <a:p>
+            <a:pPr algn="ctr"/>
+            <a:r>
+              <a:rPr lang="en-US" altLang="ko-KR"/>
+              <a:t>position</a:t>
+            </a:r>
+            <a:endParaRPr lang="ko-KR" altLang="en-US"/>
+          </a:p>
+        </p:txBody>
+      </p:sp>
+      <p:sp>
+        <p:nvSpPr>
+          <p:cNvPr id="49" name="TextBox 48">
+            <a:extLst>
+              <a:ext uri="{FF2B5EF4-FFF2-40B4-BE49-F238E27FC236}">
+                <a16:creationId xmlns:a16="http://schemas.microsoft.com/office/drawing/2014/main" id="{E3300463-F153-49A2-9711-49CFDC34A190}"/>
+              </a:ext>
+            </a:extLst>
+          </p:cNvPr>
+          <p:cNvSpPr txBox="1"/>
+          <p:nvPr/>
+        </p:nvSpPr>
+        <p:spPr>
+          <a:xfrm>
+            <a:off x="4984418" y="8811577"/>
+            <a:ext cx="1388522" cy="707886"/>
+          </a:xfrm>
+          <a:prstGeom prst="rect">
+            <a:avLst/>
+          </a:prstGeom>
+          <a:noFill/>
+        </p:spPr>
+        <p:txBody>
+          <a:bodyPr wrap="none" rtlCol="0">
+            <a:spAutoFit/>
+          </a:bodyPr>
+          <a:lstStyle/>
+          <a:p>
+            <a:pPr algn="ctr"/>
+            <a:r>
+              <a:rPr lang="en-US" altLang="ko-KR" sz="4000" b="1"/>
+              <a:t>name</a:t>
+            </a:r>
+            <a:endParaRPr lang="ko-KR" altLang="en-US" sz="4000" b="1"/>
+          </a:p>
+        </p:txBody>
+      </p:sp>
+      <p:sp>
+        <p:nvSpPr>
+          <p:cNvPr id="50" name="TextBox 49">
+            <a:extLst>
+              <a:ext uri="{FF2B5EF4-FFF2-40B4-BE49-F238E27FC236}">
+                <a16:creationId xmlns:a16="http://schemas.microsoft.com/office/drawing/2014/main" id="{DD503BC2-B584-47AF-9B49-5B573DEE711C}"/>
+              </a:ext>
+            </a:extLst>
+          </p:cNvPr>
+          <p:cNvSpPr txBox="1"/>
+          <p:nvPr/>
+        </p:nvSpPr>
+        <p:spPr>
+          <a:xfrm>
+            <a:off x="4804083" y="9524001"/>
+            <a:ext cx="1749198" cy="584775"/>
+          </a:xfrm>
+          <a:prstGeom prst="rect">
+            <a:avLst/>
+          </a:prstGeom>
+          <a:noFill/>
+        </p:spPr>
+        <p:txBody>
+          <a:bodyPr wrap="none" rtlCol="0">
+            <a:spAutoFit/>
+          </a:bodyPr>
+          <a:lstStyle/>
+          <a:p>
+            <a:pPr algn="ctr"/>
+            <a:r>
+              <a:rPr lang="en-US" altLang="ko-KR" sz="3200" b="1"/>
+              <a:t>subname</a:t>
+            </a:r>
+            <a:endParaRPr lang="ko-KR" altLang="en-US" sz="3200" b="1"/>
+          </a:p>
+        </p:txBody>
+      </p:sp>
+      <p:sp>
+        <p:nvSpPr>
+          <p:cNvPr id="51" name="직사각형 50">
+            <a:extLst>
+              <a:ext uri="{FF2B5EF4-FFF2-40B4-BE49-F238E27FC236}">
+                <a16:creationId xmlns:a16="http://schemas.microsoft.com/office/drawing/2014/main" id="{8E124AAB-D438-4760-ACBB-BFFCEC5E6F90}"/>
+              </a:ext>
+            </a:extLst>
+          </p:cNvPr>
+          <p:cNvSpPr/>
+          <p:nvPr/>
+        </p:nvSpPr>
+        <p:spPr>
+          <a:xfrm>
+            <a:off x="3797676" y="10414113"/>
+            <a:ext cx="3762000" cy="277700"/>
+          </a:xfrm>
+          <a:prstGeom prst="rect">
+            <a:avLst/>
+          </a:prstGeom>
+          <a:solidFill>
+            <a:schemeClr val="accent6"/>
+          </a:solidFill>
+          <a:ln>
+            <a:noFill/>
+          </a:ln>
+        </p:spPr>
+        <p:style>
+          <a:lnRef idx="2">
+            <a:schemeClr val="accent1">
+              <a:shade val="50000"/>
+            </a:schemeClr>
+          </a:lnRef>
+          <a:fillRef idx="1">
+            <a:schemeClr val="accent1"/>
+          </a:fillRef>
+          <a:effectRef idx="0">
+            <a:schemeClr val="accent1"/>
+          </a:effectRef>
+          <a:fontRef idx="minor">
+            <a:schemeClr val="lt1"/>
+          </a:fontRef>
+        </p:style>
+        <p:txBody>
+          <a:bodyPr rtlCol="0" anchor="ctr"/>
+          <a:lstStyle/>
+          <a:p>
+            <a:pPr algn="ctr"/>
+            <a:endParaRPr lang="ko-KR" altLang="en-US"/>
+          </a:p>
+        </p:txBody>
+      </p:sp>
+    </p:spTree>
+    <p:extLst>
+      <p:ext uri="{BB962C8B-B14F-4D97-AF65-F5344CB8AC3E}">
+        <p14:creationId xmlns:p14="http://schemas.microsoft.com/office/powerpoint/2010/main" val="2832867808"/>
+      </p:ext>
+    </p:extLst>
+  </p:cSld>
+  <p:clrMapOvr>
+    <a:masterClrMapping/>
+  </p:clrMapOvr>
+</p:sld>
+</file>
+
+<file path=ppt/slides/slide7.xml><?xml version="1.0" encoding="utf-8"?>
+<p:sld xmlns:a="http://schemas.openxmlformats.org/drawingml/2006/main" xmlns:r="http://schemas.openxmlformats.org/officeDocument/2006/relationships" xmlns:p="http://schemas.openxmlformats.org/presentationml/2006/main">
+  <p:cSld>
+    <p:spTree>
+      <p:nvGrpSpPr>
+        <p:cNvPr id="1" name=""/>
+        <p:cNvGrpSpPr/>
+        <p:nvPr/>
+      </p:nvGrpSpPr>
+      <p:grpSpPr>
+        <a:xfrm>
+          <a:off x="0" y="0"/>
+          <a:ext cx="0" cy="0"/>
+          <a:chOff x="0" y="0"/>
+          <a:chExt cx="0" cy="0"/>
+        </a:xfrm>
+      </p:grpSpPr>
+      <p:sp>
+        <p:nvSpPr>
+          <p:cNvPr id="4" name="직사각형 3">
+            <a:extLst>
+              <a:ext uri="{FF2B5EF4-FFF2-40B4-BE49-F238E27FC236}">
+                <a16:creationId xmlns:a16="http://schemas.microsoft.com/office/drawing/2014/main" id="{963576F8-CF1A-4490-960E-CC3F5F120FFB}"/>
+              </a:ext>
+            </a:extLst>
+          </p:cNvPr>
+          <p:cNvSpPr/>
+          <p:nvPr/>
+        </p:nvSpPr>
+        <p:spPr>
+          <a:xfrm>
+            <a:off x="0" y="0"/>
+            <a:ext cx="3762000" cy="3240000"/>
+          </a:xfrm>
+          <a:prstGeom prst="rect">
+            <a:avLst/>
+          </a:prstGeom>
+          <a:solidFill>
+            <a:schemeClr val="bg1"/>
+          </a:solidFill>
+          <a:ln>
+            <a:noFill/>
+          </a:ln>
+        </p:spPr>
+        <p:style>
+          <a:lnRef idx="2">
+            <a:schemeClr val="accent1">
+              <a:shade val="50000"/>
+            </a:schemeClr>
+          </a:lnRef>
+          <a:fillRef idx="1">
+            <a:schemeClr val="accent1"/>
+          </a:fillRef>
+          <a:effectRef idx="0">
+            <a:schemeClr val="accent1"/>
+          </a:effectRef>
+          <a:fontRef idx="minor">
+            <a:schemeClr val="lt1"/>
+          </a:fontRef>
+        </p:style>
+        <p:txBody>
+          <a:bodyPr rtlCol="0" anchor="ctr"/>
+          <a:lstStyle/>
+          <a:p>
+            <a:pPr algn="ctr"/>
+            <a:endParaRPr lang="ko-KR" altLang="en-US"/>
+          </a:p>
+        </p:txBody>
+      </p:sp>
+      <p:pic>
+        <p:nvPicPr>
+          <p:cNvPr id="5" name="그림 4">
+            <a:extLst>
+              <a:ext uri="{FF2B5EF4-FFF2-40B4-BE49-F238E27FC236}">
+                <a16:creationId xmlns:a16="http://schemas.microsoft.com/office/drawing/2014/main" id="{67D5FCC2-DCD5-457E-9736-A1DFA9732E40}"/>
+              </a:ext>
+            </a:extLst>
+          </p:cNvPr>
+          <p:cNvPicPr>
+            <a:picLocks noChangeAspect="1"/>
+          </p:cNvPicPr>
+          <p:nvPr/>
+        </p:nvPicPr>
+        <p:blipFill rotWithShape="1">
+          <a:blip r:embed="rId2">
+            <a:alphaModFix/>
+            <a:extLst>
+              <a:ext uri="{28A0092B-C50C-407E-A947-70E740481C1C}">
+                <a14:useLocalDpi xmlns:a14="http://schemas.microsoft.com/office/drawing/2010/main" val="0"/>
+              </a:ext>
+            </a:extLst>
+          </a:blip>
+          <a:srcRect l="8539" t="7835" r="8539" b="7922"/>
+          <a:stretch/>
+        </p:blipFill>
+        <p:spPr>
+          <a:xfrm>
+            <a:off x="99209" y="91120"/>
+            <a:ext cx="328146" cy="333372"/>
+          </a:xfrm>
+          <a:prstGeom prst="rect">
+            <a:avLst/>
+          </a:prstGeom>
+        </p:spPr>
+      </p:pic>
+      <p:sp>
+        <p:nvSpPr>
+          <p:cNvPr id="6" name="TextBox 5">
+            <a:extLst>
+              <a:ext uri="{FF2B5EF4-FFF2-40B4-BE49-F238E27FC236}">
+                <a16:creationId xmlns:a16="http://schemas.microsoft.com/office/drawing/2014/main" id="{33169086-7325-4A2D-85E4-670807A90D9E}"/>
+              </a:ext>
+            </a:extLst>
+          </p:cNvPr>
+          <p:cNvSpPr txBox="1"/>
+          <p:nvPr/>
+        </p:nvSpPr>
+        <p:spPr>
+          <a:xfrm>
+            <a:off x="390080" y="83500"/>
+            <a:ext cx="1144865" cy="200055"/>
+          </a:xfrm>
+          <a:prstGeom prst="rect">
+            <a:avLst/>
+          </a:prstGeom>
+          <a:noFill/>
+        </p:spPr>
+        <p:txBody>
+          <a:bodyPr wrap="none" rtlCol="0">
+            <a:spAutoFit/>
+          </a:bodyPr>
+          <a:lstStyle/>
+          <a:p>
+            <a:r>
+              <a:rPr lang="en-US" altLang="ko-KR" sz="700" b="1"/>
+              <a:t>UNIVERSITY of DEBRECEN</a:t>
+            </a:r>
+          </a:p>
+        </p:txBody>
+      </p:sp>
+      <p:sp>
+        <p:nvSpPr>
+          <p:cNvPr id="7" name="TextBox 6">
+            <a:extLst>
+              <a:ext uri="{FF2B5EF4-FFF2-40B4-BE49-F238E27FC236}">
+                <a16:creationId xmlns:a16="http://schemas.microsoft.com/office/drawing/2014/main" id="{69AAE6D2-A3CA-4D02-8C73-E7EA45341155}"/>
+              </a:ext>
+            </a:extLst>
+          </p:cNvPr>
+          <p:cNvSpPr txBox="1"/>
+          <p:nvPr/>
+        </p:nvSpPr>
+        <p:spPr>
+          <a:xfrm>
+            <a:off x="379908" y="179853"/>
+            <a:ext cx="1409360" cy="276999"/>
+          </a:xfrm>
+          <a:prstGeom prst="rect">
+            <a:avLst/>
+          </a:prstGeom>
+          <a:noFill/>
+        </p:spPr>
+        <p:txBody>
+          <a:bodyPr wrap="none" rtlCol="0">
+            <a:spAutoFit/>
+          </a:bodyPr>
+          <a:lstStyle/>
+          <a:p>
+            <a:r>
+              <a:rPr lang="en-US" altLang="ko-KR" sz="1200" b="1"/>
+              <a:t>GIS ENGLISH CAMP</a:t>
+            </a:r>
+            <a:endParaRPr lang="ko-KR" altLang="en-US" sz="1200" b="1"/>
+          </a:p>
+        </p:txBody>
+      </p:sp>
+      <p:sp>
+        <p:nvSpPr>
+          <p:cNvPr id="8" name="TextBox 7">
+            <a:extLst>
+              <a:ext uri="{FF2B5EF4-FFF2-40B4-BE49-F238E27FC236}">
+                <a16:creationId xmlns:a16="http://schemas.microsoft.com/office/drawing/2014/main" id="{8D80FE8C-388B-476F-B822-95B0D3B7A75D}"/>
+              </a:ext>
+            </a:extLst>
+          </p:cNvPr>
+          <p:cNvSpPr txBox="1"/>
+          <p:nvPr/>
+        </p:nvSpPr>
+        <p:spPr>
+          <a:xfrm>
+            <a:off x="1408758" y="885299"/>
+            <a:ext cx="944490" cy="369332"/>
+          </a:xfrm>
+          <a:prstGeom prst="rect">
+            <a:avLst/>
+          </a:prstGeom>
+          <a:noFill/>
+        </p:spPr>
+        <p:txBody>
+          <a:bodyPr wrap="none" rtlCol="0">
+            <a:spAutoFit/>
+          </a:bodyPr>
+          <a:lstStyle/>
+          <a:p>
+            <a:pPr algn="ctr"/>
+            <a:r>
+              <a:rPr lang="en-US" altLang="ko-KR"/>
+              <a:t>position</a:t>
+            </a:r>
+            <a:endParaRPr lang="ko-KR" altLang="en-US"/>
+          </a:p>
+        </p:txBody>
+      </p:sp>
+      <p:sp>
+        <p:nvSpPr>
+          <p:cNvPr id="9" name="TextBox 8">
+            <a:extLst>
+              <a:ext uri="{FF2B5EF4-FFF2-40B4-BE49-F238E27FC236}">
+                <a16:creationId xmlns:a16="http://schemas.microsoft.com/office/drawing/2014/main" id="{7E16E048-54E4-4757-A04F-50727F287E8D}"/>
+              </a:ext>
+            </a:extLst>
+          </p:cNvPr>
+          <p:cNvSpPr txBox="1"/>
+          <p:nvPr/>
+        </p:nvSpPr>
+        <p:spPr>
+          <a:xfrm>
+            <a:off x="1186742" y="1359764"/>
+            <a:ext cx="1388521" cy="707886"/>
+          </a:xfrm>
+          <a:prstGeom prst="rect">
+            <a:avLst/>
+          </a:prstGeom>
+          <a:noFill/>
+        </p:spPr>
+        <p:txBody>
+          <a:bodyPr wrap="none" rtlCol="0">
+            <a:spAutoFit/>
+          </a:bodyPr>
+          <a:lstStyle/>
+          <a:p>
+            <a:pPr algn="ctr"/>
+            <a:r>
+              <a:rPr lang="en-US" altLang="ko-KR" sz="4000" b="1"/>
+              <a:t>name</a:t>
+            </a:r>
+            <a:endParaRPr lang="ko-KR" altLang="en-US" sz="4000" b="1"/>
+          </a:p>
+        </p:txBody>
+      </p:sp>
+      <p:sp>
+        <p:nvSpPr>
+          <p:cNvPr id="10" name="TextBox 9">
+            <a:extLst>
+              <a:ext uri="{FF2B5EF4-FFF2-40B4-BE49-F238E27FC236}">
+                <a16:creationId xmlns:a16="http://schemas.microsoft.com/office/drawing/2014/main" id="{66BB71DE-BEF2-40CF-8B37-F130773816A0}"/>
+              </a:ext>
+            </a:extLst>
+          </p:cNvPr>
+          <p:cNvSpPr txBox="1"/>
+          <p:nvPr/>
+        </p:nvSpPr>
+        <p:spPr>
+          <a:xfrm>
+            <a:off x="991180" y="2072188"/>
+            <a:ext cx="1779654" cy="584775"/>
+          </a:xfrm>
+          <a:prstGeom prst="rect">
+            <a:avLst/>
+          </a:prstGeom>
+          <a:noFill/>
+        </p:spPr>
+        <p:txBody>
+          <a:bodyPr wrap="none" rtlCol="0">
+            <a:spAutoFit/>
+          </a:bodyPr>
+          <a:lstStyle/>
+          <a:p>
+            <a:pPr algn="ctr"/>
+            <a:r>
+              <a:rPr lang="en-US" altLang="ko-KR" sz="3200" b="1"/>
+              <a:t>subname</a:t>
+            </a:r>
+            <a:endParaRPr lang="ko-KR" altLang="en-US" sz="3200" b="1"/>
+          </a:p>
+        </p:txBody>
+      </p:sp>
+      <p:sp>
+        <p:nvSpPr>
+          <p:cNvPr id="11" name="직사각형 10">
+            <a:extLst>
+              <a:ext uri="{FF2B5EF4-FFF2-40B4-BE49-F238E27FC236}">
+                <a16:creationId xmlns:a16="http://schemas.microsoft.com/office/drawing/2014/main" id="{F0D2024F-A536-473D-8921-00A9790B9F95}"/>
+              </a:ext>
+            </a:extLst>
+          </p:cNvPr>
+          <p:cNvSpPr/>
+          <p:nvPr/>
+        </p:nvSpPr>
+        <p:spPr>
+          <a:xfrm>
+            <a:off x="0" y="2962300"/>
+            <a:ext cx="3762000" cy="277700"/>
+          </a:xfrm>
+          <a:prstGeom prst="rect">
+            <a:avLst/>
+          </a:prstGeom>
+          <a:solidFill>
+            <a:schemeClr val="accent6"/>
+          </a:solidFill>
+          <a:ln>
+            <a:noFill/>
+          </a:ln>
+        </p:spPr>
+        <p:style>
+          <a:lnRef idx="2">
+            <a:schemeClr val="accent1">
+              <a:shade val="50000"/>
+            </a:schemeClr>
+          </a:lnRef>
+          <a:fillRef idx="1">
+            <a:schemeClr val="accent1"/>
+          </a:fillRef>
+          <a:effectRef idx="0">
+            <a:schemeClr val="accent1"/>
+          </a:effectRef>
+          <a:fontRef idx="minor">
+            <a:schemeClr val="lt1"/>
+          </a:fontRef>
+        </p:style>
+        <p:txBody>
+          <a:bodyPr rtlCol="0" anchor="ctr"/>
+          <a:lstStyle/>
+          <a:p>
+            <a:pPr algn="ctr"/>
+            <a:endParaRPr lang="ko-KR" altLang="en-US"/>
+          </a:p>
+        </p:txBody>
+      </p:sp>
+      <p:sp>
+        <p:nvSpPr>
+          <p:cNvPr id="12" name="직사각형 11">
+            <a:extLst>
+              <a:ext uri="{FF2B5EF4-FFF2-40B4-BE49-F238E27FC236}">
+                <a16:creationId xmlns:a16="http://schemas.microsoft.com/office/drawing/2014/main" id="{12FF3C62-B937-457E-9957-A8025753F04E}"/>
+              </a:ext>
+            </a:extLst>
+          </p:cNvPr>
+          <p:cNvSpPr/>
+          <p:nvPr/>
+        </p:nvSpPr>
+        <p:spPr>
+          <a:xfrm>
+            <a:off x="3797676" y="0"/>
+            <a:ext cx="3762000" cy="3240000"/>
+          </a:xfrm>
+          <a:prstGeom prst="rect">
+            <a:avLst/>
+          </a:prstGeom>
+          <a:solidFill>
+            <a:schemeClr val="bg1"/>
+          </a:solidFill>
+          <a:ln>
+            <a:noFill/>
+          </a:ln>
+        </p:spPr>
+        <p:style>
+          <a:lnRef idx="2">
+            <a:schemeClr val="accent1">
+              <a:shade val="50000"/>
+            </a:schemeClr>
+          </a:lnRef>
+          <a:fillRef idx="1">
+            <a:schemeClr val="accent1"/>
+          </a:fillRef>
+          <a:effectRef idx="0">
+            <a:schemeClr val="accent1"/>
+          </a:effectRef>
+          <a:fontRef idx="minor">
+            <a:schemeClr val="lt1"/>
+          </a:fontRef>
+        </p:style>
+        <p:txBody>
+          <a:bodyPr rtlCol="0" anchor="ctr"/>
+          <a:lstStyle/>
+          <a:p>
+            <a:pPr algn="ctr"/>
+            <a:endParaRPr lang="ko-KR" altLang="en-US"/>
+          </a:p>
+        </p:txBody>
+      </p:sp>
+      <p:pic>
+        <p:nvPicPr>
+          <p:cNvPr id="13" name="그림 12">
+            <a:extLst>
+              <a:ext uri="{FF2B5EF4-FFF2-40B4-BE49-F238E27FC236}">
+                <a16:creationId xmlns:a16="http://schemas.microsoft.com/office/drawing/2014/main" id="{3A289C0F-CB20-4FE8-BA1F-1554A1BDAAD9}"/>
+              </a:ext>
+            </a:extLst>
+          </p:cNvPr>
+          <p:cNvPicPr>
+            <a:picLocks noChangeAspect="1"/>
+          </p:cNvPicPr>
+          <p:nvPr/>
+        </p:nvPicPr>
+        <p:blipFill rotWithShape="1">
+          <a:blip r:embed="rId2">
+            <a:alphaModFix/>
+            <a:extLst>
+              <a:ext uri="{28A0092B-C50C-407E-A947-70E740481C1C}">
+                <a14:useLocalDpi xmlns:a14="http://schemas.microsoft.com/office/drawing/2010/main" val="0"/>
+              </a:ext>
+            </a:extLst>
+          </a:blip>
+          <a:srcRect l="8539" t="7835" r="8539" b="7922"/>
+          <a:stretch/>
+        </p:blipFill>
+        <p:spPr>
+          <a:xfrm>
+            <a:off x="3896885" y="91120"/>
+            <a:ext cx="328146" cy="333372"/>
+          </a:xfrm>
+          <a:prstGeom prst="rect">
+            <a:avLst/>
+          </a:prstGeom>
+        </p:spPr>
+      </p:pic>
+      <p:sp>
+        <p:nvSpPr>
+          <p:cNvPr id="14" name="TextBox 13">
+            <a:extLst>
+              <a:ext uri="{FF2B5EF4-FFF2-40B4-BE49-F238E27FC236}">
+                <a16:creationId xmlns:a16="http://schemas.microsoft.com/office/drawing/2014/main" id="{3A9F5B41-1947-4AA7-99E4-110B4FCD3129}"/>
+              </a:ext>
+            </a:extLst>
+          </p:cNvPr>
+          <p:cNvSpPr txBox="1"/>
+          <p:nvPr/>
+        </p:nvSpPr>
+        <p:spPr>
+          <a:xfrm>
+            <a:off x="4187756" y="83500"/>
+            <a:ext cx="1144865" cy="200055"/>
+          </a:xfrm>
+          <a:prstGeom prst="rect">
+            <a:avLst/>
+          </a:prstGeom>
+          <a:noFill/>
+        </p:spPr>
+        <p:txBody>
+          <a:bodyPr wrap="none" rtlCol="0">
+            <a:spAutoFit/>
+          </a:bodyPr>
+          <a:lstStyle/>
+          <a:p>
+            <a:r>
+              <a:rPr lang="en-US" altLang="ko-KR" sz="700" b="1"/>
+              <a:t>UNIVERSITY of DEBRECEN</a:t>
+            </a:r>
+          </a:p>
+        </p:txBody>
+      </p:sp>
+      <p:sp>
+        <p:nvSpPr>
+          <p:cNvPr id="15" name="TextBox 14">
+            <a:extLst>
+              <a:ext uri="{FF2B5EF4-FFF2-40B4-BE49-F238E27FC236}">
+                <a16:creationId xmlns:a16="http://schemas.microsoft.com/office/drawing/2014/main" id="{5A59CCB3-8D97-4B53-A971-6C3C38BBA1E8}"/>
+              </a:ext>
+            </a:extLst>
+          </p:cNvPr>
+          <p:cNvSpPr txBox="1"/>
+          <p:nvPr/>
+        </p:nvSpPr>
+        <p:spPr>
+          <a:xfrm>
+            <a:off x="4177584" y="179853"/>
+            <a:ext cx="1409360" cy="276999"/>
+          </a:xfrm>
+          <a:prstGeom prst="rect">
+            <a:avLst/>
+          </a:prstGeom>
+          <a:noFill/>
+        </p:spPr>
+        <p:txBody>
+          <a:bodyPr wrap="none" rtlCol="0">
+            <a:spAutoFit/>
+          </a:bodyPr>
+          <a:lstStyle/>
+          <a:p>
+            <a:r>
+              <a:rPr lang="en-US" altLang="ko-KR" sz="1200" b="1"/>
+              <a:t>GIS ENGLISH CAMP</a:t>
+            </a:r>
+            <a:endParaRPr lang="ko-KR" altLang="en-US" sz="1200" b="1"/>
+          </a:p>
+        </p:txBody>
+      </p:sp>
+      <p:sp>
+        <p:nvSpPr>
+          <p:cNvPr id="16" name="TextBox 15">
+            <a:extLst>
+              <a:ext uri="{FF2B5EF4-FFF2-40B4-BE49-F238E27FC236}">
+                <a16:creationId xmlns:a16="http://schemas.microsoft.com/office/drawing/2014/main" id="{354926EB-51CC-42D0-877C-A9CF3F28CABF}"/>
+              </a:ext>
+            </a:extLst>
+          </p:cNvPr>
+          <p:cNvSpPr txBox="1"/>
+          <p:nvPr/>
+        </p:nvSpPr>
+        <p:spPr>
+          <a:xfrm>
+            <a:off x="5206433" y="885299"/>
+            <a:ext cx="944489" cy="369332"/>
+          </a:xfrm>
+          <a:prstGeom prst="rect">
+            <a:avLst/>
+          </a:prstGeom>
+          <a:noFill/>
+        </p:spPr>
+        <p:txBody>
+          <a:bodyPr wrap="none" rtlCol="0">
+            <a:spAutoFit/>
+          </a:bodyPr>
+          <a:lstStyle/>
+          <a:p>
+            <a:pPr algn="ctr"/>
+            <a:r>
+              <a:rPr lang="en-US" altLang="ko-KR"/>
+              <a:t>position</a:t>
+            </a:r>
+            <a:endParaRPr lang="ko-KR" altLang="en-US"/>
+          </a:p>
+        </p:txBody>
+      </p:sp>
+      <p:sp>
+        <p:nvSpPr>
+          <p:cNvPr id="17" name="TextBox 16">
+            <a:extLst>
+              <a:ext uri="{FF2B5EF4-FFF2-40B4-BE49-F238E27FC236}">
+                <a16:creationId xmlns:a16="http://schemas.microsoft.com/office/drawing/2014/main" id="{4AF5DD76-0B49-464F-B6E2-59A6C7664B7C}"/>
+              </a:ext>
+            </a:extLst>
+          </p:cNvPr>
+          <p:cNvSpPr txBox="1"/>
+          <p:nvPr/>
+        </p:nvSpPr>
+        <p:spPr>
+          <a:xfrm>
+            <a:off x="4984418" y="1359764"/>
+            <a:ext cx="1388521" cy="707886"/>
+          </a:xfrm>
+          <a:prstGeom prst="rect">
+            <a:avLst/>
+          </a:prstGeom>
+          <a:noFill/>
+        </p:spPr>
+        <p:txBody>
+          <a:bodyPr wrap="none" rtlCol="0">
+            <a:spAutoFit/>
+          </a:bodyPr>
+          <a:lstStyle/>
+          <a:p>
+            <a:pPr algn="ctr"/>
+            <a:r>
+              <a:rPr lang="en-US" altLang="ko-KR" sz="4000" b="1"/>
+              <a:t>name</a:t>
+            </a:r>
+            <a:endParaRPr lang="ko-KR" altLang="en-US" sz="4000" b="1"/>
+          </a:p>
+        </p:txBody>
+      </p:sp>
+      <p:sp>
+        <p:nvSpPr>
+          <p:cNvPr id="18" name="TextBox 17">
+            <a:extLst>
+              <a:ext uri="{FF2B5EF4-FFF2-40B4-BE49-F238E27FC236}">
+                <a16:creationId xmlns:a16="http://schemas.microsoft.com/office/drawing/2014/main" id="{9CCCA046-452E-4915-928F-C8193D446B41}"/>
+              </a:ext>
+            </a:extLst>
+          </p:cNvPr>
+          <p:cNvSpPr txBox="1"/>
+          <p:nvPr/>
+        </p:nvSpPr>
+        <p:spPr>
+          <a:xfrm>
+            <a:off x="4804083" y="2072188"/>
+            <a:ext cx="1749198" cy="584775"/>
+          </a:xfrm>
+          <a:prstGeom prst="rect">
+            <a:avLst/>
+          </a:prstGeom>
+          <a:noFill/>
+        </p:spPr>
+        <p:txBody>
+          <a:bodyPr wrap="none" rtlCol="0">
+            <a:spAutoFit/>
+          </a:bodyPr>
+          <a:lstStyle/>
+          <a:p>
+            <a:pPr algn="ctr"/>
+            <a:r>
+              <a:rPr lang="en-US" altLang="ko-KR" sz="3200" b="1"/>
+              <a:t>subname</a:t>
+            </a:r>
+            <a:endParaRPr lang="ko-KR" altLang="en-US" sz="3200" b="1"/>
+          </a:p>
+        </p:txBody>
+      </p:sp>
+      <p:sp>
+        <p:nvSpPr>
+          <p:cNvPr id="19" name="직사각형 18">
+            <a:extLst>
+              <a:ext uri="{FF2B5EF4-FFF2-40B4-BE49-F238E27FC236}">
+                <a16:creationId xmlns:a16="http://schemas.microsoft.com/office/drawing/2014/main" id="{B4FF2C9A-F55C-4AE2-943B-2D063B2AA8A5}"/>
+              </a:ext>
+            </a:extLst>
+          </p:cNvPr>
+          <p:cNvSpPr/>
+          <p:nvPr/>
+        </p:nvSpPr>
+        <p:spPr>
+          <a:xfrm>
+            <a:off x="3797676" y="2962300"/>
+            <a:ext cx="3762000" cy="277700"/>
+          </a:xfrm>
+          <a:prstGeom prst="rect">
+            <a:avLst/>
+          </a:prstGeom>
+          <a:solidFill>
+            <a:schemeClr val="accent6"/>
+          </a:solidFill>
+          <a:ln>
+            <a:noFill/>
+          </a:ln>
+        </p:spPr>
+        <p:style>
+          <a:lnRef idx="2">
+            <a:schemeClr val="accent1">
+              <a:shade val="50000"/>
+            </a:schemeClr>
+          </a:lnRef>
+          <a:fillRef idx="1">
+            <a:schemeClr val="accent1"/>
+          </a:fillRef>
+          <a:effectRef idx="0">
+            <a:schemeClr val="accent1"/>
+          </a:effectRef>
+          <a:fontRef idx="minor">
+            <a:schemeClr val="lt1"/>
+          </a:fontRef>
+        </p:style>
+        <p:txBody>
+          <a:bodyPr rtlCol="0" anchor="ctr"/>
+          <a:lstStyle/>
+          <a:p>
+            <a:pPr algn="ctr"/>
+            <a:endParaRPr lang="ko-KR" altLang="en-US"/>
+          </a:p>
+        </p:txBody>
+      </p:sp>
+      <p:sp>
+        <p:nvSpPr>
+          <p:cNvPr id="20" name="직사각형 19">
+            <a:extLst>
+              <a:ext uri="{FF2B5EF4-FFF2-40B4-BE49-F238E27FC236}">
+                <a16:creationId xmlns:a16="http://schemas.microsoft.com/office/drawing/2014/main" id="{74E6C138-3CB9-440A-A48B-D88FE2F5C9B0}"/>
+              </a:ext>
+            </a:extLst>
+          </p:cNvPr>
+          <p:cNvSpPr/>
+          <p:nvPr/>
+        </p:nvSpPr>
+        <p:spPr>
+          <a:xfrm>
+            <a:off x="0" y="3725906"/>
+            <a:ext cx="3762000" cy="3240000"/>
+          </a:xfrm>
+          <a:prstGeom prst="rect">
+            <a:avLst/>
+          </a:prstGeom>
+          <a:solidFill>
+            <a:schemeClr val="bg1"/>
+          </a:solidFill>
+          <a:ln>
+            <a:noFill/>
+          </a:ln>
+        </p:spPr>
+        <p:style>
+          <a:lnRef idx="2">
+            <a:schemeClr val="accent1">
+              <a:shade val="50000"/>
+            </a:schemeClr>
+          </a:lnRef>
+          <a:fillRef idx="1">
+            <a:schemeClr val="accent1"/>
+          </a:fillRef>
+          <a:effectRef idx="0">
+            <a:schemeClr val="accent1"/>
+          </a:effectRef>
+          <a:fontRef idx="minor">
+            <a:schemeClr val="lt1"/>
+          </a:fontRef>
+        </p:style>
+        <p:txBody>
+          <a:bodyPr rtlCol="0" anchor="ctr"/>
+          <a:lstStyle/>
+          <a:p>
+            <a:pPr algn="ctr"/>
+            <a:endParaRPr lang="ko-KR" altLang="en-US"/>
+          </a:p>
+        </p:txBody>
+      </p:sp>
+      <p:pic>
+        <p:nvPicPr>
+          <p:cNvPr id="21" name="그림 20">
+            <a:extLst>
+              <a:ext uri="{FF2B5EF4-FFF2-40B4-BE49-F238E27FC236}">
+                <a16:creationId xmlns:a16="http://schemas.microsoft.com/office/drawing/2014/main" id="{A5058AEB-CD80-4522-BCB1-6427A39B3EF8}"/>
+              </a:ext>
+            </a:extLst>
+          </p:cNvPr>
+          <p:cNvPicPr>
+            <a:picLocks noChangeAspect="1"/>
+          </p:cNvPicPr>
+          <p:nvPr/>
+        </p:nvPicPr>
+        <p:blipFill rotWithShape="1">
+          <a:blip r:embed="rId2">
+            <a:alphaModFix/>
+            <a:extLst>
+              <a:ext uri="{28A0092B-C50C-407E-A947-70E740481C1C}">
+                <a14:useLocalDpi xmlns:a14="http://schemas.microsoft.com/office/drawing/2010/main" val="0"/>
+              </a:ext>
+            </a:extLst>
+          </a:blip>
+          <a:srcRect l="8539" t="7835" r="8539" b="7922"/>
+          <a:stretch/>
+        </p:blipFill>
+        <p:spPr>
+          <a:xfrm>
+            <a:off x="99209" y="3817026"/>
+            <a:ext cx="328146" cy="333372"/>
+          </a:xfrm>
+          <a:prstGeom prst="rect">
+            <a:avLst/>
+          </a:prstGeom>
+        </p:spPr>
+      </p:pic>
+      <p:sp>
+        <p:nvSpPr>
+          <p:cNvPr id="22" name="TextBox 21">
+            <a:extLst>
+              <a:ext uri="{FF2B5EF4-FFF2-40B4-BE49-F238E27FC236}">
+                <a16:creationId xmlns:a16="http://schemas.microsoft.com/office/drawing/2014/main" id="{3F69A310-D294-476E-B9C5-4E94BD0F2A13}"/>
+              </a:ext>
+            </a:extLst>
+          </p:cNvPr>
+          <p:cNvSpPr txBox="1"/>
+          <p:nvPr/>
+        </p:nvSpPr>
+        <p:spPr>
+          <a:xfrm>
+            <a:off x="390080" y="3809406"/>
+            <a:ext cx="1144865" cy="200055"/>
+          </a:xfrm>
+          <a:prstGeom prst="rect">
+            <a:avLst/>
+          </a:prstGeom>
+          <a:noFill/>
+        </p:spPr>
+        <p:txBody>
+          <a:bodyPr wrap="none" rtlCol="0">
+            <a:spAutoFit/>
+          </a:bodyPr>
+          <a:lstStyle/>
+          <a:p>
+            <a:r>
+              <a:rPr lang="en-US" altLang="ko-KR" sz="700" b="1"/>
+              <a:t>UNIVERSITY of DEBRECEN</a:t>
+            </a:r>
+          </a:p>
+        </p:txBody>
+      </p:sp>
+      <p:sp>
+        <p:nvSpPr>
+          <p:cNvPr id="23" name="TextBox 22">
+            <a:extLst>
+              <a:ext uri="{FF2B5EF4-FFF2-40B4-BE49-F238E27FC236}">
+                <a16:creationId xmlns:a16="http://schemas.microsoft.com/office/drawing/2014/main" id="{96764EEC-B720-43E2-9705-54FEA3258C40}"/>
+              </a:ext>
+            </a:extLst>
+          </p:cNvPr>
+          <p:cNvSpPr txBox="1"/>
+          <p:nvPr/>
+        </p:nvSpPr>
+        <p:spPr>
+          <a:xfrm>
+            <a:off x="379908" y="3905759"/>
+            <a:ext cx="1409360" cy="276999"/>
+          </a:xfrm>
+          <a:prstGeom prst="rect">
+            <a:avLst/>
+          </a:prstGeom>
+          <a:noFill/>
+        </p:spPr>
+        <p:txBody>
+          <a:bodyPr wrap="none" rtlCol="0">
+            <a:spAutoFit/>
+          </a:bodyPr>
+          <a:lstStyle/>
+          <a:p>
+            <a:r>
+              <a:rPr lang="en-US" altLang="ko-KR" sz="1200" b="1"/>
+              <a:t>GIS ENGLISH CAMP</a:t>
+            </a:r>
+            <a:endParaRPr lang="ko-KR" altLang="en-US" sz="1200" b="1"/>
+          </a:p>
+        </p:txBody>
+      </p:sp>
+      <p:sp>
+        <p:nvSpPr>
+          <p:cNvPr id="24" name="TextBox 23">
+            <a:extLst>
+              <a:ext uri="{FF2B5EF4-FFF2-40B4-BE49-F238E27FC236}">
+                <a16:creationId xmlns:a16="http://schemas.microsoft.com/office/drawing/2014/main" id="{86A66C86-5ADC-49C7-A477-DC15C771A990}"/>
+              </a:ext>
+            </a:extLst>
+          </p:cNvPr>
+          <p:cNvSpPr txBox="1"/>
+          <p:nvPr/>
+        </p:nvSpPr>
+        <p:spPr>
+          <a:xfrm>
+            <a:off x="1408757" y="4611205"/>
+            <a:ext cx="944489" cy="369332"/>
+          </a:xfrm>
+          <a:prstGeom prst="rect">
+            <a:avLst/>
+          </a:prstGeom>
+          <a:noFill/>
+        </p:spPr>
+        <p:txBody>
+          <a:bodyPr wrap="none" rtlCol="0">
+            <a:spAutoFit/>
+          </a:bodyPr>
+          <a:lstStyle/>
+          <a:p>
+            <a:pPr algn="ctr"/>
+            <a:r>
+              <a:rPr lang="en-US" altLang="ko-KR"/>
+              <a:t>position</a:t>
+            </a:r>
+            <a:endParaRPr lang="ko-KR" altLang="en-US"/>
+          </a:p>
+        </p:txBody>
+      </p:sp>
+      <p:sp>
+        <p:nvSpPr>
+          <p:cNvPr id="25" name="TextBox 24">
+            <a:extLst>
+              <a:ext uri="{FF2B5EF4-FFF2-40B4-BE49-F238E27FC236}">
+                <a16:creationId xmlns:a16="http://schemas.microsoft.com/office/drawing/2014/main" id="{98CEC0C8-998E-4E76-B38A-95DFB28E007D}"/>
+              </a:ext>
+            </a:extLst>
+          </p:cNvPr>
+          <p:cNvSpPr txBox="1"/>
+          <p:nvPr/>
+        </p:nvSpPr>
+        <p:spPr>
+          <a:xfrm>
+            <a:off x="1186742" y="5085670"/>
+            <a:ext cx="1388521" cy="707886"/>
+          </a:xfrm>
+          <a:prstGeom prst="rect">
+            <a:avLst/>
+          </a:prstGeom>
+          <a:noFill/>
+        </p:spPr>
+        <p:txBody>
+          <a:bodyPr wrap="none" rtlCol="0">
+            <a:spAutoFit/>
+          </a:bodyPr>
+          <a:lstStyle/>
+          <a:p>
+            <a:pPr algn="ctr"/>
+            <a:r>
+              <a:rPr lang="en-US" altLang="ko-KR" sz="4000" b="1"/>
+              <a:t>name</a:t>
+            </a:r>
+            <a:endParaRPr lang="ko-KR" altLang="en-US" sz="4000" b="1"/>
+          </a:p>
+        </p:txBody>
+      </p:sp>
+      <p:sp>
+        <p:nvSpPr>
+          <p:cNvPr id="26" name="TextBox 25">
+            <a:extLst>
+              <a:ext uri="{FF2B5EF4-FFF2-40B4-BE49-F238E27FC236}">
+                <a16:creationId xmlns:a16="http://schemas.microsoft.com/office/drawing/2014/main" id="{9BBC1FB0-FD6C-46D9-8748-6C5E5AB80218}"/>
+              </a:ext>
+            </a:extLst>
+          </p:cNvPr>
+          <p:cNvSpPr txBox="1"/>
+          <p:nvPr/>
+        </p:nvSpPr>
+        <p:spPr>
+          <a:xfrm>
+            <a:off x="1006407" y="5798094"/>
+            <a:ext cx="1749197" cy="584775"/>
+          </a:xfrm>
+          <a:prstGeom prst="rect">
+            <a:avLst/>
+          </a:prstGeom>
+          <a:noFill/>
+        </p:spPr>
+        <p:txBody>
+          <a:bodyPr wrap="none" rtlCol="0">
+            <a:spAutoFit/>
+          </a:bodyPr>
+          <a:lstStyle/>
+          <a:p>
+            <a:pPr algn="ctr"/>
+            <a:r>
+              <a:rPr lang="en-US" altLang="ko-KR" sz="3200" b="1"/>
+              <a:t>subname</a:t>
+            </a:r>
+            <a:endParaRPr lang="ko-KR" altLang="en-US" sz="3200" b="1"/>
+          </a:p>
+        </p:txBody>
+      </p:sp>
+      <p:sp>
+        <p:nvSpPr>
+          <p:cNvPr id="27" name="직사각형 26">
+            <a:extLst>
+              <a:ext uri="{FF2B5EF4-FFF2-40B4-BE49-F238E27FC236}">
+                <a16:creationId xmlns:a16="http://schemas.microsoft.com/office/drawing/2014/main" id="{94C2EB9B-B6EF-4C7C-ADC7-7AD5D9118CFB}"/>
+              </a:ext>
+            </a:extLst>
+          </p:cNvPr>
+          <p:cNvSpPr/>
+          <p:nvPr/>
+        </p:nvSpPr>
+        <p:spPr>
+          <a:xfrm>
+            <a:off x="0" y="6688206"/>
+            <a:ext cx="3762000" cy="277700"/>
+          </a:xfrm>
+          <a:prstGeom prst="rect">
+            <a:avLst/>
+          </a:prstGeom>
+          <a:solidFill>
+            <a:schemeClr val="accent6"/>
+          </a:solidFill>
+          <a:ln>
+            <a:noFill/>
+          </a:ln>
+        </p:spPr>
+        <p:style>
+          <a:lnRef idx="2">
+            <a:schemeClr val="accent1">
+              <a:shade val="50000"/>
+            </a:schemeClr>
+          </a:lnRef>
+          <a:fillRef idx="1">
+            <a:schemeClr val="accent1"/>
+          </a:fillRef>
+          <a:effectRef idx="0">
+            <a:schemeClr val="accent1"/>
+          </a:effectRef>
+          <a:fontRef idx="minor">
+            <a:schemeClr val="lt1"/>
+          </a:fontRef>
+        </p:style>
+        <p:txBody>
+          <a:bodyPr rtlCol="0" anchor="ctr"/>
+          <a:lstStyle/>
+          <a:p>
+            <a:pPr algn="ctr"/>
+            <a:endParaRPr lang="ko-KR" altLang="en-US"/>
+          </a:p>
+        </p:txBody>
+      </p:sp>
+      <p:sp>
+        <p:nvSpPr>
+          <p:cNvPr id="28" name="직사각형 27">
+            <a:extLst>
+              <a:ext uri="{FF2B5EF4-FFF2-40B4-BE49-F238E27FC236}">
+                <a16:creationId xmlns:a16="http://schemas.microsoft.com/office/drawing/2014/main" id="{31951F36-25E0-4AEE-B1B8-1B3F3056C7B6}"/>
+              </a:ext>
+            </a:extLst>
+          </p:cNvPr>
+          <p:cNvSpPr/>
+          <p:nvPr/>
+        </p:nvSpPr>
+        <p:spPr>
+          <a:xfrm>
+            <a:off x="3797676" y="3725906"/>
+            <a:ext cx="3762000" cy="3240000"/>
+          </a:xfrm>
+          <a:prstGeom prst="rect">
+            <a:avLst/>
+          </a:prstGeom>
+          <a:solidFill>
+            <a:schemeClr val="bg1"/>
+          </a:solidFill>
+          <a:ln>
+            <a:noFill/>
+          </a:ln>
+        </p:spPr>
+        <p:style>
+          <a:lnRef idx="2">
+            <a:schemeClr val="accent1">
+              <a:shade val="50000"/>
+            </a:schemeClr>
+          </a:lnRef>
+          <a:fillRef idx="1">
+            <a:schemeClr val="accent1"/>
+          </a:fillRef>
+          <a:effectRef idx="0">
+            <a:schemeClr val="accent1"/>
+          </a:effectRef>
+          <a:fontRef idx="minor">
+            <a:schemeClr val="lt1"/>
+          </a:fontRef>
+        </p:style>
+        <p:txBody>
+          <a:bodyPr rtlCol="0" anchor="ctr"/>
+          <a:lstStyle/>
+          <a:p>
+            <a:pPr algn="ctr"/>
+            <a:endParaRPr lang="ko-KR" altLang="en-US"/>
+          </a:p>
+        </p:txBody>
+      </p:sp>
+      <p:pic>
+        <p:nvPicPr>
+          <p:cNvPr id="29" name="그림 28">
+            <a:extLst>
+              <a:ext uri="{FF2B5EF4-FFF2-40B4-BE49-F238E27FC236}">
+                <a16:creationId xmlns:a16="http://schemas.microsoft.com/office/drawing/2014/main" id="{67E40785-9462-41D5-B5E1-EF872F3774B5}"/>
+              </a:ext>
+            </a:extLst>
+          </p:cNvPr>
+          <p:cNvPicPr>
+            <a:picLocks noChangeAspect="1"/>
+          </p:cNvPicPr>
+          <p:nvPr/>
+        </p:nvPicPr>
+        <p:blipFill rotWithShape="1">
+          <a:blip r:embed="rId2">
+            <a:alphaModFix/>
+            <a:extLst>
+              <a:ext uri="{28A0092B-C50C-407E-A947-70E740481C1C}">
+                <a14:useLocalDpi xmlns:a14="http://schemas.microsoft.com/office/drawing/2010/main" val="0"/>
+              </a:ext>
+            </a:extLst>
+          </a:blip>
+          <a:srcRect l="8539" t="7835" r="8539" b="7922"/>
+          <a:stretch/>
+        </p:blipFill>
+        <p:spPr>
+          <a:xfrm>
+            <a:off x="3896885" y="3817026"/>
+            <a:ext cx="328146" cy="333372"/>
+          </a:xfrm>
+          <a:prstGeom prst="rect">
+            <a:avLst/>
+          </a:prstGeom>
+        </p:spPr>
+      </p:pic>
+      <p:sp>
+        <p:nvSpPr>
+          <p:cNvPr id="30" name="TextBox 29">
+            <a:extLst>
+              <a:ext uri="{FF2B5EF4-FFF2-40B4-BE49-F238E27FC236}">
+                <a16:creationId xmlns:a16="http://schemas.microsoft.com/office/drawing/2014/main" id="{EAB64103-77DB-4B35-8BD9-D3D37A40A88A}"/>
+              </a:ext>
+            </a:extLst>
+          </p:cNvPr>
+          <p:cNvSpPr txBox="1"/>
+          <p:nvPr/>
+        </p:nvSpPr>
+        <p:spPr>
+          <a:xfrm>
+            <a:off x="4187756" y="3809406"/>
+            <a:ext cx="1144865" cy="200055"/>
+          </a:xfrm>
+          <a:prstGeom prst="rect">
+            <a:avLst/>
+          </a:prstGeom>
+          <a:noFill/>
+        </p:spPr>
+        <p:txBody>
+          <a:bodyPr wrap="none" rtlCol="0">
+            <a:spAutoFit/>
+          </a:bodyPr>
+          <a:lstStyle/>
+          <a:p>
+            <a:r>
+              <a:rPr lang="en-US" altLang="ko-KR" sz="700" b="1"/>
+              <a:t>UNIVERSITY of DEBRECEN</a:t>
+            </a:r>
+          </a:p>
+        </p:txBody>
+      </p:sp>
+      <p:sp>
+        <p:nvSpPr>
+          <p:cNvPr id="31" name="TextBox 30">
+            <a:extLst>
+              <a:ext uri="{FF2B5EF4-FFF2-40B4-BE49-F238E27FC236}">
+                <a16:creationId xmlns:a16="http://schemas.microsoft.com/office/drawing/2014/main" id="{81A0D60D-3B8E-4F1F-B2A9-D32F615993A4}"/>
+              </a:ext>
+            </a:extLst>
+          </p:cNvPr>
+          <p:cNvSpPr txBox="1"/>
+          <p:nvPr/>
+        </p:nvSpPr>
+        <p:spPr>
+          <a:xfrm>
+            <a:off x="4177584" y="3905759"/>
+            <a:ext cx="1409360" cy="276999"/>
+          </a:xfrm>
+          <a:prstGeom prst="rect">
+            <a:avLst/>
+          </a:prstGeom>
+          <a:noFill/>
+        </p:spPr>
+        <p:txBody>
+          <a:bodyPr wrap="none" rtlCol="0">
+            <a:spAutoFit/>
+          </a:bodyPr>
+          <a:lstStyle/>
+          <a:p>
+            <a:r>
+              <a:rPr lang="en-US" altLang="ko-KR" sz="1200" b="1"/>
+              <a:t>GIS ENGLISH CAMP</a:t>
+            </a:r>
+            <a:endParaRPr lang="ko-KR" altLang="en-US" sz="1200" b="1"/>
+          </a:p>
+        </p:txBody>
+      </p:sp>
+      <p:sp>
+        <p:nvSpPr>
+          <p:cNvPr id="32" name="TextBox 31">
+            <a:extLst>
+              <a:ext uri="{FF2B5EF4-FFF2-40B4-BE49-F238E27FC236}">
+                <a16:creationId xmlns:a16="http://schemas.microsoft.com/office/drawing/2014/main" id="{FF8581AD-EFC0-41CD-A538-05C888ACCFBF}"/>
+              </a:ext>
+            </a:extLst>
+          </p:cNvPr>
+          <p:cNvSpPr txBox="1"/>
+          <p:nvPr/>
+        </p:nvSpPr>
+        <p:spPr>
+          <a:xfrm>
+            <a:off x="5206433" y="4611205"/>
+            <a:ext cx="944489" cy="369332"/>
+          </a:xfrm>
+          <a:prstGeom prst="rect">
+            <a:avLst/>
+          </a:prstGeom>
+          <a:noFill/>
+        </p:spPr>
+        <p:txBody>
+          <a:bodyPr wrap="none" rtlCol="0">
+            <a:spAutoFit/>
+          </a:bodyPr>
+          <a:lstStyle/>
+          <a:p>
+            <a:pPr algn="ctr"/>
+            <a:r>
+              <a:rPr lang="en-US" altLang="ko-KR"/>
+              <a:t>position</a:t>
+            </a:r>
+            <a:endParaRPr lang="ko-KR" altLang="en-US"/>
+          </a:p>
+        </p:txBody>
+      </p:sp>
+      <p:sp>
+        <p:nvSpPr>
+          <p:cNvPr id="33" name="TextBox 32">
+            <a:extLst>
+              <a:ext uri="{FF2B5EF4-FFF2-40B4-BE49-F238E27FC236}">
+                <a16:creationId xmlns:a16="http://schemas.microsoft.com/office/drawing/2014/main" id="{7C4357FB-93F3-4D04-9D21-49EE6D742377}"/>
+              </a:ext>
+            </a:extLst>
+          </p:cNvPr>
+          <p:cNvSpPr txBox="1"/>
+          <p:nvPr/>
+        </p:nvSpPr>
+        <p:spPr>
+          <a:xfrm>
+            <a:off x="4984418" y="5085670"/>
+            <a:ext cx="1388521" cy="707886"/>
+          </a:xfrm>
+          <a:prstGeom prst="rect">
+            <a:avLst/>
+          </a:prstGeom>
+          <a:noFill/>
+        </p:spPr>
+        <p:txBody>
+          <a:bodyPr wrap="none" rtlCol="0">
+            <a:spAutoFit/>
+          </a:bodyPr>
+          <a:lstStyle/>
+          <a:p>
+            <a:pPr algn="ctr"/>
+            <a:r>
+              <a:rPr lang="en-US" altLang="ko-KR" sz="4000" b="1"/>
+              <a:t>name</a:t>
+            </a:r>
+            <a:endParaRPr lang="ko-KR" altLang="en-US" sz="4000" b="1"/>
+          </a:p>
+        </p:txBody>
+      </p:sp>
+      <p:sp>
+        <p:nvSpPr>
+          <p:cNvPr id="34" name="TextBox 33">
+            <a:extLst>
+              <a:ext uri="{FF2B5EF4-FFF2-40B4-BE49-F238E27FC236}">
+                <a16:creationId xmlns:a16="http://schemas.microsoft.com/office/drawing/2014/main" id="{B28A5F34-503B-4948-A840-496A1ABE83FB}"/>
+              </a:ext>
+            </a:extLst>
+          </p:cNvPr>
+          <p:cNvSpPr txBox="1"/>
+          <p:nvPr/>
+        </p:nvSpPr>
+        <p:spPr>
+          <a:xfrm>
+            <a:off x="4804083" y="5798094"/>
+            <a:ext cx="1749198" cy="584775"/>
+          </a:xfrm>
+          <a:prstGeom prst="rect">
+            <a:avLst/>
+          </a:prstGeom>
+          <a:noFill/>
+        </p:spPr>
+        <p:txBody>
+          <a:bodyPr wrap="none" rtlCol="0">
+            <a:spAutoFit/>
+          </a:bodyPr>
+          <a:lstStyle/>
+          <a:p>
+            <a:pPr algn="ctr"/>
+            <a:r>
+              <a:rPr lang="en-US" altLang="ko-KR" sz="3200" b="1"/>
+              <a:t>subname</a:t>
+            </a:r>
+            <a:endParaRPr lang="ko-KR" altLang="en-US" sz="3200" b="1"/>
+          </a:p>
+        </p:txBody>
+      </p:sp>
+      <p:sp>
+        <p:nvSpPr>
+          <p:cNvPr id="35" name="직사각형 34">
+            <a:extLst>
+              <a:ext uri="{FF2B5EF4-FFF2-40B4-BE49-F238E27FC236}">
+                <a16:creationId xmlns:a16="http://schemas.microsoft.com/office/drawing/2014/main" id="{59C4828D-DC92-46D2-A233-C7EB77480699}"/>
+              </a:ext>
+            </a:extLst>
+          </p:cNvPr>
+          <p:cNvSpPr/>
+          <p:nvPr/>
+        </p:nvSpPr>
+        <p:spPr>
+          <a:xfrm>
+            <a:off x="3797676" y="6688206"/>
+            <a:ext cx="3762000" cy="277700"/>
+          </a:xfrm>
+          <a:prstGeom prst="rect">
+            <a:avLst/>
+          </a:prstGeom>
+          <a:solidFill>
+            <a:schemeClr val="accent6"/>
+          </a:solidFill>
+          <a:ln>
+            <a:noFill/>
+          </a:ln>
+        </p:spPr>
+        <p:style>
+          <a:lnRef idx="2">
+            <a:schemeClr val="accent1">
+              <a:shade val="50000"/>
+            </a:schemeClr>
+          </a:lnRef>
+          <a:fillRef idx="1">
+            <a:schemeClr val="accent1"/>
+          </a:fillRef>
+          <a:effectRef idx="0">
+            <a:schemeClr val="accent1"/>
+          </a:effectRef>
+          <a:fontRef idx="minor">
+            <a:schemeClr val="lt1"/>
+          </a:fontRef>
+        </p:style>
+        <p:txBody>
+          <a:bodyPr rtlCol="0" anchor="ctr"/>
+          <a:lstStyle/>
+          <a:p>
+            <a:pPr algn="ctr"/>
+            <a:endParaRPr lang="ko-KR" altLang="en-US"/>
+          </a:p>
+        </p:txBody>
+      </p:sp>
+      <p:sp>
+        <p:nvSpPr>
+          <p:cNvPr id="36" name="직사각형 35">
+            <a:extLst>
+              <a:ext uri="{FF2B5EF4-FFF2-40B4-BE49-F238E27FC236}">
+                <a16:creationId xmlns:a16="http://schemas.microsoft.com/office/drawing/2014/main" id="{23369236-F3FF-450F-A89A-991E6E7F7BC6}"/>
+              </a:ext>
+            </a:extLst>
+          </p:cNvPr>
+          <p:cNvSpPr/>
+          <p:nvPr/>
+        </p:nvSpPr>
+        <p:spPr>
+          <a:xfrm>
+            <a:off x="0" y="7451813"/>
+            <a:ext cx="3762000" cy="3240000"/>
+          </a:xfrm>
+          <a:prstGeom prst="rect">
+            <a:avLst/>
+          </a:prstGeom>
+          <a:solidFill>
+            <a:schemeClr val="bg1"/>
+          </a:solidFill>
+          <a:ln>
+            <a:noFill/>
+          </a:ln>
+        </p:spPr>
+        <p:style>
+          <a:lnRef idx="2">
+            <a:schemeClr val="accent1">
+              <a:shade val="50000"/>
+            </a:schemeClr>
+          </a:lnRef>
+          <a:fillRef idx="1">
+            <a:schemeClr val="accent1"/>
+          </a:fillRef>
+          <a:effectRef idx="0">
+            <a:schemeClr val="accent1"/>
+          </a:effectRef>
+          <a:fontRef idx="minor">
+            <a:schemeClr val="lt1"/>
+          </a:fontRef>
+        </p:style>
+        <p:txBody>
+          <a:bodyPr rtlCol="0" anchor="ctr"/>
+          <a:lstStyle/>
+          <a:p>
+            <a:pPr algn="ctr"/>
+            <a:endParaRPr lang="ko-KR" altLang="en-US"/>
+          </a:p>
+        </p:txBody>
+      </p:sp>
+      <p:pic>
+        <p:nvPicPr>
+          <p:cNvPr id="37" name="그림 36">
+            <a:extLst>
+              <a:ext uri="{FF2B5EF4-FFF2-40B4-BE49-F238E27FC236}">
+                <a16:creationId xmlns:a16="http://schemas.microsoft.com/office/drawing/2014/main" id="{7FC9D859-1233-423B-8FD3-567F0DC9AB76}"/>
+              </a:ext>
+            </a:extLst>
+          </p:cNvPr>
+          <p:cNvPicPr>
+            <a:picLocks noChangeAspect="1"/>
+          </p:cNvPicPr>
+          <p:nvPr/>
+        </p:nvPicPr>
+        <p:blipFill rotWithShape="1">
+          <a:blip r:embed="rId2">
+            <a:alphaModFix/>
+            <a:extLst>
+              <a:ext uri="{28A0092B-C50C-407E-A947-70E740481C1C}">
+                <a14:useLocalDpi xmlns:a14="http://schemas.microsoft.com/office/drawing/2010/main" val="0"/>
+              </a:ext>
+            </a:extLst>
+          </a:blip>
+          <a:srcRect l="8539" t="7835" r="8539" b="7922"/>
+          <a:stretch/>
+        </p:blipFill>
+        <p:spPr>
+          <a:xfrm>
+            <a:off x="99209" y="7542933"/>
+            <a:ext cx="328146" cy="333372"/>
+          </a:xfrm>
+          <a:prstGeom prst="rect">
+            <a:avLst/>
+          </a:prstGeom>
+        </p:spPr>
+      </p:pic>
+      <p:sp>
+        <p:nvSpPr>
+          <p:cNvPr id="38" name="TextBox 37">
+            <a:extLst>
+              <a:ext uri="{FF2B5EF4-FFF2-40B4-BE49-F238E27FC236}">
+                <a16:creationId xmlns:a16="http://schemas.microsoft.com/office/drawing/2014/main" id="{B2D3DDC9-5496-4B71-941C-6D5148F9E741}"/>
+              </a:ext>
+            </a:extLst>
+          </p:cNvPr>
+          <p:cNvSpPr txBox="1"/>
+          <p:nvPr/>
+        </p:nvSpPr>
+        <p:spPr>
+          <a:xfrm>
+            <a:off x="390080" y="7535313"/>
+            <a:ext cx="1144865" cy="200055"/>
+          </a:xfrm>
+          <a:prstGeom prst="rect">
+            <a:avLst/>
+          </a:prstGeom>
+          <a:noFill/>
+        </p:spPr>
+        <p:txBody>
+          <a:bodyPr wrap="none" rtlCol="0">
+            <a:spAutoFit/>
+          </a:bodyPr>
+          <a:lstStyle/>
+          <a:p>
+            <a:r>
+              <a:rPr lang="en-US" altLang="ko-KR" sz="700" b="1"/>
+              <a:t>UNIVERSITY of DEBRECEN</a:t>
+            </a:r>
+          </a:p>
+        </p:txBody>
+      </p:sp>
+      <p:sp>
+        <p:nvSpPr>
+          <p:cNvPr id="39" name="TextBox 38">
+            <a:extLst>
+              <a:ext uri="{FF2B5EF4-FFF2-40B4-BE49-F238E27FC236}">
+                <a16:creationId xmlns:a16="http://schemas.microsoft.com/office/drawing/2014/main" id="{EA114901-B92B-4E2E-94C1-8A8BB2A54FD9}"/>
+              </a:ext>
+            </a:extLst>
+          </p:cNvPr>
+          <p:cNvSpPr txBox="1"/>
+          <p:nvPr/>
+        </p:nvSpPr>
+        <p:spPr>
+          <a:xfrm>
+            <a:off x="379908" y="7631666"/>
+            <a:ext cx="1409360" cy="276999"/>
+          </a:xfrm>
+          <a:prstGeom prst="rect">
+            <a:avLst/>
+          </a:prstGeom>
+          <a:noFill/>
+        </p:spPr>
+        <p:txBody>
+          <a:bodyPr wrap="none" rtlCol="0">
+            <a:spAutoFit/>
+          </a:bodyPr>
+          <a:lstStyle/>
+          <a:p>
+            <a:r>
+              <a:rPr lang="en-US" altLang="ko-KR" sz="1200" b="1"/>
+              <a:t>GIS ENGLISH CAMP</a:t>
+            </a:r>
+            <a:endParaRPr lang="ko-KR" altLang="en-US" sz="1200" b="1"/>
+          </a:p>
+        </p:txBody>
+      </p:sp>
+      <p:sp>
+        <p:nvSpPr>
+          <p:cNvPr id="40" name="TextBox 39">
+            <a:extLst>
+              <a:ext uri="{FF2B5EF4-FFF2-40B4-BE49-F238E27FC236}">
+                <a16:creationId xmlns:a16="http://schemas.microsoft.com/office/drawing/2014/main" id="{12372015-A40C-41BA-8BDB-85E772C285ED}"/>
+              </a:ext>
+            </a:extLst>
+          </p:cNvPr>
+          <p:cNvSpPr txBox="1"/>
+          <p:nvPr/>
+        </p:nvSpPr>
+        <p:spPr>
+          <a:xfrm>
+            <a:off x="1408757" y="8337112"/>
+            <a:ext cx="944489" cy="369332"/>
+          </a:xfrm>
+          <a:prstGeom prst="rect">
+            <a:avLst/>
+          </a:prstGeom>
+          <a:noFill/>
+        </p:spPr>
+        <p:txBody>
+          <a:bodyPr wrap="none" rtlCol="0">
+            <a:spAutoFit/>
+          </a:bodyPr>
+          <a:lstStyle/>
+          <a:p>
+            <a:pPr algn="ctr"/>
+            <a:r>
+              <a:rPr lang="en-US" altLang="ko-KR"/>
+              <a:t>position</a:t>
+            </a:r>
+            <a:endParaRPr lang="ko-KR" altLang="en-US"/>
+          </a:p>
+        </p:txBody>
+      </p:sp>
+      <p:sp>
+        <p:nvSpPr>
+          <p:cNvPr id="41" name="TextBox 40">
+            <a:extLst>
+              <a:ext uri="{FF2B5EF4-FFF2-40B4-BE49-F238E27FC236}">
+                <a16:creationId xmlns:a16="http://schemas.microsoft.com/office/drawing/2014/main" id="{6A05250D-A8DC-47BB-B558-32F46FBED826}"/>
+              </a:ext>
+            </a:extLst>
+          </p:cNvPr>
+          <p:cNvSpPr txBox="1"/>
+          <p:nvPr/>
+        </p:nvSpPr>
+        <p:spPr>
+          <a:xfrm>
+            <a:off x="1186742" y="8811577"/>
+            <a:ext cx="1388521" cy="707886"/>
+          </a:xfrm>
+          <a:prstGeom prst="rect">
+            <a:avLst/>
+          </a:prstGeom>
+          <a:noFill/>
+        </p:spPr>
+        <p:txBody>
+          <a:bodyPr wrap="none" rtlCol="0">
+            <a:spAutoFit/>
+          </a:bodyPr>
+          <a:lstStyle/>
+          <a:p>
+            <a:pPr algn="ctr"/>
+            <a:r>
+              <a:rPr lang="en-US" altLang="ko-KR" sz="4000" b="1"/>
+              <a:t>name</a:t>
+            </a:r>
+            <a:endParaRPr lang="ko-KR" altLang="en-US" sz="4000" b="1"/>
+          </a:p>
+        </p:txBody>
+      </p:sp>
+      <p:sp>
+        <p:nvSpPr>
+          <p:cNvPr id="42" name="TextBox 41">
+            <a:extLst>
+              <a:ext uri="{FF2B5EF4-FFF2-40B4-BE49-F238E27FC236}">
+                <a16:creationId xmlns:a16="http://schemas.microsoft.com/office/drawing/2014/main" id="{CFDE1D7A-50FA-4F64-A029-853AB97EEA3F}"/>
+              </a:ext>
+            </a:extLst>
+          </p:cNvPr>
+          <p:cNvSpPr txBox="1"/>
+          <p:nvPr/>
+        </p:nvSpPr>
+        <p:spPr>
+          <a:xfrm>
+            <a:off x="1006407" y="9524001"/>
+            <a:ext cx="1749198" cy="584775"/>
+          </a:xfrm>
+          <a:prstGeom prst="rect">
+            <a:avLst/>
+          </a:prstGeom>
+          <a:noFill/>
+        </p:spPr>
+        <p:txBody>
+          <a:bodyPr wrap="none" rtlCol="0">
+            <a:spAutoFit/>
+          </a:bodyPr>
+          <a:lstStyle/>
+          <a:p>
+            <a:pPr algn="ctr"/>
+            <a:r>
+              <a:rPr lang="en-US" altLang="ko-KR" sz="3200" b="1"/>
+              <a:t>subname</a:t>
+            </a:r>
+            <a:endParaRPr lang="ko-KR" altLang="en-US" sz="3200" b="1"/>
+          </a:p>
+        </p:txBody>
+      </p:sp>
+      <p:sp>
+        <p:nvSpPr>
+          <p:cNvPr id="43" name="직사각형 42">
+            <a:extLst>
+              <a:ext uri="{FF2B5EF4-FFF2-40B4-BE49-F238E27FC236}">
+                <a16:creationId xmlns:a16="http://schemas.microsoft.com/office/drawing/2014/main" id="{D00626F3-7D35-4265-900E-7559BFA5C031}"/>
+              </a:ext>
+            </a:extLst>
+          </p:cNvPr>
+          <p:cNvSpPr/>
+          <p:nvPr/>
+        </p:nvSpPr>
+        <p:spPr>
+          <a:xfrm>
+            <a:off x="0" y="10414113"/>
+            <a:ext cx="3762000" cy="277700"/>
+          </a:xfrm>
+          <a:prstGeom prst="rect">
+            <a:avLst/>
+          </a:prstGeom>
+          <a:solidFill>
+            <a:schemeClr val="accent6"/>
+          </a:solidFill>
+          <a:ln>
+            <a:noFill/>
+          </a:ln>
+        </p:spPr>
+        <p:style>
+          <a:lnRef idx="2">
+            <a:schemeClr val="accent1">
+              <a:shade val="50000"/>
+            </a:schemeClr>
+          </a:lnRef>
+          <a:fillRef idx="1">
+            <a:schemeClr val="accent1"/>
+          </a:fillRef>
+          <a:effectRef idx="0">
+            <a:schemeClr val="accent1"/>
+          </a:effectRef>
+          <a:fontRef idx="minor">
+            <a:schemeClr val="lt1"/>
+          </a:fontRef>
+        </p:style>
+        <p:txBody>
+          <a:bodyPr rtlCol="0" anchor="ctr"/>
+          <a:lstStyle/>
+          <a:p>
+            <a:pPr algn="ctr"/>
+            <a:endParaRPr lang="ko-KR" altLang="en-US"/>
+          </a:p>
+        </p:txBody>
+      </p:sp>
+      <p:sp>
+        <p:nvSpPr>
+          <p:cNvPr id="44" name="직사각형 43">
+            <a:extLst>
+              <a:ext uri="{FF2B5EF4-FFF2-40B4-BE49-F238E27FC236}">
+                <a16:creationId xmlns:a16="http://schemas.microsoft.com/office/drawing/2014/main" id="{12C06060-90F3-421A-BA11-68674A2A2958}"/>
+              </a:ext>
+            </a:extLst>
+          </p:cNvPr>
+          <p:cNvSpPr/>
+          <p:nvPr/>
+        </p:nvSpPr>
+        <p:spPr>
+          <a:xfrm>
+            <a:off x="3797676" y="7451813"/>
+            <a:ext cx="3762000" cy="3240000"/>
+          </a:xfrm>
+          <a:prstGeom prst="rect">
+            <a:avLst/>
+          </a:prstGeom>
+          <a:solidFill>
+            <a:schemeClr val="bg1"/>
+          </a:solidFill>
+          <a:ln>
+            <a:noFill/>
+          </a:ln>
+        </p:spPr>
+        <p:style>
+          <a:lnRef idx="2">
+            <a:schemeClr val="accent1">
+              <a:shade val="50000"/>
+            </a:schemeClr>
+          </a:lnRef>
+          <a:fillRef idx="1">
+            <a:schemeClr val="accent1"/>
+          </a:fillRef>
+          <a:effectRef idx="0">
+            <a:schemeClr val="accent1"/>
+          </a:effectRef>
+          <a:fontRef idx="minor">
+            <a:schemeClr val="lt1"/>
+          </a:fontRef>
+        </p:style>
+        <p:txBody>
+          <a:bodyPr rtlCol="0" anchor="ctr"/>
+          <a:lstStyle/>
+          <a:p>
+            <a:pPr algn="ctr"/>
+            <a:endParaRPr lang="ko-KR" altLang="en-US"/>
+          </a:p>
+        </p:txBody>
+      </p:sp>
+      <p:pic>
+        <p:nvPicPr>
+          <p:cNvPr id="45" name="그림 44">
+            <a:extLst>
+              <a:ext uri="{FF2B5EF4-FFF2-40B4-BE49-F238E27FC236}">
+                <a16:creationId xmlns:a16="http://schemas.microsoft.com/office/drawing/2014/main" id="{A4EA44E3-309F-4EA8-9959-E05C5120E37B}"/>
+              </a:ext>
+            </a:extLst>
+          </p:cNvPr>
+          <p:cNvPicPr>
+            <a:picLocks noChangeAspect="1"/>
+          </p:cNvPicPr>
+          <p:nvPr/>
+        </p:nvPicPr>
+        <p:blipFill rotWithShape="1">
+          <a:blip r:embed="rId2">
+            <a:alphaModFix/>
+            <a:extLst>
+              <a:ext uri="{28A0092B-C50C-407E-A947-70E740481C1C}">
+                <a14:useLocalDpi xmlns:a14="http://schemas.microsoft.com/office/drawing/2010/main" val="0"/>
+              </a:ext>
+            </a:extLst>
+          </a:blip>
+          <a:srcRect l="8539" t="7835" r="8539" b="7922"/>
+          <a:stretch/>
+        </p:blipFill>
+        <p:spPr>
+          <a:xfrm>
+            <a:off x="3896885" y="7542933"/>
+            <a:ext cx="328146" cy="333372"/>
+          </a:xfrm>
+          <a:prstGeom prst="rect">
+            <a:avLst/>
+          </a:prstGeom>
+        </p:spPr>
+      </p:pic>
+      <p:sp>
+        <p:nvSpPr>
+          <p:cNvPr id="46" name="TextBox 45">
+            <a:extLst>
+              <a:ext uri="{FF2B5EF4-FFF2-40B4-BE49-F238E27FC236}">
+                <a16:creationId xmlns:a16="http://schemas.microsoft.com/office/drawing/2014/main" id="{C2D0D45F-5586-40D3-94B2-30D472849E9C}"/>
+              </a:ext>
+            </a:extLst>
+          </p:cNvPr>
+          <p:cNvSpPr txBox="1"/>
+          <p:nvPr/>
+        </p:nvSpPr>
+        <p:spPr>
+          <a:xfrm>
+            <a:off x="4187756" y="7535313"/>
+            <a:ext cx="1144865" cy="200055"/>
+          </a:xfrm>
+          <a:prstGeom prst="rect">
+            <a:avLst/>
+          </a:prstGeom>
+          <a:noFill/>
+        </p:spPr>
+        <p:txBody>
+          <a:bodyPr wrap="none" rtlCol="0">
+            <a:spAutoFit/>
+          </a:bodyPr>
+          <a:lstStyle/>
+          <a:p>
+            <a:r>
+              <a:rPr lang="en-US" altLang="ko-KR" sz="700" b="1"/>
+              <a:t>UNIVERSITY of DEBRECEN</a:t>
+            </a:r>
+          </a:p>
+        </p:txBody>
+      </p:sp>
+      <p:sp>
+        <p:nvSpPr>
+          <p:cNvPr id="47" name="TextBox 46">
+            <a:extLst>
+              <a:ext uri="{FF2B5EF4-FFF2-40B4-BE49-F238E27FC236}">
+                <a16:creationId xmlns:a16="http://schemas.microsoft.com/office/drawing/2014/main" id="{531A2A4C-085A-4925-AB10-D001B3A5EE2B}"/>
+              </a:ext>
+            </a:extLst>
+          </p:cNvPr>
+          <p:cNvSpPr txBox="1"/>
+          <p:nvPr/>
+        </p:nvSpPr>
+        <p:spPr>
+          <a:xfrm>
+            <a:off x="4177584" y="7631666"/>
+            <a:ext cx="1409360" cy="276999"/>
+          </a:xfrm>
+          <a:prstGeom prst="rect">
+            <a:avLst/>
+          </a:prstGeom>
+          <a:noFill/>
+        </p:spPr>
+        <p:txBody>
+          <a:bodyPr wrap="none" rtlCol="0">
+            <a:spAutoFit/>
+          </a:bodyPr>
+          <a:lstStyle/>
+          <a:p>
+            <a:r>
+              <a:rPr lang="en-US" altLang="ko-KR" sz="1200" b="1"/>
+              <a:t>GIS ENGLISH CAMP</a:t>
+            </a:r>
+            <a:endParaRPr lang="ko-KR" altLang="en-US" sz="1200" b="1"/>
+          </a:p>
+        </p:txBody>
+      </p:sp>
+      <p:sp>
+        <p:nvSpPr>
+          <p:cNvPr id="48" name="TextBox 47">
+            <a:extLst>
+              <a:ext uri="{FF2B5EF4-FFF2-40B4-BE49-F238E27FC236}">
+                <a16:creationId xmlns:a16="http://schemas.microsoft.com/office/drawing/2014/main" id="{F7B1EAC7-6B69-4312-9C9F-47AC7904775E}"/>
+              </a:ext>
+            </a:extLst>
+          </p:cNvPr>
+          <p:cNvSpPr txBox="1"/>
+          <p:nvPr/>
+        </p:nvSpPr>
+        <p:spPr>
+          <a:xfrm>
+            <a:off x="5206433" y="8337112"/>
+            <a:ext cx="944489" cy="369332"/>
+          </a:xfrm>
+          <a:prstGeom prst="rect">
+            <a:avLst/>
+          </a:prstGeom>
+          <a:noFill/>
+        </p:spPr>
+        <p:txBody>
+          <a:bodyPr wrap="none" rtlCol="0">
+            <a:spAutoFit/>
+          </a:bodyPr>
+          <a:lstStyle/>
+          <a:p>
+            <a:pPr algn="ctr"/>
+            <a:r>
+              <a:rPr lang="en-US" altLang="ko-KR"/>
+              <a:t>position</a:t>
+            </a:r>
+            <a:endParaRPr lang="ko-KR" altLang="en-US"/>
+          </a:p>
+        </p:txBody>
+      </p:sp>
+      <p:sp>
+        <p:nvSpPr>
+          <p:cNvPr id="49" name="TextBox 48">
+            <a:extLst>
+              <a:ext uri="{FF2B5EF4-FFF2-40B4-BE49-F238E27FC236}">
+                <a16:creationId xmlns:a16="http://schemas.microsoft.com/office/drawing/2014/main" id="{E3300463-F153-49A2-9711-49CFDC34A190}"/>
+              </a:ext>
+            </a:extLst>
+          </p:cNvPr>
+          <p:cNvSpPr txBox="1"/>
+          <p:nvPr/>
+        </p:nvSpPr>
+        <p:spPr>
+          <a:xfrm>
+            <a:off x="4984418" y="8811577"/>
+            <a:ext cx="1388522" cy="707886"/>
+          </a:xfrm>
+          <a:prstGeom prst="rect">
+            <a:avLst/>
+          </a:prstGeom>
+          <a:noFill/>
+        </p:spPr>
+        <p:txBody>
+          <a:bodyPr wrap="none" rtlCol="0">
+            <a:spAutoFit/>
+          </a:bodyPr>
+          <a:lstStyle/>
+          <a:p>
+            <a:pPr algn="ctr"/>
+            <a:r>
+              <a:rPr lang="en-US" altLang="ko-KR" sz="4000" b="1"/>
+              <a:t>name</a:t>
+            </a:r>
+            <a:endParaRPr lang="ko-KR" altLang="en-US" sz="4000" b="1"/>
+          </a:p>
+        </p:txBody>
+      </p:sp>
+      <p:sp>
+        <p:nvSpPr>
+          <p:cNvPr id="50" name="TextBox 49">
+            <a:extLst>
+              <a:ext uri="{FF2B5EF4-FFF2-40B4-BE49-F238E27FC236}">
+                <a16:creationId xmlns:a16="http://schemas.microsoft.com/office/drawing/2014/main" id="{DD503BC2-B584-47AF-9B49-5B573DEE711C}"/>
+              </a:ext>
+            </a:extLst>
+          </p:cNvPr>
+          <p:cNvSpPr txBox="1"/>
+          <p:nvPr/>
+        </p:nvSpPr>
+        <p:spPr>
+          <a:xfrm>
+            <a:off x="4804083" y="9524001"/>
+            <a:ext cx="1749198" cy="584775"/>
+          </a:xfrm>
+          <a:prstGeom prst="rect">
+            <a:avLst/>
+          </a:prstGeom>
+          <a:noFill/>
+        </p:spPr>
+        <p:txBody>
+          <a:bodyPr wrap="none" rtlCol="0">
+            <a:spAutoFit/>
+          </a:bodyPr>
+          <a:lstStyle/>
+          <a:p>
+            <a:pPr algn="ctr"/>
+            <a:r>
+              <a:rPr lang="en-US" altLang="ko-KR" sz="3200" b="1"/>
+              <a:t>subname</a:t>
+            </a:r>
+            <a:endParaRPr lang="ko-KR" altLang="en-US" sz="3200" b="1"/>
+          </a:p>
+        </p:txBody>
+      </p:sp>
+      <p:sp>
+        <p:nvSpPr>
+          <p:cNvPr id="51" name="직사각형 50">
+            <a:extLst>
+              <a:ext uri="{FF2B5EF4-FFF2-40B4-BE49-F238E27FC236}">
+                <a16:creationId xmlns:a16="http://schemas.microsoft.com/office/drawing/2014/main" id="{8E124AAB-D438-4760-ACBB-BFFCEC5E6F90}"/>
+              </a:ext>
+            </a:extLst>
+          </p:cNvPr>
+          <p:cNvSpPr/>
+          <p:nvPr/>
+        </p:nvSpPr>
+        <p:spPr>
+          <a:xfrm>
+            <a:off x="3797676" y="10414113"/>
+            <a:ext cx="3762000" cy="277700"/>
+          </a:xfrm>
+          <a:prstGeom prst="rect">
+            <a:avLst/>
+          </a:prstGeom>
+          <a:solidFill>
+            <a:schemeClr val="accent6"/>
+          </a:solidFill>
+          <a:ln>
+            <a:noFill/>
+          </a:ln>
+        </p:spPr>
+        <p:style>
+          <a:lnRef idx="2">
+            <a:schemeClr val="accent1">
+              <a:shade val="50000"/>
+            </a:schemeClr>
+          </a:lnRef>
+          <a:fillRef idx="1">
+            <a:schemeClr val="accent1"/>
+          </a:fillRef>
+          <a:effectRef idx="0">
+            <a:schemeClr val="accent1"/>
+          </a:effectRef>
+          <a:fontRef idx="minor">
+            <a:schemeClr val="lt1"/>
+          </a:fontRef>
+        </p:style>
+        <p:txBody>
+          <a:bodyPr rtlCol="0" anchor="ctr"/>
+          <a:lstStyle/>
+          <a:p>
+            <a:pPr algn="ctr"/>
+            <a:endParaRPr lang="ko-KR" altLang="en-US"/>
+          </a:p>
+        </p:txBody>
+      </p:sp>
+    </p:spTree>
+    <p:extLst>
+      <p:ext uri="{BB962C8B-B14F-4D97-AF65-F5344CB8AC3E}">
+        <p14:creationId xmlns:p14="http://schemas.microsoft.com/office/powerpoint/2010/main" val="1082852446"/>
+      </p:ext>
+    </p:extLst>
+  </p:cSld>
+  <p:clrMapOvr>
+    <a:masterClrMapping/>
+  </p:clrMapOvr>
+</p:sld>
+</file>
+
 <file path=ppt/theme/theme1.xml><?xml version="1.0" encoding="utf-8"?>
 <a:theme xmlns:a="http://schemas.openxmlformats.org/drawingml/2006/main" name="Office 테마">
   <a:themeElements>
